--- a/Trabajo_FPGA/Memoria/Esquemas_y_Diagramas.pptx
+++ b/Trabajo_FPGA/Memoria/Esquemas_y_Diagramas.pptx
@@ -104,6 +104,11 @@
       </a:defRPr>
     </a:lvl9pPr>
   </p:defaultTextStyle>
+  <p:extLst>
+    <p:ext uri="{EFAFB233-063F-42B5-8137-9DF3F51BA10A}">
+      <p15:sldGuideLst xmlns:p15="http://schemas.microsoft.com/office/powerpoint/2012/main"/>
+    </p:ext>
+  </p:extLst>
 </p:presentation>
 </file>
 
@@ -254,7 +259,7 @@
           <a:p>
             <a:fld id="{D06B42BD-9ADD-40B8-BE31-81CCC25D0212}" type="datetimeFigureOut">
               <a:rPr lang="es-ES" smtClean="0"/>
-              <a:t>14/12/2021</a:t>
+              <a:t>29/12/2021</a:t>
             </a:fld>
             <a:endParaRPr lang="es-ES"/>
           </a:p>
@@ -452,7 +457,7 @@
           <a:p>
             <a:fld id="{D06B42BD-9ADD-40B8-BE31-81CCC25D0212}" type="datetimeFigureOut">
               <a:rPr lang="es-ES" smtClean="0"/>
-              <a:t>14/12/2021</a:t>
+              <a:t>29/12/2021</a:t>
             </a:fld>
             <a:endParaRPr lang="es-ES"/>
           </a:p>
@@ -660,7 +665,7 @@
           <a:p>
             <a:fld id="{D06B42BD-9ADD-40B8-BE31-81CCC25D0212}" type="datetimeFigureOut">
               <a:rPr lang="es-ES" smtClean="0"/>
-              <a:t>14/12/2021</a:t>
+              <a:t>29/12/2021</a:t>
             </a:fld>
             <a:endParaRPr lang="es-ES"/>
           </a:p>
@@ -858,7 +863,7 @@
           <a:p>
             <a:fld id="{D06B42BD-9ADD-40B8-BE31-81CCC25D0212}" type="datetimeFigureOut">
               <a:rPr lang="es-ES" smtClean="0"/>
-              <a:t>14/12/2021</a:t>
+              <a:t>29/12/2021</a:t>
             </a:fld>
             <a:endParaRPr lang="es-ES"/>
           </a:p>
@@ -1133,7 +1138,7 @@
           <a:p>
             <a:fld id="{D06B42BD-9ADD-40B8-BE31-81CCC25D0212}" type="datetimeFigureOut">
               <a:rPr lang="es-ES" smtClean="0"/>
-              <a:t>14/12/2021</a:t>
+              <a:t>29/12/2021</a:t>
             </a:fld>
             <a:endParaRPr lang="es-ES"/>
           </a:p>
@@ -1398,7 +1403,7 @@
           <a:p>
             <a:fld id="{D06B42BD-9ADD-40B8-BE31-81CCC25D0212}" type="datetimeFigureOut">
               <a:rPr lang="es-ES" smtClean="0"/>
-              <a:t>14/12/2021</a:t>
+              <a:t>29/12/2021</a:t>
             </a:fld>
             <a:endParaRPr lang="es-ES"/>
           </a:p>
@@ -1810,7 +1815,7 @@
           <a:p>
             <a:fld id="{D06B42BD-9ADD-40B8-BE31-81CCC25D0212}" type="datetimeFigureOut">
               <a:rPr lang="es-ES" smtClean="0"/>
-              <a:t>14/12/2021</a:t>
+              <a:t>29/12/2021</a:t>
             </a:fld>
             <a:endParaRPr lang="es-ES"/>
           </a:p>
@@ -1951,7 +1956,7 @@
           <a:p>
             <a:fld id="{D06B42BD-9ADD-40B8-BE31-81CCC25D0212}" type="datetimeFigureOut">
               <a:rPr lang="es-ES" smtClean="0"/>
-              <a:t>14/12/2021</a:t>
+              <a:t>29/12/2021</a:t>
             </a:fld>
             <a:endParaRPr lang="es-ES"/>
           </a:p>
@@ -2064,7 +2069,7 @@
           <a:p>
             <a:fld id="{D06B42BD-9ADD-40B8-BE31-81CCC25D0212}" type="datetimeFigureOut">
               <a:rPr lang="es-ES" smtClean="0"/>
-              <a:t>14/12/2021</a:t>
+              <a:t>29/12/2021</a:t>
             </a:fld>
             <a:endParaRPr lang="es-ES"/>
           </a:p>
@@ -2375,7 +2380,7 @@
           <a:p>
             <a:fld id="{D06B42BD-9ADD-40B8-BE31-81CCC25D0212}" type="datetimeFigureOut">
               <a:rPr lang="es-ES" smtClean="0"/>
-              <a:t>14/12/2021</a:t>
+              <a:t>29/12/2021</a:t>
             </a:fld>
             <a:endParaRPr lang="es-ES"/>
           </a:p>
@@ -2663,7 +2668,7 @@
           <a:p>
             <a:fld id="{D06B42BD-9ADD-40B8-BE31-81CCC25D0212}" type="datetimeFigureOut">
               <a:rPr lang="es-ES" smtClean="0"/>
-              <a:t>14/12/2021</a:t>
+              <a:t>29/12/2021</a:t>
             </a:fld>
             <a:endParaRPr lang="es-ES"/>
           </a:p>
@@ -2904,7 +2909,7 @@
           <a:p>
             <a:fld id="{D06B42BD-9ADD-40B8-BE31-81CCC25D0212}" type="datetimeFigureOut">
               <a:rPr lang="es-ES" smtClean="0"/>
-              <a:t>14/12/2021</a:t>
+              <a:t>29/12/2021</a:t>
             </a:fld>
             <a:endParaRPr lang="es-ES"/>
           </a:p>
@@ -3335,7 +3340,7 @@
         </p:nvGrpSpPr>
         <p:grpSpPr>
           <a:xfrm>
-            <a:off x="300684" y="924273"/>
+            <a:off x="300495" y="922591"/>
             <a:ext cx="360000" cy="360000"/>
             <a:chOff x="1108951" y="875488"/>
             <a:chExt cx="360000" cy="360000"/>
@@ -3423,7 +3428,7 @@
             <a:p>
               <a:pPr algn="ctr"/>
               <a:r>
-                <a:rPr lang="es-ES" sz="800" dirty="0"/>
+                <a:rPr lang="es-ES" sz="800" b="1" dirty="0"/>
                 <a:t>S0</a:t>
               </a:r>
             </a:p>
@@ -3444,10 +3449,10 @@
         </p:nvGrpSpPr>
         <p:grpSpPr>
           <a:xfrm>
-            <a:off x="828323" y="920766"/>
-            <a:ext cx="474810" cy="360000"/>
-            <a:chOff x="1051548" y="875488"/>
-            <a:chExt cx="474810" cy="360000"/>
+            <a:off x="885507" y="920766"/>
+            <a:ext cx="360000" cy="360000"/>
+            <a:chOff x="1108951" y="875488"/>
+            <a:chExt cx="360000" cy="360000"/>
           </a:xfrm>
         </p:grpSpPr>
         <p:sp>
@@ -3516,8 +3521,8 @@
           </p:nvSpPr>
           <p:spPr>
             <a:xfrm>
-              <a:off x="1051548" y="947766"/>
-              <a:ext cx="474810" cy="215444"/>
+              <a:off x="1147727" y="947766"/>
+              <a:ext cx="282450" cy="215444"/>
             </a:xfrm>
             <a:prstGeom prst="rect">
               <a:avLst/>
@@ -3532,8 +3537,8 @@
             <a:p>
               <a:pPr algn="ctr"/>
               <a:r>
-                <a:rPr lang="es-ES" sz="800" dirty="0"/>
-                <a:t>S0_WT</a:t>
+                <a:rPr lang="es-ES" sz="800" b="1" dirty="0"/>
+                <a:t>S1</a:t>
               </a:r>
             </a:p>
           </p:txBody>
@@ -3553,10 +3558,10 @@
         </p:nvGrpSpPr>
         <p:grpSpPr>
           <a:xfrm>
-            <a:off x="1466461" y="921372"/>
-            <a:ext cx="360000" cy="360000"/>
-            <a:chOff x="1108951" y="875488"/>
-            <a:chExt cx="360000" cy="360000"/>
+            <a:off x="1395430" y="921372"/>
+            <a:ext cx="502062" cy="360000"/>
+            <a:chOff x="1037920" y="875488"/>
+            <a:chExt cx="502062" cy="360000"/>
           </a:xfrm>
         </p:grpSpPr>
         <p:sp>
@@ -3625,8 +3630,8 @@
           </p:nvSpPr>
           <p:spPr>
             <a:xfrm>
-              <a:off x="1147726" y="947766"/>
-              <a:ext cx="282450" cy="215444"/>
+              <a:off x="1037920" y="947766"/>
+              <a:ext cx="502062" cy="215444"/>
             </a:xfrm>
             <a:prstGeom prst="rect">
               <a:avLst/>
@@ -3641,8 +3646,8 @@
             <a:p>
               <a:pPr algn="ctr"/>
               <a:r>
-                <a:rPr lang="es-ES" sz="800" dirty="0"/>
-                <a:t>S1</a:t>
+                <a:rPr lang="es-ES" sz="800" b="1" dirty="0"/>
+                <a:t>S1 _WT</a:t>
               </a:r>
             </a:p>
           </p:txBody>
@@ -3662,10 +3667,10 @@
         </p:nvGrpSpPr>
         <p:grpSpPr>
           <a:xfrm>
-            <a:off x="1147794" y="1817488"/>
-            <a:ext cx="535724" cy="360000"/>
-            <a:chOff x="1021091" y="875488"/>
-            <a:chExt cx="535724" cy="360000"/>
+            <a:off x="1168633" y="1817488"/>
+            <a:ext cx="494045" cy="360000"/>
+            <a:chOff x="1041930" y="875488"/>
+            <a:chExt cx="494045" cy="360000"/>
           </a:xfrm>
         </p:grpSpPr>
         <p:sp>
@@ -3734,8 +3739,8 @@
           </p:nvSpPr>
           <p:spPr>
             <a:xfrm>
-              <a:off x="1021091" y="947766"/>
-              <a:ext cx="535724" cy="215444"/>
+              <a:off x="1041930" y="947766"/>
+              <a:ext cx="494045" cy="215444"/>
             </a:xfrm>
             <a:prstGeom prst="rect">
               <a:avLst/>
@@ -3750,8 +3755,8 @@
             <a:p>
               <a:pPr algn="ctr"/>
               <a:r>
-                <a:rPr lang="es-ES" sz="800" dirty="0"/>
-                <a:t>S0_STBY</a:t>
+                <a:rPr lang="es-ES" sz="800" b="1" dirty="0"/>
+                <a:t>S_STBY</a:t>
               </a:r>
             </a:p>
           </p:txBody>
@@ -3771,7 +3776,7 @@
         </p:nvGrpSpPr>
         <p:grpSpPr>
           <a:xfrm>
-            <a:off x="2047196" y="920766"/>
+            <a:off x="2046977" y="920766"/>
             <a:ext cx="360000" cy="360000"/>
             <a:chOff x="1108951" y="875488"/>
             <a:chExt cx="360000" cy="360000"/>
@@ -3859,7 +3864,7 @@
             <a:p>
               <a:pPr algn="ctr"/>
               <a:r>
-                <a:rPr lang="es-ES" sz="800" dirty="0"/>
+                <a:rPr lang="es-ES" sz="800" b="1" dirty="0"/>
                 <a:t>S2</a:t>
               </a:r>
             </a:p>
@@ -3880,10 +3885,10 @@
         </p:nvGrpSpPr>
         <p:grpSpPr>
           <a:xfrm>
-            <a:off x="2570527" y="920766"/>
-            <a:ext cx="474810" cy="360000"/>
-            <a:chOff x="1051547" y="875488"/>
-            <a:chExt cx="474810" cy="360000"/>
+            <a:off x="2545680" y="920766"/>
+            <a:ext cx="524504" cy="360000"/>
+            <a:chOff x="1026700" y="875488"/>
+            <a:chExt cx="524504" cy="360000"/>
           </a:xfrm>
         </p:grpSpPr>
         <p:sp>
@@ -3952,8 +3957,8 @@
           </p:nvSpPr>
           <p:spPr>
             <a:xfrm>
-              <a:off x="1051547" y="947766"/>
-              <a:ext cx="474810" cy="215444"/>
+              <a:off x="1026700" y="947766"/>
+              <a:ext cx="524504" cy="215444"/>
             </a:xfrm>
             <a:prstGeom prst="rect">
               <a:avLst/>
@@ -3968,8 +3973,8 @@
             <a:p>
               <a:pPr algn="ctr"/>
               <a:r>
-                <a:rPr lang="es-ES" sz="800" dirty="0"/>
-                <a:t>S2_WT</a:t>
+                <a:rPr lang="es-ES" sz="800" b="1" dirty="0"/>
+                <a:t>S2 _WT </a:t>
               </a:r>
             </a:p>
           </p:txBody>
@@ -3989,10 +3994,10 @@
         </p:nvGrpSpPr>
         <p:grpSpPr>
           <a:xfrm>
-            <a:off x="3161235" y="920766"/>
-            <a:ext cx="474810" cy="360000"/>
-            <a:chOff x="1051547" y="875488"/>
-            <a:chExt cx="474810" cy="360000"/>
+            <a:off x="3148286" y="432968"/>
+            <a:ext cx="360000" cy="360000"/>
+            <a:chOff x="1108951" y="875488"/>
+            <a:chExt cx="360000" cy="360000"/>
           </a:xfrm>
         </p:grpSpPr>
         <p:sp>
@@ -4061,8 +4066,8 @@
           </p:nvSpPr>
           <p:spPr>
             <a:xfrm>
-              <a:off x="1051547" y="947766"/>
-              <a:ext cx="474810" cy="215444"/>
+              <a:off x="1147726" y="947766"/>
+              <a:ext cx="282450" cy="215444"/>
             </a:xfrm>
             <a:prstGeom prst="rect">
               <a:avLst/>
@@ -4077,8 +4082,8 @@
             <a:p>
               <a:pPr algn="ctr"/>
               <a:r>
-                <a:rPr lang="es-ES" sz="800" dirty="0"/>
-                <a:t>S2_WT</a:t>
+                <a:rPr lang="es-ES" sz="800" b="1" dirty="0"/>
+                <a:t>S3</a:t>
               </a:r>
             </a:p>
           </p:txBody>
@@ -4098,10 +4103,10 @@
         </p:nvGrpSpPr>
         <p:grpSpPr>
           <a:xfrm>
-            <a:off x="4163684" y="1457488"/>
-            <a:ext cx="474810" cy="360000"/>
-            <a:chOff x="1051547" y="875488"/>
-            <a:chExt cx="474810" cy="360000"/>
+            <a:off x="3657990" y="1431306"/>
+            <a:ext cx="502062" cy="360000"/>
+            <a:chOff x="1037921" y="875488"/>
+            <a:chExt cx="502062" cy="360000"/>
           </a:xfrm>
         </p:grpSpPr>
         <p:sp>
@@ -4170,8 +4175,8 @@
           </p:nvSpPr>
           <p:spPr>
             <a:xfrm>
-              <a:off x="1051547" y="947766"/>
-              <a:ext cx="474810" cy="215444"/>
+              <a:off x="1037921" y="947766"/>
+              <a:ext cx="502062" cy="215444"/>
             </a:xfrm>
             <a:prstGeom prst="rect">
               <a:avLst/>
@@ -4186,8 +4191,8 @@
             <a:p>
               <a:pPr algn="ctr"/>
               <a:r>
-                <a:rPr lang="es-ES" sz="800" dirty="0"/>
-                <a:t>S2_WT</a:t>
+                <a:rPr lang="es-ES" sz="800" b="1" dirty="0"/>
+                <a:t>S4 _WT</a:t>
               </a:r>
             </a:p>
           </p:txBody>
@@ -4207,10 +4212,10 @@
         </p:nvGrpSpPr>
         <p:grpSpPr>
           <a:xfrm>
-            <a:off x="4163683" y="882067"/>
-            <a:ext cx="474810" cy="360000"/>
-            <a:chOff x="1051547" y="875488"/>
-            <a:chExt cx="474810" cy="360000"/>
+            <a:off x="3669213" y="427305"/>
+            <a:ext cx="479619" cy="360000"/>
+            <a:chOff x="1049144" y="875488"/>
+            <a:chExt cx="479619" cy="360000"/>
           </a:xfrm>
         </p:grpSpPr>
         <p:sp>
@@ -4279,8 +4284,8 @@
           </p:nvSpPr>
           <p:spPr>
             <a:xfrm>
-              <a:off x="1051547" y="947766"/>
-              <a:ext cx="474810" cy="215444"/>
+              <a:off x="1049144" y="947766"/>
+              <a:ext cx="479619" cy="215444"/>
             </a:xfrm>
             <a:prstGeom prst="rect">
               <a:avLst/>
@@ -4295,13 +4300,4722 @@
             <a:p>
               <a:pPr algn="ctr"/>
               <a:r>
-                <a:rPr lang="es-ES" sz="800" dirty="0"/>
-                <a:t>S2_WT</a:t>
+                <a:rPr lang="es-ES" sz="800" b="1" dirty="0"/>
+                <a:t>S3_WT</a:t>
               </a:r>
             </a:p>
           </p:txBody>
         </p:sp>
       </p:grpSp>
+      <p:grpSp>
+        <p:nvGrpSpPr>
+          <p:cNvPr id="32" name="Grupo 31">
+            <a:extLst>
+              <a:ext uri="{FF2B5EF4-FFF2-40B4-BE49-F238E27FC236}">
+                <a16:creationId xmlns:a16="http://schemas.microsoft.com/office/drawing/2014/main" id="{C1FD418E-A31A-475F-B84A-2BC26AC9E79A}"/>
+              </a:ext>
+            </a:extLst>
+          </p:cNvPr>
+          <p:cNvGrpSpPr/>
+          <p:nvPr/>
+        </p:nvGrpSpPr>
+        <p:grpSpPr>
+          <a:xfrm>
+            <a:off x="3148285" y="1431306"/>
+            <a:ext cx="360000" cy="360000"/>
+            <a:chOff x="1108951" y="875488"/>
+            <a:chExt cx="360000" cy="360000"/>
+          </a:xfrm>
+        </p:grpSpPr>
+        <p:sp>
+          <p:nvSpPr>
+            <p:cNvPr id="33" name="Elipse 32">
+              <a:extLst>
+                <a:ext uri="{FF2B5EF4-FFF2-40B4-BE49-F238E27FC236}">
+                  <a16:creationId xmlns:a16="http://schemas.microsoft.com/office/drawing/2014/main" id="{03C063F1-8128-4699-9C71-0E35A04ED504}"/>
+                </a:ext>
+              </a:extLst>
+            </p:cNvPr>
+            <p:cNvSpPr/>
+            <p:nvPr/>
+          </p:nvSpPr>
+          <p:spPr>
+            <a:xfrm>
+              <a:off x="1108951" y="875488"/>
+              <a:ext cx="360000" cy="360000"/>
+            </a:xfrm>
+            <a:prstGeom prst="ellipse">
+              <a:avLst/>
+            </a:prstGeom>
+            <a:noFill/>
+            <a:ln>
+              <a:solidFill>
+                <a:schemeClr val="tx1"/>
+              </a:solidFill>
+            </a:ln>
+          </p:spPr>
+          <p:style>
+            <a:lnRef idx="2">
+              <a:schemeClr val="accent1">
+                <a:shade val="50000"/>
+              </a:schemeClr>
+            </a:lnRef>
+            <a:fillRef idx="1">
+              <a:schemeClr val="accent1"/>
+            </a:fillRef>
+            <a:effectRef idx="0">
+              <a:schemeClr val="accent1"/>
+            </a:effectRef>
+            <a:fontRef idx="minor">
+              <a:schemeClr val="lt1"/>
+            </a:fontRef>
+          </p:style>
+          <p:txBody>
+            <a:bodyPr rtlCol="0" anchor="ctr"/>
+            <a:lstStyle/>
+            <a:p>
+              <a:pPr algn="ctr"/>
+              <a:endParaRPr lang="es-ES" dirty="0"/>
+            </a:p>
+          </p:txBody>
+        </p:sp>
+        <p:sp>
+          <p:nvSpPr>
+            <p:cNvPr id="34" name="CuadroTexto 33">
+              <a:extLst>
+                <a:ext uri="{FF2B5EF4-FFF2-40B4-BE49-F238E27FC236}">
+                  <a16:creationId xmlns:a16="http://schemas.microsoft.com/office/drawing/2014/main" id="{012C5CE4-3B2C-4450-A8E1-F44886A7C653}"/>
+                </a:ext>
+              </a:extLst>
+            </p:cNvPr>
+            <p:cNvSpPr txBox="1"/>
+            <p:nvPr/>
+          </p:nvSpPr>
+          <p:spPr>
+            <a:xfrm>
+              <a:off x="1146925" y="947766"/>
+              <a:ext cx="284053" cy="215444"/>
+            </a:xfrm>
+            <a:prstGeom prst="rect">
+              <a:avLst/>
+            </a:prstGeom>
+            <a:noFill/>
+          </p:spPr>
+          <p:txBody>
+            <a:bodyPr wrap="none" rtlCol="0">
+              <a:spAutoFit/>
+            </a:bodyPr>
+            <a:lstStyle/>
+            <a:p>
+              <a:pPr algn="ctr"/>
+              <a:r>
+                <a:rPr lang="es-ES" sz="800" b="1" dirty="0"/>
+                <a:t>S4</a:t>
+              </a:r>
+            </a:p>
+          </p:txBody>
+        </p:sp>
+      </p:grpSp>
+      <p:grpSp>
+        <p:nvGrpSpPr>
+          <p:cNvPr id="41" name="Grupo 40">
+            <a:extLst>
+              <a:ext uri="{FF2B5EF4-FFF2-40B4-BE49-F238E27FC236}">
+                <a16:creationId xmlns:a16="http://schemas.microsoft.com/office/drawing/2014/main" id="{7619FF8C-1EFF-43A6-B2DD-02462D958D26}"/>
+              </a:ext>
+            </a:extLst>
+          </p:cNvPr>
+          <p:cNvGrpSpPr/>
+          <p:nvPr/>
+        </p:nvGrpSpPr>
+        <p:grpSpPr>
+          <a:xfrm>
+            <a:off x="4150089" y="920766"/>
+            <a:ext cx="360000" cy="360000"/>
+            <a:chOff x="1108951" y="875488"/>
+            <a:chExt cx="360000" cy="360000"/>
+          </a:xfrm>
+        </p:grpSpPr>
+        <p:sp>
+          <p:nvSpPr>
+            <p:cNvPr id="42" name="Elipse 41">
+              <a:extLst>
+                <a:ext uri="{FF2B5EF4-FFF2-40B4-BE49-F238E27FC236}">
+                  <a16:creationId xmlns:a16="http://schemas.microsoft.com/office/drawing/2014/main" id="{FB49B182-DBDD-4978-A1A1-A5985B3BA258}"/>
+                </a:ext>
+              </a:extLst>
+            </p:cNvPr>
+            <p:cNvSpPr/>
+            <p:nvPr/>
+          </p:nvSpPr>
+          <p:spPr>
+            <a:xfrm>
+              <a:off x="1108951" y="875488"/>
+              <a:ext cx="360000" cy="360000"/>
+            </a:xfrm>
+            <a:prstGeom prst="ellipse">
+              <a:avLst/>
+            </a:prstGeom>
+            <a:noFill/>
+            <a:ln>
+              <a:solidFill>
+                <a:schemeClr val="tx1"/>
+              </a:solidFill>
+            </a:ln>
+          </p:spPr>
+          <p:style>
+            <a:lnRef idx="2">
+              <a:schemeClr val="accent1">
+                <a:shade val="50000"/>
+              </a:schemeClr>
+            </a:lnRef>
+            <a:fillRef idx="1">
+              <a:schemeClr val="accent1"/>
+            </a:fillRef>
+            <a:effectRef idx="0">
+              <a:schemeClr val="accent1"/>
+            </a:effectRef>
+            <a:fontRef idx="minor">
+              <a:schemeClr val="lt1"/>
+            </a:fontRef>
+          </p:style>
+          <p:txBody>
+            <a:bodyPr rtlCol="0" anchor="ctr"/>
+            <a:lstStyle/>
+            <a:p>
+              <a:pPr algn="ctr"/>
+              <a:endParaRPr lang="es-ES" dirty="0"/>
+            </a:p>
+          </p:txBody>
+        </p:sp>
+        <p:sp>
+          <p:nvSpPr>
+            <p:cNvPr id="43" name="CuadroTexto 42">
+              <a:extLst>
+                <a:ext uri="{FF2B5EF4-FFF2-40B4-BE49-F238E27FC236}">
+                  <a16:creationId xmlns:a16="http://schemas.microsoft.com/office/drawing/2014/main" id="{EE6E1F23-3604-43F5-A439-1565C48EA876}"/>
+                </a:ext>
+              </a:extLst>
+            </p:cNvPr>
+            <p:cNvSpPr txBox="1"/>
+            <p:nvPr/>
+          </p:nvSpPr>
+          <p:spPr>
+            <a:xfrm>
+              <a:off x="1146925" y="947766"/>
+              <a:ext cx="284053" cy="215444"/>
+            </a:xfrm>
+            <a:prstGeom prst="rect">
+              <a:avLst/>
+            </a:prstGeom>
+            <a:noFill/>
+          </p:spPr>
+          <p:txBody>
+            <a:bodyPr wrap="none" rtlCol="0">
+              <a:spAutoFit/>
+            </a:bodyPr>
+            <a:lstStyle/>
+            <a:p>
+              <a:pPr algn="ctr"/>
+              <a:r>
+                <a:rPr lang="es-ES" sz="800" b="1" dirty="0"/>
+                <a:t>S5</a:t>
+              </a:r>
+            </a:p>
+          </p:txBody>
+        </p:sp>
+      </p:grpSp>
+      <p:grpSp>
+        <p:nvGrpSpPr>
+          <p:cNvPr id="44" name="Grupo 43">
+            <a:extLst>
+              <a:ext uri="{FF2B5EF4-FFF2-40B4-BE49-F238E27FC236}">
+                <a16:creationId xmlns:a16="http://schemas.microsoft.com/office/drawing/2014/main" id="{857F9535-BD0C-424F-9F61-F32655E22AAE}"/>
+              </a:ext>
+            </a:extLst>
+          </p:cNvPr>
+          <p:cNvGrpSpPr/>
+          <p:nvPr/>
+        </p:nvGrpSpPr>
+        <p:grpSpPr>
+          <a:xfrm>
+            <a:off x="4671017" y="920766"/>
+            <a:ext cx="479619" cy="360000"/>
+            <a:chOff x="1049144" y="875488"/>
+            <a:chExt cx="479619" cy="360000"/>
+          </a:xfrm>
+        </p:grpSpPr>
+        <p:sp>
+          <p:nvSpPr>
+            <p:cNvPr id="45" name="Elipse 44">
+              <a:extLst>
+                <a:ext uri="{FF2B5EF4-FFF2-40B4-BE49-F238E27FC236}">
+                  <a16:creationId xmlns:a16="http://schemas.microsoft.com/office/drawing/2014/main" id="{7B77D532-95F8-419C-83B9-F8CCA27B4F49}"/>
+                </a:ext>
+              </a:extLst>
+            </p:cNvPr>
+            <p:cNvSpPr/>
+            <p:nvPr/>
+          </p:nvSpPr>
+          <p:spPr>
+            <a:xfrm>
+              <a:off x="1108951" y="875488"/>
+              <a:ext cx="360000" cy="360000"/>
+            </a:xfrm>
+            <a:prstGeom prst="ellipse">
+              <a:avLst/>
+            </a:prstGeom>
+            <a:noFill/>
+            <a:ln>
+              <a:solidFill>
+                <a:schemeClr val="tx1"/>
+              </a:solidFill>
+            </a:ln>
+          </p:spPr>
+          <p:style>
+            <a:lnRef idx="2">
+              <a:schemeClr val="accent1">
+                <a:shade val="50000"/>
+              </a:schemeClr>
+            </a:lnRef>
+            <a:fillRef idx="1">
+              <a:schemeClr val="accent1"/>
+            </a:fillRef>
+            <a:effectRef idx="0">
+              <a:schemeClr val="accent1"/>
+            </a:effectRef>
+            <a:fontRef idx="minor">
+              <a:schemeClr val="lt1"/>
+            </a:fontRef>
+          </p:style>
+          <p:txBody>
+            <a:bodyPr rtlCol="0" anchor="ctr"/>
+            <a:lstStyle/>
+            <a:p>
+              <a:pPr algn="ctr"/>
+              <a:endParaRPr lang="es-ES" dirty="0"/>
+            </a:p>
+          </p:txBody>
+        </p:sp>
+        <p:sp>
+          <p:nvSpPr>
+            <p:cNvPr id="46" name="CuadroTexto 45">
+              <a:extLst>
+                <a:ext uri="{FF2B5EF4-FFF2-40B4-BE49-F238E27FC236}">
+                  <a16:creationId xmlns:a16="http://schemas.microsoft.com/office/drawing/2014/main" id="{9D44253C-A547-4A7B-A52C-8A269B117B04}"/>
+                </a:ext>
+              </a:extLst>
+            </p:cNvPr>
+            <p:cNvSpPr txBox="1"/>
+            <p:nvPr/>
+          </p:nvSpPr>
+          <p:spPr>
+            <a:xfrm>
+              <a:off x="1049144" y="947766"/>
+              <a:ext cx="479619" cy="215444"/>
+            </a:xfrm>
+            <a:prstGeom prst="rect">
+              <a:avLst/>
+            </a:prstGeom>
+            <a:noFill/>
+          </p:spPr>
+          <p:txBody>
+            <a:bodyPr wrap="none" rtlCol="0">
+              <a:spAutoFit/>
+            </a:bodyPr>
+            <a:lstStyle/>
+            <a:p>
+              <a:pPr algn="ctr"/>
+              <a:r>
+                <a:rPr lang="es-ES" sz="800" b="1" dirty="0"/>
+                <a:t>S5_WT</a:t>
+              </a:r>
+            </a:p>
+          </p:txBody>
+        </p:sp>
+      </p:grpSp>
+      <p:cxnSp>
+        <p:nvCxnSpPr>
+          <p:cNvPr id="3" name="Conector recto de flecha 2">
+            <a:extLst>
+              <a:ext uri="{FF2B5EF4-FFF2-40B4-BE49-F238E27FC236}">
+                <a16:creationId xmlns:a16="http://schemas.microsoft.com/office/drawing/2014/main" id="{89F62C3D-E0E0-413F-B8BB-26F038A53683}"/>
+              </a:ext>
+            </a:extLst>
+          </p:cNvPr>
+          <p:cNvCxnSpPr>
+            <a:cxnSpLocks/>
+            <a:stCxn id="4" idx="6"/>
+            <a:endCxn id="9" idx="2"/>
+          </p:cNvCxnSpPr>
+          <p:nvPr/>
+        </p:nvCxnSpPr>
+        <p:spPr>
+          <a:xfrm flipV="1">
+            <a:off x="660495" y="1100766"/>
+            <a:ext cx="225012" cy="1825"/>
+          </a:xfrm>
+          <a:prstGeom prst="straightConnector1">
+            <a:avLst/>
+          </a:prstGeom>
+          <a:ln w="12700">
+            <a:solidFill>
+              <a:schemeClr val="tx1"/>
+            </a:solidFill>
+            <a:tailEnd type="triangle"/>
+          </a:ln>
+        </p:spPr>
+        <p:style>
+          <a:lnRef idx="1">
+            <a:schemeClr val="accent1"/>
+          </a:lnRef>
+          <a:fillRef idx="0">
+            <a:schemeClr val="accent1"/>
+          </a:fillRef>
+          <a:effectRef idx="0">
+            <a:schemeClr val="accent1"/>
+          </a:effectRef>
+          <a:fontRef idx="minor">
+            <a:schemeClr val="tx1"/>
+          </a:fontRef>
+        </p:style>
+      </p:cxnSp>
+      <p:cxnSp>
+        <p:nvCxnSpPr>
+          <p:cNvPr id="55" name="Conector recto de flecha 54">
+            <a:extLst>
+              <a:ext uri="{FF2B5EF4-FFF2-40B4-BE49-F238E27FC236}">
+                <a16:creationId xmlns:a16="http://schemas.microsoft.com/office/drawing/2014/main" id="{5F8C9DB6-E597-44E4-81FC-EA93B63044BC}"/>
+              </a:ext>
+            </a:extLst>
+          </p:cNvPr>
+          <p:cNvCxnSpPr>
+            <a:cxnSpLocks/>
+            <a:stCxn id="9" idx="6"/>
+            <a:endCxn id="12" idx="2"/>
+          </p:cNvCxnSpPr>
+          <p:nvPr/>
+        </p:nvCxnSpPr>
+        <p:spPr>
+          <a:xfrm>
+            <a:off x="1245507" y="1100766"/>
+            <a:ext cx="220954" cy="606"/>
+          </a:xfrm>
+          <a:prstGeom prst="straightConnector1">
+            <a:avLst/>
+          </a:prstGeom>
+          <a:ln w="12700">
+            <a:solidFill>
+              <a:schemeClr val="tx1"/>
+            </a:solidFill>
+            <a:tailEnd type="triangle"/>
+          </a:ln>
+        </p:spPr>
+        <p:style>
+          <a:lnRef idx="1">
+            <a:schemeClr val="accent1"/>
+          </a:lnRef>
+          <a:fillRef idx="0">
+            <a:schemeClr val="accent1"/>
+          </a:fillRef>
+          <a:effectRef idx="0">
+            <a:schemeClr val="accent1"/>
+          </a:effectRef>
+          <a:fontRef idx="minor">
+            <a:schemeClr val="tx1"/>
+          </a:fontRef>
+        </p:style>
+      </p:cxnSp>
+      <p:cxnSp>
+        <p:nvCxnSpPr>
+          <p:cNvPr id="59" name="Conector recto de flecha 58">
+            <a:extLst>
+              <a:ext uri="{FF2B5EF4-FFF2-40B4-BE49-F238E27FC236}">
+                <a16:creationId xmlns:a16="http://schemas.microsoft.com/office/drawing/2014/main" id="{C38C849E-4602-47DF-9786-1CFF61C55439}"/>
+              </a:ext>
+            </a:extLst>
+          </p:cNvPr>
+          <p:cNvCxnSpPr>
+            <a:cxnSpLocks/>
+            <a:stCxn id="21" idx="5"/>
+            <a:endCxn id="33" idx="2"/>
+          </p:cNvCxnSpPr>
+          <p:nvPr/>
+        </p:nvCxnSpPr>
+        <p:spPr>
+          <a:xfrm>
+            <a:off x="2935210" y="1228045"/>
+            <a:ext cx="213075" cy="383261"/>
+          </a:xfrm>
+          <a:prstGeom prst="straightConnector1">
+            <a:avLst/>
+          </a:prstGeom>
+          <a:ln w="12700">
+            <a:solidFill>
+              <a:schemeClr val="tx1"/>
+            </a:solidFill>
+            <a:tailEnd type="triangle"/>
+          </a:ln>
+        </p:spPr>
+        <p:style>
+          <a:lnRef idx="1">
+            <a:schemeClr val="accent1"/>
+          </a:lnRef>
+          <a:fillRef idx="0">
+            <a:schemeClr val="accent1"/>
+          </a:fillRef>
+          <a:effectRef idx="0">
+            <a:schemeClr val="accent1"/>
+          </a:effectRef>
+          <a:fontRef idx="minor">
+            <a:schemeClr val="tx1"/>
+          </a:fontRef>
+        </p:style>
+      </p:cxnSp>
+      <p:cxnSp>
+        <p:nvCxnSpPr>
+          <p:cNvPr id="60" name="Conector recto de flecha 59">
+            <a:extLst>
+              <a:ext uri="{FF2B5EF4-FFF2-40B4-BE49-F238E27FC236}">
+                <a16:creationId xmlns:a16="http://schemas.microsoft.com/office/drawing/2014/main" id="{57105A46-B6FE-45BB-8B68-BF35A1F98EB3}"/>
+              </a:ext>
+            </a:extLst>
+          </p:cNvPr>
+          <p:cNvCxnSpPr>
+            <a:cxnSpLocks/>
+            <a:stCxn id="21" idx="7"/>
+            <a:endCxn id="24" idx="2"/>
+          </p:cNvCxnSpPr>
+          <p:nvPr/>
+        </p:nvCxnSpPr>
+        <p:spPr>
+          <a:xfrm flipV="1">
+            <a:off x="2935210" y="612968"/>
+            <a:ext cx="213076" cy="360519"/>
+          </a:xfrm>
+          <a:prstGeom prst="straightConnector1">
+            <a:avLst/>
+          </a:prstGeom>
+          <a:ln w="12700">
+            <a:solidFill>
+              <a:schemeClr val="tx1"/>
+            </a:solidFill>
+            <a:tailEnd type="triangle"/>
+          </a:ln>
+        </p:spPr>
+        <p:style>
+          <a:lnRef idx="1">
+            <a:schemeClr val="accent1"/>
+          </a:lnRef>
+          <a:fillRef idx="0">
+            <a:schemeClr val="accent1"/>
+          </a:fillRef>
+          <a:effectRef idx="0">
+            <a:schemeClr val="accent1"/>
+          </a:effectRef>
+          <a:fontRef idx="minor">
+            <a:schemeClr val="tx1"/>
+          </a:fontRef>
+        </p:style>
+      </p:cxnSp>
+      <p:cxnSp>
+        <p:nvCxnSpPr>
+          <p:cNvPr id="61" name="Conector recto de flecha 60">
+            <a:extLst>
+              <a:ext uri="{FF2B5EF4-FFF2-40B4-BE49-F238E27FC236}">
+                <a16:creationId xmlns:a16="http://schemas.microsoft.com/office/drawing/2014/main" id="{A9836B73-ED8D-4B03-86E5-F3BD3ADC5BD2}"/>
+              </a:ext>
+            </a:extLst>
+          </p:cNvPr>
+          <p:cNvCxnSpPr>
+            <a:cxnSpLocks/>
+            <a:stCxn id="18" idx="6"/>
+            <a:endCxn id="21" idx="2"/>
+          </p:cNvCxnSpPr>
+          <p:nvPr/>
+        </p:nvCxnSpPr>
+        <p:spPr>
+          <a:xfrm>
+            <a:off x="2406977" y="1100766"/>
+            <a:ext cx="220954" cy="0"/>
+          </a:xfrm>
+          <a:prstGeom prst="straightConnector1">
+            <a:avLst/>
+          </a:prstGeom>
+          <a:ln w="12700">
+            <a:solidFill>
+              <a:schemeClr val="tx1"/>
+            </a:solidFill>
+            <a:tailEnd type="triangle"/>
+          </a:ln>
+        </p:spPr>
+        <p:style>
+          <a:lnRef idx="1">
+            <a:schemeClr val="accent1"/>
+          </a:lnRef>
+          <a:fillRef idx="0">
+            <a:schemeClr val="accent1"/>
+          </a:fillRef>
+          <a:effectRef idx="0">
+            <a:schemeClr val="accent1"/>
+          </a:effectRef>
+          <a:fontRef idx="minor">
+            <a:schemeClr val="tx1"/>
+          </a:fontRef>
+        </p:style>
+      </p:cxnSp>
+      <p:cxnSp>
+        <p:nvCxnSpPr>
+          <p:cNvPr id="62" name="Conector recto de flecha 61">
+            <a:extLst>
+              <a:ext uri="{FF2B5EF4-FFF2-40B4-BE49-F238E27FC236}">
+                <a16:creationId xmlns:a16="http://schemas.microsoft.com/office/drawing/2014/main" id="{464E15DE-0C2D-45F7-A3DC-5DD2E98D9205}"/>
+              </a:ext>
+            </a:extLst>
+          </p:cNvPr>
+          <p:cNvCxnSpPr>
+            <a:cxnSpLocks/>
+            <a:stCxn id="12" idx="6"/>
+            <a:endCxn id="18" idx="2"/>
+          </p:cNvCxnSpPr>
+          <p:nvPr/>
+        </p:nvCxnSpPr>
+        <p:spPr>
+          <a:xfrm flipV="1">
+            <a:off x="1826461" y="1100766"/>
+            <a:ext cx="220516" cy="606"/>
+          </a:xfrm>
+          <a:prstGeom prst="straightConnector1">
+            <a:avLst/>
+          </a:prstGeom>
+          <a:ln w="12700">
+            <a:solidFill>
+              <a:schemeClr val="tx1"/>
+            </a:solidFill>
+            <a:tailEnd type="triangle"/>
+          </a:ln>
+        </p:spPr>
+        <p:style>
+          <a:lnRef idx="1">
+            <a:schemeClr val="accent1"/>
+          </a:lnRef>
+          <a:fillRef idx="0">
+            <a:schemeClr val="accent1"/>
+          </a:fillRef>
+          <a:effectRef idx="0">
+            <a:schemeClr val="accent1"/>
+          </a:effectRef>
+          <a:fontRef idx="minor">
+            <a:schemeClr val="tx1"/>
+          </a:fontRef>
+        </p:style>
+      </p:cxnSp>
+      <p:cxnSp>
+        <p:nvCxnSpPr>
+          <p:cNvPr id="72" name="Conector recto de flecha 71">
+            <a:extLst>
+              <a:ext uri="{FF2B5EF4-FFF2-40B4-BE49-F238E27FC236}">
+                <a16:creationId xmlns:a16="http://schemas.microsoft.com/office/drawing/2014/main" id="{FF8CCBFF-708C-436E-A4CC-BB7464A696D2}"/>
+              </a:ext>
+            </a:extLst>
+          </p:cNvPr>
+          <p:cNvCxnSpPr>
+            <a:cxnSpLocks/>
+            <a:stCxn id="30" idx="5"/>
+            <a:endCxn id="42" idx="1"/>
+          </p:cNvCxnSpPr>
+          <p:nvPr/>
+        </p:nvCxnSpPr>
+        <p:spPr>
+          <a:xfrm>
+            <a:off x="4036299" y="734584"/>
+            <a:ext cx="166511" cy="238903"/>
+          </a:xfrm>
+          <a:prstGeom prst="straightConnector1">
+            <a:avLst/>
+          </a:prstGeom>
+          <a:ln w="12700">
+            <a:solidFill>
+              <a:schemeClr val="tx1"/>
+            </a:solidFill>
+            <a:tailEnd type="triangle"/>
+          </a:ln>
+        </p:spPr>
+        <p:style>
+          <a:lnRef idx="1">
+            <a:schemeClr val="accent1"/>
+          </a:lnRef>
+          <a:fillRef idx="0">
+            <a:schemeClr val="accent1"/>
+          </a:fillRef>
+          <a:effectRef idx="0">
+            <a:schemeClr val="accent1"/>
+          </a:effectRef>
+          <a:fontRef idx="minor">
+            <a:schemeClr val="tx1"/>
+          </a:fontRef>
+        </p:style>
+      </p:cxnSp>
+      <p:cxnSp>
+        <p:nvCxnSpPr>
+          <p:cNvPr id="73" name="Conector recto de flecha 72">
+            <a:extLst>
+              <a:ext uri="{FF2B5EF4-FFF2-40B4-BE49-F238E27FC236}">
+                <a16:creationId xmlns:a16="http://schemas.microsoft.com/office/drawing/2014/main" id="{D6A5115D-8E00-40BC-86DD-B83DFE1C031A}"/>
+              </a:ext>
+            </a:extLst>
+          </p:cNvPr>
+          <p:cNvCxnSpPr>
+            <a:cxnSpLocks/>
+            <a:stCxn id="27" idx="7"/>
+            <a:endCxn id="42" idx="3"/>
+          </p:cNvCxnSpPr>
+          <p:nvPr/>
+        </p:nvCxnSpPr>
+        <p:spPr>
+          <a:xfrm flipV="1">
+            <a:off x="4036299" y="1228045"/>
+            <a:ext cx="166511" cy="255982"/>
+          </a:xfrm>
+          <a:prstGeom prst="straightConnector1">
+            <a:avLst/>
+          </a:prstGeom>
+          <a:ln w="12700">
+            <a:solidFill>
+              <a:schemeClr val="tx1"/>
+            </a:solidFill>
+            <a:tailEnd type="triangle"/>
+          </a:ln>
+        </p:spPr>
+        <p:style>
+          <a:lnRef idx="1">
+            <a:schemeClr val="accent1"/>
+          </a:lnRef>
+          <a:fillRef idx="0">
+            <a:schemeClr val="accent1"/>
+          </a:fillRef>
+          <a:effectRef idx="0">
+            <a:schemeClr val="accent1"/>
+          </a:effectRef>
+          <a:fontRef idx="minor">
+            <a:schemeClr val="tx1"/>
+          </a:fontRef>
+        </p:style>
+      </p:cxnSp>
+      <p:cxnSp>
+        <p:nvCxnSpPr>
+          <p:cNvPr id="74" name="Conector recto de flecha 73">
+            <a:extLst>
+              <a:ext uri="{FF2B5EF4-FFF2-40B4-BE49-F238E27FC236}">
+                <a16:creationId xmlns:a16="http://schemas.microsoft.com/office/drawing/2014/main" id="{AC174A4D-F296-458F-9467-67D4E94A0390}"/>
+              </a:ext>
+            </a:extLst>
+          </p:cNvPr>
+          <p:cNvCxnSpPr>
+            <a:cxnSpLocks/>
+            <a:stCxn id="33" idx="6"/>
+            <a:endCxn id="27" idx="2"/>
+          </p:cNvCxnSpPr>
+          <p:nvPr/>
+        </p:nvCxnSpPr>
+        <p:spPr>
+          <a:xfrm>
+            <a:off x="3508285" y="1611306"/>
+            <a:ext cx="220735" cy="0"/>
+          </a:xfrm>
+          <a:prstGeom prst="straightConnector1">
+            <a:avLst/>
+          </a:prstGeom>
+          <a:ln w="12700">
+            <a:solidFill>
+              <a:schemeClr val="tx1"/>
+            </a:solidFill>
+            <a:tailEnd type="triangle"/>
+          </a:ln>
+        </p:spPr>
+        <p:style>
+          <a:lnRef idx="1">
+            <a:schemeClr val="accent1"/>
+          </a:lnRef>
+          <a:fillRef idx="0">
+            <a:schemeClr val="accent1"/>
+          </a:fillRef>
+          <a:effectRef idx="0">
+            <a:schemeClr val="accent1"/>
+          </a:effectRef>
+          <a:fontRef idx="minor">
+            <a:schemeClr val="tx1"/>
+          </a:fontRef>
+        </p:style>
+      </p:cxnSp>
+      <p:cxnSp>
+        <p:nvCxnSpPr>
+          <p:cNvPr id="75" name="Conector recto de flecha 74">
+            <a:extLst>
+              <a:ext uri="{FF2B5EF4-FFF2-40B4-BE49-F238E27FC236}">
+                <a16:creationId xmlns:a16="http://schemas.microsoft.com/office/drawing/2014/main" id="{808F0EA8-4E09-4160-8064-9A98DD03B46E}"/>
+              </a:ext>
+            </a:extLst>
+          </p:cNvPr>
+          <p:cNvCxnSpPr>
+            <a:cxnSpLocks/>
+            <a:stCxn id="42" idx="6"/>
+            <a:endCxn id="45" idx="2"/>
+          </p:cNvCxnSpPr>
+          <p:nvPr/>
+        </p:nvCxnSpPr>
+        <p:spPr>
+          <a:xfrm>
+            <a:off x="4510089" y="1100766"/>
+            <a:ext cx="220735" cy="0"/>
+          </a:xfrm>
+          <a:prstGeom prst="straightConnector1">
+            <a:avLst/>
+          </a:prstGeom>
+          <a:ln w="12700">
+            <a:solidFill>
+              <a:schemeClr val="tx1"/>
+            </a:solidFill>
+            <a:tailEnd type="triangle"/>
+          </a:ln>
+        </p:spPr>
+        <p:style>
+          <a:lnRef idx="1">
+            <a:schemeClr val="accent1"/>
+          </a:lnRef>
+          <a:fillRef idx="0">
+            <a:schemeClr val="accent1"/>
+          </a:fillRef>
+          <a:effectRef idx="0">
+            <a:schemeClr val="accent1"/>
+          </a:effectRef>
+          <a:fontRef idx="minor">
+            <a:schemeClr val="tx1"/>
+          </a:fontRef>
+        </p:style>
+      </p:cxnSp>
+      <p:cxnSp>
+        <p:nvCxnSpPr>
+          <p:cNvPr id="85" name="Conector recto de flecha 84">
+            <a:extLst>
+              <a:ext uri="{FF2B5EF4-FFF2-40B4-BE49-F238E27FC236}">
+                <a16:creationId xmlns:a16="http://schemas.microsoft.com/office/drawing/2014/main" id="{3A0F245F-35BA-42CE-A28F-5CB36F4C1768}"/>
+              </a:ext>
+            </a:extLst>
+          </p:cNvPr>
+          <p:cNvCxnSpPr>
+            <a:cxnSpLocks/>
+            <a:stCxn id="24" idx="6"/>
+            <a:endCxn id="30" idx="2"/>
+          </p:cNvCxnSpPr>
+          <p:nvPr/>
+        </p:nvCxnSpPr>
+        <p:spPr>
+          <a:xfrm flipV="1">
+            <a:off x="3508286" y="607305"/>
+            <a:ext cx="220734" cy="5663"/>
+          </a:xfrm>
+          <a:prstGeom prst="straightConnector1">
+            <a:avLst/>
+          </a:prstGeom>
+          <a:ln w="12700">
+            <a:solidFill>
+              <a:schemeClr val="tx1"/>
+            </a:solidFill>
+            <a:tailEnd type="triangle"/>
+          </a:ln>
+        </p:spPr>
+        <p:style>
+          <a:lnRef idx="1">
+            <a:schemeClr val="accent1"/>
+          </a:lnRef>
+          <a:fillRef idx="0">
+            <a:schemeClr val="accent1"/>
+          </a:fillRef>
+          <a:effectRef idx="0">
+            <a:schemeClr val="accent1"/>
+          </a:effectRef>
+          <a:fontRef idx="minor">
+            <a:schemeClr val="tx1"/>
+          </a:fontRef>
+        </p:style>
+      </p:cxnSp>
+      <p:cxnSp>
+        <p:nvCxnSpPr>
+          <p:cNvPr id="94" name="Conector: curvado 93">
+            <a:extLst>
+              <a:ext uri="{FF2B5EF4-FFF2-40B4-BE49-F238E27FC236}">
+                <a16:creationId xmlns:a16="http://schemas.microsoft.com/office/drawing/2014/main" id="{7E61893C-43D8-47C6-9654-5F6FB19E7FFE}"/>
+              </a:ext>
+            </a:extLst>
+          </p:cNvPr>
+          <p:cNvCxnSpPr>
+            <a:cxnSpLocks/>
+            <a:stCxn id="45" idx="6"/>
+            <a:endCxn id="15" idx="5"/>
+          </p:cNvCxnSpPr>
+          <p:nvPr/>
+        </p:nvCxnSpPr>
+        <p:spPr>
+          <a:xfrm flipH="1">
+            <a:off x="1542933" y="1100766"/>
+            <a:ext cx="3547891" cy="1024001"/>
+          </a:xfrm>
+          <a:prstGeom prst="curvedConnector4">
+            <a:avLst>
+              <a:gd name="adj1" fmla="val -6443"/>
+              <a:gd name="adj2" fmla="val 127473"/>
+            </a:avLst>
+          </a:prstGeom>
+          <a:ln w="12700">
+            <a:solidFill>
+              <a:schemeClr val="tx1"/>
+            </a:solidFill>
+            <a:tailEnd type="triangle"/>
+          </a:ln>
+        </p:spPr>
+        <p:style>
+          <a:lnRef idx="1">
+            <a:schemeClr val="accent1"/>
+          </a:lnRef>
+          <a:fillRef idx="0">
+            <a:schemeClr val="accent1"/>
+          </a:fillRef>
+          <a:effectRef idx="0">
+            <a:schemeClr val="accent1"/>
+          </a:effectRef>
+          <a:fontRef idx="minor">
+            <a:schemeClr val="tx1"/>
+          </a:fontRef>
+        </p:style>
+      </p:cxnSp>
+      <p:cxnSp>
+        <p:nvCxnSpPr>
+          <p:cNvPr id="97" name="Conector: curvado 96">
+            <a:extLst>
+              <a:ext uri="{FF2B5EF4-FFF2-40B4-BE49-F238E27FC236}">
+                <a16:creationId xmlns:a16="http://schemas.microsoft.com/office/drawing/2014/main" id="{86199752-DAEA-4824-B4D6-89AEFBA00788}"/>
+              </a:ext>
+            </a:extLst>
+          </p:cNvPr>
+          <p:cNvCxnSpPr>
+            <a:stCxn id="15" idx="1"/>
+            <a:endCxn id="4" idx="2"/>
+          </p:cNvCxnSpPr>
+          <p:nvPr/>
+        </p:nvCxnSpPr>
+        <p:spPr>
+          <a:xfrm rot="16200000" flipV="1">
+            <a:off x="410626" y="992460"/>
+            <a:ext cx="767618" cy="987880"/>
+          </a:xfrm>
+          <a:prstGeom prst="curvedConnector4">
+            <a:avLst>
+              <a:gd name="adj1" fmla="val 34841"/>
+              <a:gd name="adj2" fmla="val 123140"/>
+            </a:avLst>
+          </a:prstGeom>
+          <a:ln w="12700">
+            <a:solidFill>
+              <a:schemeClr val="tx1"/>
+            </a:solidFill>
+            <a:tailEnd type="triangle"/>
+          </a:ln>
+        </p:spPr>
+        <p:style>
+          <a:lnRef idx="1">
+            <a:schemeClr val="accent1"/>
+          </a:lnRef>
+          <a:fillRef idx="0">
+            <a:schemeClr val="accent1"/>
+          </a:fillRef>
+          <a:effectRef idx="0">
+            <a:schemeClr val="accent1"/>
+          </a:effectRef>
+          <a:fontRef idx="minor">
+            <a:schemeClr val="tx1"/>
+          </a:fontRef>
+        </p:style>
+      </p:cxnSp>
+      <p:sp>
+        <p:nvSpPr>
+          <p:cNvPr id="98" name="CuadroTexto 97">
+            <a:extLst>
+              <a:ext uri="{FF2B5EF4-FFF2-40B4-BE49-F238E27FC236}">
+                <a16:creationId xmlns:a16="http://schemas.microsoft.com/office/drawing/2014/main" id="{F4C6B11E-F9F7-4D38-BE09-12742362000A}"/>
+              </a:ext>
+            </a:extLst>
+          </p:cNvPr>
+          <p:cNvSpPr txBox="1"/>
+          <p:nvPr/>
+        </p:nvSpPr>
+        <p:spPr>
+          <a:xfrm>
+            <a:off x="8561950" y="2380439"/>
+            <a:ext cx="448486" cy="215444"/>
+          </a:xfrm>
+          <a:prstGeom prst="rect">
+            <a:avLst/>
+          </a:prstGeom>
+          <a:noFill/>
+        </p:spPr>
+        <p:txBody>
+          <a:bodyPr wrap="square" rtlCol="0">
+            <a:spAutoFit/>
+          </a:bodyPr>
+          <a:lstStyle/>
+          <a:p>
+            <a:r>
+              <a:rPr lang="es-ES" sz="800" b="1" dirty="0"/>
+              <a:t>“</a:t>
+            </a:r>
+            <a:r>
+              <a:rPr lang="es-ES" sz="800" b="1" dirty="0">
+                <a:solidFill>
+                  <a:srgbClr val="00B050"/>
+                </a:solidFill>
+              </a:rPr>
+              <a:t>OK</a:t>
+            </a:r>
+            <a:r>
+              <a:rPr lang="es-ES" sz="800" b="1" dirty="0"/>
+              <a:t>”</a:t>
+            </a:r>
+          </a:p>
+        </p:txBody>
+      </p:sp>
+      <p:sp>
+        <p:nvSpPr>
+          <p:cNvPr id="99" name="CuadroTexto 98">
+            <a:extLst>
+              <a:ext uri="{FF2B5EF4-FFF2-40B4-BE49-F238E27FC236}">
+                <a16:creationId xmlns:a16="http://schemas.microsoft.com/office/drawing/2014/main" id="{BC3A4AA9-7C56-4F36-8380-7B72D9851EE1}"/>
+              </a:ext>
+            </a:extLst>
+          </p:cNvPr>
+          <p:cNvSpPr txBox="1"/>
+          <p:nvPr/>
+        </p:nvSpPr>
+        <p:spPr>
+          <a:xfrm>
+            <a:off x="1514905" y="1745210"/>
+            <a:ext cx="571065" cy="215444"/>
+          </a:xfrm>
+          <a:prstGeom prst="rect">
+            <a:avLst/>
+          </a:prstGeom>
+          <a:noFill/>
+        </p:spPr>
+        <p:txBody>
+          <a:bodyPr wrap="square" rtlCol="0">
+            <a:spAutoFit/>
+          </a:bodyPr>
+          <a:lstStyle/>
+          <a:p>
+            <a:r>
+              <a:rPr lang="es-ES" sz="800" b="1" dirty="0"/>
+              <a:t>“</a:t>
+            </a:r>
+            <a:r>
+              <a:rPr lang="es-ES" sz="800" b="1" dirty="0">
+                <a:solidFill>
+                  <a:srgbClr val="00B050"/>
+                </a:solidFill>
+              </a:rPr>
+              <a:t>START</a:t>
+            </a:r>
+            <a:r>
+              <a:rPr lang="es-ES" sz="800" b="1" dirty="0"/>
+              <a:t>”</a:t>
+            </a:r>
+          </a:p>
+        </p:txBody>
+      </p:sp>
+      <p:sp>
+        <p:nvSpPr>
+          <p:cNvPr id="100" name="CuadroTexto 99">
+            <a:extLst>
+              <a:ext uri="{FF2B5EF4-FFF2-40B4-BE49-F238E27FC236}">
+                <a16:creationId xmlns:a16="http://schemas.microsoft.com/office/drawing/2014/main" id="{ED79F18A-35C2-45D5-9DB1-46810F9746DC}"/>
+              </a:ext>
+            </a:extLst>
+          </p:cNvPr>
+          <p:cNvSpPr txBox="1"/>
+          <p:nvPr/>
+        </p:nvSpPr>
+        <p:spPr>
+          <a:xfrm>
+            <a:off x="119805" y="631171"/>
+            <a:ext cx="721379" cy="338554"/>
+          </a:xfrm>
+          <a:prstGeom prst="rect">
+            <a:avLst/>
+          </a:prstGeom>
+          <a:noFill/>
+        </p:spPr>
+        <p:txBody>
+          <a:bodyPr wrap="square" rtlCol="0">
+            <a:spAutoFit/>
+          </a:bodyPr>
+          <a:lstStyle/>
+          <a:p>
+            <a:pPr algn="ctr"/>
+            <a:r>
+              <a:rPr lang="es-ES" sz="800" b="1" i="1" dirty="0"/>
+              <a:t>Generación de secuencia</a:t>
+            </a:r>
+          </a:p>
+        </p:txBody>
+      </p:sp>
+      <p:sp>
+        <p:nvSpPr>
+          <p:cNvPr id="101" name="CuadroTexto 100">
+            <a:extLst>
+              <a:ext uri="{FF2B5EF4-FFF2-40B4-BE49-F238E27FC236}">
+                <a16:creationId xmlns:a16="http://schemas.microsoft.com/office/drawing/2014/main" id="{EF1E5D4B-5B67-4B63-B29D-A3C0EA42D2FB}"/>
+              </a:ext>
+            </a:extLst>
+          </p:cNvPr>
+          <p:cNvSpPr txBox="1"/>
+          <p:nvPr/>
+        </p:nvSpPr>
+        <p:spPr>
+          <a:xfrm>
+            <a:off x="3684776" y="217199"/>
+            <a:ext cx="475275" cy="215444"/>
+          </a:xfrm>
+          <a:prstGeom prst="rect">
+            <a:avLst/>
+          </a:prstGeom>
+          <a:noFill/>
+        </p:spPr>
+        <p:txBody>
+          <a:bodyPr wrap="square" rtlCol="0">
+            <a:spAutoFit/>
+          </a:bodyPr>
+          <a:lstStyle/>
+          <a:p>
+            <a:r>
+              <a:rPr lang="es-ES" sz="800" b="1" dirty="0"/>
+              <a:t>“</a:t>
+            </a:r>
+            <a:r>
+              <a:rPr lang="es-ES" sz="800" b="1" dirty="0">
+                <a:solidFill>
+                  <a:srgbClr val="00B050"/>
+                </a:solidFill>
+              </a:rPr>
+              <a:t>WIN</a:t>
+            </a:r>
+            <a:r>
+              <a:rPr lang="es-ES" sz="800" b="1" dirty="0"/>
+              <a:t>”</a:t>
+            </a:r>
+          </a:p>
+        </p:txBody>
+      </p:sp>
+      <p:sp>
+        <p:nvSpPr>
+          <p:cNvPr id="102" name="CuadroTexto 101">
+            <a:extLst>
+              <a:ext uri="{FF2B5EF4-FFF2-40B4-BE49-F238E27FC236}">
+                <a16:creationId xmlns:a16="http://schemas.microsoft.com/office/drawing/2014/main" id="{DD4EE499-BBB4-49D9-AFE9-563E9436E814}"/>
+              </a:ext>
+            </a:extLst>
+          </p:cNvPr>
+          <p:cNvSpPr txBox="1"/>
+          <p:nvPr/>
+        </p:nvSpPr>
+        <p:spPr>
+          <a:xfrm>
+            <a:off x="3536313" y="1773584"/>
+            <a:ext cx="815891" cy="215444"/>
+          </a:xfrm>
+          <a:prstGeom prst="rect">
+            <a:avLst/>
+          </a:prstGeom>
+          <a:noFill/>
+        </p:spPr>
+        <p:txBody>
+          <a:bodyPr wrap="square" rtlCol="0">
+            <a:spAutoFit/>
+          </a:bodyPr>
+          <a:lstStyle/>
+          <a:p>
+            <a:r>
+              <a:rPr lang="es-ES" sz="800" b="1" dirty="0"/>
+              <a:t>“</a:t>
+            </a:r>
+            <a:r>
+              <a:rPr lang="es-ES" sz="800" b="1" dirty="0">
+                <a:solidFill>
+                  <a:srgbClr val="00B050"/>
+                </a:solidFill>
+              </a:rPr>
+              <a:t>GAME OVER</a:t>
+            </a:r>
+            <a:r>
+              <a:rPr lang="es-ES" sz="800" b="1" dirty="0"/>
+              <a:t>”</a:t>
+            </a:r>
+          </a:p>
+        </p:txBody>
+      </p:sp>
+      <p:sp>
+        <p:nvSpPr>
+          <p:cNvPr id="103" name="CuadroTexto 102">
+            <a:extLst>
+              <a:ext uri="{FF2B5EF4-FFF2-40B4-BE49-F238E27FC236}">
+                <a16:creationId xmlns:a16="http://schemas.microsoft.com/office/drawing/2014/main" id="{8A2D7F49-BA8B-4F55-BC96-1E55532AA5AE}"/>
+              </a:ext>
+            </a:extLst>
+          </p:cNvPr>
+          <p:cNvSpPr txBox="1"/>
+          <p:nvPr/>
+        </p:nvSpPr>
+        <p:spPr>
+          <a:xfrm>
+            <a:off x="2420881" y="743830"/>
+            <a:ext cx="721379" cy="215444"/>
+          </a:xfrm>
+          <a:prstGeom prst="rect">
+            <a:avLst/>
+          </a:prstGeom>
+          <a:noFill/>
+        </p:spPr>
+        <p:txBody>
+          <a:bodyPr wrap="square" rtlCol="0">
+            <a:spAutoFit/>
+          </a:bodyPr>
+          <a:lstStyle/>
+          <a:p>
+            <a:pPr algn="ctr"/>
+            <a:r>
+              <a:rPr lang="es-ES" sz="800" b="1" i="1" dirty="0"/>
+              <a:t>Incheck</a:t>
+            </a:r>
+          </a:p>
+        </p:txBody>
+      </p:sp>
+      <p:sp>
+        <p:nvSpPr>
+          <p:cNvPr id="104" name="CuadroTexto 103">
+            <a:extLst>
+              <a:ext uri="{FF2B5EF4-FFF2-40B4-BE49-F238E27FC236}">
+                <a16:creationId xmlns:a16="http://schemas.microsoft.com/office/drawing/2014/main" id="{8B3BDFD4-05AE-4258-9C69-F335DBE01E52}"/>
+              </a:ext>
+            </a:extLst>
+          </p:cNvPr>
+          <p:cNvSpPr txBox="1"/>
+          <p:nvPr/>
+        </p:nvSpPr>
+        <p:spPr>
+          <a:xfrm>
+            <a:off x="4550134" y="709816"/>
+            <a:ext cx="721379" cy="215444"/>
+          </a:xfrm>
+          <a:prstGeom prst="rect">
+            <a:avLst/>
+          </a:prstGeom>
+          <a:noFill/>
+        </p:spPr>
+        <p:txBody>
+          <a:bodyPr wrap="square" rtlCol="0">
+            <a:spAutoFit/>
+          </a:bodyPr>
+          <a:lstStyle/>
+          <a:p>
+            <a:pPr algn="ctr"/>
+            <a:r>
+              <a:rPr lang="es-ES" sz="800" b="1" i="1" dirty="0"/>
+              <a:t>Showseq</a:t>
+            </a:r>
+          </a:p>
+        </p:txBody>
+      </p:sp>
+      <p:sp>
+        <p:nvSpPr>
+          <p:cNvPr id="105" name="CuadroTexto 104">
+            <a:extLst>
+              <a:ext uri="{FF2B5EF4-FFF2-40B4-BE49-F238E27FC236}">
+                <a16:creationId xmlns:a16="http://schemas.microsoft.com/office/drawing/2014/main" id="{33F06976-276D-4138-8669-5C1BC3BBDA03}"/>
+              </a:ext>
+            </a:extLst>
+          </p:cNvPr>
+          <p:cNvSpPr txBox="1"/>
+          <p:nvPr/>
+        </p:nvSpPr>
+        <p:spPr>
+          <a:xfrm>
+            <a:off x="2885385" y="830562"/>
+            <a:ext cx="824602" cy="169277"/>
+          </a:xfrm>
+          <a:prstGeom prst="rect">
+            <a:avLst/>
+          </a:prstGeom>
+          <a:noFill/>
+        </p:spPr>
+        <p:txBody>
+          <a:bodyPr wrap="square" rtlCol="0">
+            <a:spAutoFit/>
+          </a:bodyPr>
+          <a:lstStyle/>
+          <a:p>
+            <a:pPr algn="ctr"/>
+            <a:r>
+              <a:rPr lang="es-ES" sz="500" b="1" i="1" dirty="0">
+                <a:solidFill>
+                  <a:srgbClr val="FF0000"/>
+                </a:solidFill>
+              </a:rPr>
+              <a:t>DONE_INCHECK = “01”</a:t>
+            </a:r>
+          </a:p>
+        </p:txBody>
+      </p:sp>
+      <p:sp>
+        <p:nvSpPr>
+          <p:cNvPr id="106" name="CuadroTexto 105">
+            <a:extLst>
+              <a:ext uri="{FF2B5EF4-FFF2-40B4-BE49-F238E27FC236}">
+                <a16:creationId xmlns:a16="http://schemas.microsoft.com/office/drawing/2014/main" id="{4204BFF5-E1D2-45FD-BEA1-28FB906D193B}"/>
+              </a:ext>
+            </a:extLst>
+          </p:cNvPr>
+          <p:cNvSpPr txBox="1"/>
+          <p:nvPr/>
+        </p:nvSpPr>
+        <p:spPr>
+          <a:xfrm>
+            <a:off x="2896216" y="1208488"/>
+            <a:ext cx="824602" cy="169277"/>
+          </a:xfrm>
+          <a:prstGeom prst="rect">
+            <a:avLst/>
+          </a:prstGeom>
+          <a:noFill/>
+        </p:spPr>
+        <p:txBody>
+          <a:bodyPr wrap="square" rtlCol="0">
+            <a:spAutoFit/>
+          </a:bodyPr>
+          <a:lstStyle/>
+          <a:p>
+            <a:pPr algn="ctr"/>
+            <a:r>
+              <a:rPr lang="es-ES" sz="500" b="1" i="1" dirty="0">
+                <a:solidFill>
+                  <a:srgbClr val="FF0000"/>
+                </a:solidFill>
+              </a:rPr>
+              <a:t>DONE_INCHECK = “10”</a:t>
+            </a:r>
+          </a:p>
+        </p:txBody>
+      </p:sp>
+      <p:grpSp>
+        <p:nvGrpSpPr>
+          <p:cNvPr id="107" name="Grupo 106">
+            <a:extLst>
+              <a:ext uri="{FF2B5EF4-FFF2-40B4-BE49-F238E27FC236}">
+                <a16:creationId xmlns:a16="http://schemas.microsoft.com/office/drawing/2014/main" id="{BE448378-83C7-4D14-8247-E8EA6C425526}"/>
+              </a:ext>
+            </a:extLst>
+          </p:cNvPr>
+          <p:cNvGrpSpPr/>
+          <p:nvPr/>
+        </p:nvGrpSpPr>
+        <p:grpSpPr>
+          <a:xfrm>
+            <a:off x="9652325" y="2789589"/>
+            <a:ext cx="494046" cy="360000"/>
+            <a:chOff x="1041930" y="875488"/>
+            <a:chExt cx="494046" cy="360000"/>
+          </a:xfrm>
+        </p:grpSpPr>
+        <p:sp>
+          <p:nvSpPr>
+            <p:cNvPr id="108" name="Elipse 107">
+              <a:extLst>
+                <a:ext uri="{FF2B5EF4-FFF2-40B4-BE49-F238E27FC236}">
+                  <a16:creationId xmlns:a16="http://schemas.microsoft.com/office/drawing/2014/main" id="{E605C502-D3AB-4835-9CA9-1CAED34BE982}"/>
+                </a:ext>
+              </a:extLst>
+            </p:cNvPr>
+            <p:cNvSpPr/>
+            <p:nvPr/>
+          </p:nvSpPr>
+          <p:spPr>
+            <a:xfrm>
+              <a:off x="1108951" y="875488"/>
+              <a:ext cx="360000" cy="360000"/>
+            </a:xfrm>
+            <a:prstGeom prst="ellipse">
+              <a:avLst/>
+            </a:prstGeom>
+            <a:noFill/>
+            <a:ln>
+              <a:solidFill>
+                <a:schemeClr val="tx1"/>
+              </a:solidFill>
+            </a:ln>
+          </p:spPr>
+          <p:style>
+            <a:lnRef idx="2">
+              <a:schemeClr val="accent1">
+                <a:shade val="50000"/>
+              </a:schemeClr>
+            </a:lnRef>
+            <a:fillRef idx="1">
+              <a:schemeClr val="accent1"/>
+            </a:fillRef>
+            <a:effectRef idx="0">
+              <a:schemeClr val="accent1"/>
+            </a:effectRef>
+            <a:fontRef idx="minor">
+              <a:schemeClr val="lt1"/>
+            </a:fontRef>
+          </p:style>
+          <p:txBody>
+            <a:bodyPr rtlCol="0" anchor="ctr"/>
+            <a:lstStyle/>
+            <a:p>
+              <a:pPr algn="ctr"/>
+              <a:endParaRPr lang="es-ES" dirty="0"/>
+            </a:p>
+          </p:txBody>
+        </p:sp>
+        <p:sp>
+          <p:nvSpPr>
+            <p:cNvPr id="109" name="CuadroTexto 108">
+              <a:extLst>
+                <a:ext uri="{FF2B5EF4-FFF2-40B4-BE49-F238E27FC236}">
+                  <a16:creationId xmlns:a16="http://schemas.microsoft.com/office/drawing/2014/main" id="{A6047327-F94A-482B-BC1D-D5CBA5C0F372}"/>
+                </a:ext>
+              </a:extLst>
+            </p:cNvPr>
+            <p:cNvSpPr txBox="1"/>
+            <p:nvPr/>
+          </p:nvSpPr>
+          <p:spPr>
+            <a:xfrm>
+              <a:off x="1041930" y="947766"/>
+              <a:ext cx="494046" cy="215444"/>
+            </a:xfrm>
+            <a:prstGeom prst="rect">
+              <a:avLst/>
+            </a:prstGeom>
+            <a:noFill/>
+          </p:spPr>
+          <p:txBody>
+            <a:bodyPr wrap="none" rtlCol="0">
+              <a:spAutoFit/>
+            </a:bodyPr>
+            <a:lstStyle/>
+            <a:p>
+              <a:pPr algn="ctr"/>
+              <a:r>
+                <a:rPr lang="es-ES" sz="800" b="1" dirty="0"/>
+                <a:t>S_STBY</a:t>
+              </a:r>
+            </a:p>
+          </p:txBody>
+        </p:sp>
+      </p:grpSp>
+      <p:grpSp>
+        <p:nvGrpSpPr>
+          <p:cNvPr id="110" name="Grupo 109">
+            <a:extLst>
+              <a:ext uri="{FF2B5EF4-FFF2-40B4-BE49-F238E27FC236}">
+                <a16:creationId xmlns:a16="http://schemas.microsoft.com/office/drawing/2014/main" id="{2C87525D-F0E2-4AA1-8865-A72CD01B68B1}"/>
+              </a:ext>
+            </a:extLst>
+          </p:cNvPr>
+          <p:cNvGrpSpPr/>
+          <p:nvPr/>
+        </p:nvGrpSpPr>
+        <p:grpSpPr>
+          <a:xfrm>
+            <a:off x="6455646" y="2789589"/>
+            <a:ext cx="360000" cy="360000"/>
+            <a:chOff x="1108951" y="875488"/>
+            <a:chExt cx="360000" cy="360000"/>
+          </a:xfrm>
+        </p:grpSpPr>
+        <p:sp>
+          <p:nvSpPr>
+            <p:cNvPr id="111" name="Elipse 110">
+              <a:extLst>
+                <a:ext uri="{FF2B5EF4-FFF2-40B4-BE49-F238E27FC236}">
+                  <a16:creationId xmlns:a16="http://schemas.microsoft.com/office/drawing/2014/main" id="{FE7CF226-D8B1-42CB-9AA3-59DB49A4097D}"/>
+                </a:ext>
+              </a:extLst>
+            </p:cNvPr>
+            <p:cNvSpPr/>
+            <p:nvPr/>
+          </p:nvSpPr>
+          <p:spPr>
+            <a:xfrm>
+              <a:off x="1108951" y="875488"/>
+              <a:ext cx="360000" cy="360000"/>
+            </a:xfrm>
+            <a:prstGeom prst="ellipse">
+              <a:avLst/>
+            </a:prstGeom>
+            <a:noFill/>
+            <a:ln>
+              <a:solidFill>
+                <a:schemeClr val="tx1"/>
+              </a:solidFill>
+            </a:ln>
+          </p:spPr>
+          <p:style>
+            <a:lnRef idx="2">
+              <a:schemeClr val="accent1">
+                <a:shade val="50000"/>
+              </a:schemeClr>
+            </a:lnRef>
+            <a:fillRef idx="1">
+              <a:schemeClr val="accent1"/>
+            </a:fillRef>
+            <a:effectRef idx="0">
+              <a:schemeClr val="accent1"/>
+            </a:effectRef>
+            <a:fontRef idx="minor">
+              <a:schemeClr val="lt1"/>
+            </a:fontRef>
+          </p:style>
+          <p:txBody>
+            <a:bodyPr rtlCol="0" anchor="ctr"/>
+            <a:lstStyle/>
+            <a:p>
+              <a:pPr algn="ctr"/>
+              <a:endParaRPr lang="es-ES" dirty="0"/>
+            </a:p>
+          </p:txBody>
+        </p:sp>
+        <p:sp>
+          <p:nvSpPr>
+            <p:cNvPr id="112" name="CuadroTexto 111">
+              <a:extLst>
+                <a:ext uri="{FF2B5EF4-FFF2-40B4-BE49-F238E27FC236}">
+                  <a16:creationId xmlns:a16="http://schemas.microsoft.com/office/drawing/2014/main" id="{60830C9A-327F-4E69-A500-AA29BFC78352}"/>
+                </a:ext>
+              </a:extLst>
+            </p:cNvPr>
+            <p:cNvSpPr txBox="1"/>
+            <p:nvPr/>
+          </p:nvSpPr>
+          <p:spPr>
+            <a:xfrm>
+              <a:off x="1147727" y="947766"/>
+              <a:ext cx="282449" cy="215444"/>
+            </a:xfrm>
+            <a:prstGeom prst="rect">
+              <a:avLst/>
+            </a:prstGeom>
+            <a:noFill/>
+          </p:spPr>
+          <p:txBody>
+            <a:bodyPr wrap="none" rtlCol="0">
+              <a:spAutoFit/>
+            </a:bodyPr>
+            <a:lstStyle/>
+            <a:p>
+              <a:pPr algn="ctr"/>
+              <a:r>
+                <a:rPr lang="es-ES" sz="800" b="1" dirty="0"/>
+                <a:t>S0</a:t>
+              </a:r>
+            </a:p>
+          </p:txBody>
+        </p:sp>
+      </p:grpSp>
+      <p:grpSp>
+        <p:nvGrpSpPr>
+          <p:cNvPr id="113" name="Grupo 112">
+            <a:extLst>
+              <a:ext uri="{FF2B5EF4-FFF2-40B4-BE49-F238E27FC236}">
+                <a16:creationId xmlns:a16="http://schemas.microsoft.com/office/drawing/2014/main" id="{294018AA-2FA6-473B-9125-D8E924639BBA}"/>
+              </a:ext>
+            </a:extLst>
+          </p:cNvPr>
+          <p:cNvGrpSpPr/>
+          <p:nvPr/>
+        </p:nvGrpSpPr>
+        <p:grpSpPr>
+          <a:xfrm>
+            <a:off x="7191481" y="1997488"/>
+            <a:ext cx="360000" cy="360000"/>
+            <a:chOff x="1108951" y="875488"/>
+            <a:chExt cx="360000" cy="360000"/>
+          </a:xfrm>
+        </p:grpSpPr>
+        <p:sp>
+          <p:nvSpPr>
+            <p:cNvPr id="114" name="Elipse 113">
+              <a:extLst>
+                <a:ext uri="{FF2B5EF4-FFF2-40B4-BE49-F238E27FC236}">
+                  <a16:creationId xmlns:a16="http://schemas.microsoft.com/office/drawing/2014/main" id="{13AA44F2-1734-4B83-8881-F4C36B4C6BCB}"/>
+                </a:ext>
+              </a:extLst>
+            </p:cNvPr>
+            <p:cNvSpPr/>
+            <p:nvPr/>
+          </p:nvSpPr>
+          <p:spPr>
+            <a:xfrm>
+              <a:off x="1108951" y="875488"/>
+              <a:ext cx="360000" cy="360000"/>
+            </a:xfrm>
+            <a:prstGeom prst="ellipse">
+              <a:avLst/>
+            </a:prstGeom>
+            <a:noFill/>
+            <a:ln>
+              <a:solidFill>
+                <a:schemeClr val="tx1"/>
+              </a:solidFill>
+            </a:ln>
+          </p:spPr>
+          <p:style>
+            <a:lnRef idx="2">
+              <a:schemeClr val="accent1">
+                <a:shade val="50000"/>
+              </a:schemeClr>
+            </a:lnRef>
+            <a:fillRef idx="1">
+              <a:schemeClr val="accent1"/>
+            </a:fillRef>
+            <a:effectRef idx="0">
+              <a:schemeClr val="accent1"/>
+            </a:effectRef>
+            <a:fontRef idx="minor">
+              <a:schemeClr val="lt1"/>
+            </a:fontRef>
+          </p:style>
+          <p:txBody>
+            <a:bodyPr rtlCol="0" anchor="ctr"/>
+            <a:lstStyle/>
+            <a:p>
+              <a:pPr algn="ctr"/>
+              <a:endParaRPr lang="es-ES" dirty="0"/>
+            </a:p>
+          </p:txBody>
+        </p:sp>
+        <p:sp>
+          <p:nvSpPr>
+            <p:cNvPr id="115" name="CuadroTexto 114">
+              <a:extLst>
+                <a:ext uri="{FF2B5EF4-FFF2-40B4-BE49-F238E27FC236}">
+                  <a16:creationId xmlns:a16="http://schemas.microsoft.com/office/drawing/2014/main" id="{BB19B8F7-85D9-4EDB-8BBC-AAE81C33C9FC}"/>
+                </a:ext>
+              </a:extLst>
+            </p:cNvPr>
+            <p:cNvSpPr txBox="1"/>
+            <p:nvPr/>
+          </p:nvSpPr>
+          <p:spPr>
+            <a:xfrm>
+              <a:off x="1147727" y="947766"/>
+              <a:ext cx="282450" cy="215444"/>
+            </a:xfrm>
+            <a:prstGeom prst="rect">
+              <a:avLst/>
+            </a:prstGeom>
+            <a:noFill/>
+          </p:spPr>
+          <p:txBody>
+            <a:bodyPr wrap="none" rtlCol="0">
+              <a:spAutoFit/>
+            </a:bodyPr>
+            <a:lstStyle/>
+            <a:p>
+              <a:pPr algn="ctr"/>
+              <a:r>
+                <a:rPr lang="es-ES" sz="800" b="1" dirty="0"/>
+                <a:t>S1</a:t>
+              </a:r>
+            </a:p>
+          </p:txBody>
+        </p:sp>
+      </p:grpSp>
+      <p:grpSp>
+        <p:nvGrpSpPr>
+          <p:cNvPr id="116" name="Grupo 115">
+            <a:extLst>
+              <a:ext uri="{FF2B5EF4-FFF2-40B4-BE49-F238E27FC236}">
+                <a16:creationId xmlns:a16="http://schemas.microsoft.com/office/drawing/2014/main" id="{6E1BDCCB-0370-472F-A8EC-02BF43B331B3}"/>
+              </a:ext>
+            </a:extLst>
+          </p:cNvPr>
+          <p:cNvGrpSpPr/>
+          <p:nvPr/>
+        </p:nvGrpSpPr>
+        <p:grpSpPr>
+          <a:xfrm>
+            <a:off x="7191481" y="2524629"/>
+            <a:ext cx="360000" cy="360000"/>
+            <a:chOff x="1108951" y="875488"/>
+            <a:chExt cx="360000" cy="360000"/>
+          </a:xfrm>
+        </p:grpSpPr>
+        <p:sp>
+          <p:nvSpPr>
+            <p:cNvPr id="117" name="Elipse 116">
+              <a:extLst>
+                <a:ext uri="{FF2B5EF4-FFF2-40B4-BE49-F238E27FC236}">
+                  <a16:creationId xmlns:a16="http://schemas.microsoft.com/office/drawing/2014/main" id="{9E89B4E2-966F-4AF7-83AB-1EDB88720B2A}"/>
+                </a:ext>
+              </a:extLst>
+            </p:cNvPr>
+            <p:cNvSpPr/>
+            <p:nvPr/>
+          </p:nvSpPr>
+          <p:spPr>
+            <a:xfrm>
+              <a:off x="1108951" y="875488"/>
+              <a:ext cx="360000" cy="360000"/>
+            </a:xfrm>
+            <a:prstGeom prst="ellipse">
+              <a:avLst/>
+            </a:prstGeom>
+            <a:noFill/>
+            <a:ln>
+              <a:solidFill>
+                <a:schemeClr val="tx1"/>
+              </a:solidFill>
+            </a:ln>
+          </p:spPr>
+          <p:style>
+            <a:lnRef idx="2">
+              <a:schemeClr val="accent1">
+                <a:shade val="50000"/>
+              </a:schemeClr>
+            </a:lnRef>
+            <a:fillRef idx="1">
+              <a:schemeClr val="accent1"/>
+            </a:fillRef>
+            <a:effectRef idx="0">
+              <a:schemeClr val="accent1"/>
+            </a:effectRef>
+            <a:fontRef idx="minor">
+              <a:schemeClr val="lt1"/>
+            </a:fontRef>
+          </p:style>
+          <p:txBody>
+            <a:bodyPr rtlCol="0" anchor="ctr"/>
+            <a:lstStyle/>
+            <a:p>
+              <a:pPr algn="ctr"/>
+              <a:endParaRPr lang="es-ES" dirty="0"/>
+            </a:p>
+          </p:txBody>
+        </p:sp>
+        <p:sp>
+          <p:nvSpPr>
+            <p:cNvPr id="118" name="CuadroTexto 117">
+              <a:extLst>
+                <a:ext uri="{FF2B5EF4-FFF2-40B4-BE49-F238E27FC236}">
+                  <a16:creationId xmlns:a16="http://schemas.microsoft.com/office/drawing/2014/main" id="{0489EE06-FBA9-46AB-8C4E-06A722BCB6A6}"/>
+                </a:ext>
+              </a:extLst>
+            </p:cNvPr>
+            <p:cNvSpPr txBox="1"/>
+            <p:nvPr/>
+          </p:nvSpPr>
+          <p:spPr>
+            <a:xfrm>
+              <a:off x="1147726" y="947766"/>
+              <a:ext cx="282450" cy="215444"/>
+            </a:xfrm>
+            <a:prstGeom prst="rect">
+              <a:avLst/>
+            </a:prstGeom>
+            <a:noFill/>
+          </p:spPr>
+          <p:txBody>
+            <a:bodyPr wrap="none" rtlCol="0">
+              <a:spAutoFit/>
+            </a:bodyPr>
+            <a:lstStyle/>
+            <a:p>
+              <a:pPr algn="ctr"/>
+              <a:r>
+                <a:rPr lang="es-ES" sz="800" b="1" dirty="0"/>
+                <a:t>S2</a:t>
+              </a:r>
+            </a:p>
+          </p:txBody>
+        </p:sp>
+      </p:grpSp>
+      <p:grpSp>
+        <p:nvGrpSpPr>
+          <p:cNvPr id="119" name="Grupo 118">
+            <a:extLst>
+              <a:ext uri="{FF2B5EF4-FFF2-40B4-BE49-F238E27FC236}">
+                <a16:creationId xmlns:a16="http://schemas.microsoft.com/office/drawing/2014/main" id="{AAE4A5F5-BF7E-425F-A686-2983663C2158}"/>
+              </a:ext>
+            </a:extLst>
+          </p:cNvPr>
+          <p:cNvGrpSpPr/>
+          <p:nvPr/>
+        </p:nvGrpSpPr>
+        <p:grpSpPr>
+          <a:xfrm>
+            <a:off x="7191481" y="3054549"/>
+            <a:ext cx="360000" cy="360000"/>
+            <a:chOff x="1108951" y="875488"/>
+            <a:chExt cx="360000" cy="360000"/>
+          </a:xfrm>
+        </p:grpSpPr>
+        <p:sp>
+          <p:nvSpPr>
+            <p:cNvPr id="120" name="Elipse 119">
+              <a:extLst>
+                <a:ext uri="{FF2B5EF4-FFF2-40B4-BE49-F238E27FC236}">
+                  <a16:creationId xmlns:a16="http://schemas.microsoft.com/office/drawing/2014/main" id="{61E70536-A4F6-4F79-8DC8-B35492F535C8}"/>
+                </a:ext>
+              </a:extLst>
+            </p:cNvPr>
+            <p:cNvSpPr/>
+            <p:nvPr/>
+          </p:nvSpPr>
+          <p:spPr>
+            <a:xfrm>
+              <a:off x="1108951" y="875488"/>
+              <a:ext cx="360000" cy="360000"/>
+            </a:xfrm>
+            <a:prstGeom prst="ellipse">
+              <a:avLst/>
+            </a:prstGeom>
+            <a:noFill/>
+            <a:ln>
+              <a:solidFill>
+                <a:schemeClr val="tx1"/>
+              </a:solidFill>
+            </a:ln>
+          </p:spPr>
+          <p:style>
+            <a:lnRef idx="2">
+              <a:schemeClr val="accent1">
+                <a:shade val="50000"/>
+              </a:schemeClr>
+            </a:lnRef>
+            <a:fillRef idx="1">
+              <a:schemeClr val="accent1"/>
+            </a:fillRef>
+            <a:effectRef idx="0">
+              <a:schemeClr val="accent1"/>
+            </a:effectRef>
+            <a:fontRef idx="minor">
+              <a:schemeClr val="lt1"/>
+            </a:fontRef>
+          </p:style>
+          <p:txBody>
+            <a:bodyPr rtlCol="0" anchor="ctr"/>
+            <a:lstStyle/>
+            <a:p>
+              <a:pPr algn="ctr"/>
+              <a:endParaRPr lang="es-ES" dirty="0"/>
+            </a:p>
+          </p:txBody>
+        </p:sp>
+        <p:sp>
+          <p:nvSpPr>
+            <p:cNvPr id="121" name="CuadroTexto 120">
+              <a:extLst>
+                <a:ext uri="{FF2B5EF4-FFF2-40B4-BE49-F238E27FC236}">
+                  <a16:creationId xmlns:a16="http://schemas.microsoft.com/office/drawing/2014/main" id="{F622C24A-B3B5-4CF5-9B6C-A24F01149E07}"/>
+                </a:ext>
+              </a:extLst>
+            </p:cNvPr>
+            <p:cNvSpPr txBox="1"/>
+            <p:nvPr/>
+          </p:nvSpPr>
+          <p:spPr>
+            <a:xfrm>
+              <a:off x="1147726" y="947766"/>
+              <a:ext cx="282450" cy="215444"/>
+            </a:xfrm>
+            <a:prstGeom prst="rect">
+              <a:avLst/>
+            </a:prstGeom>
+            <a:noFill/>
+          </p:spPr>
+          <p:txBody>
+            <a:bodyPr wrap="none" rtlCol="0">
+              <a:spAutoFit/>
+            </a:bodyPr>
+            <a:lstStyle/>
+            <a:p>
+              <a:pPr algn="ctr"/>
+              <a:r>
+                <a:rPr lang="es-ES" sz="800" b="1" dirty="0"/>
+                <a:t>S3</a:t>
+              </a:r>
+            </a:p>
+          </p:txBody>
+        </p:sp>
+      </p:grpSp>
+      <p:grpSp>
+        <p:nvGrpSpPr>
+          <p:cNvPr id="122" name="Grupo 121">
+            <a:extLst>
+              <a:ext uri="{FF2B5EF4-FFF2-40B4-BE49-F238E27FC236}">
+                <a16:creationId xmlns:a16="http://schemas.microsoft.com/office/drawing/2014/main" id="{E85D29C1-3CBD-4BC3-8D0C-33E9D7765FCD}"/>
+              </a:ext>
+            </a:extLst>
+          </p:cNvPr>
+          <p:cNvGrpSpPr/>
+          <p:nvPr/>
+        </p:nvGrpSpPr>
+        <p:grpSpPr>
+          <a:xfrm>
+            <a:off x="7190504" y="3584469"/>
+            <a:ext cx="360000" cy="360000"/>
+            <a:chOff x="1108951" y="875488"/>
+            <a:chExt cx="360000" cy="360000"/>
+          </a:xfrm>
+        </p:grpSpPr>
+        <p:sp>
+          <p:nvSpPr>
+            <p:cNvPr id="123" name="Elipse 122">
+              <a:extLst>
+                <a:ext uri="{FF2B5EF4-FFF2-40B4-BE49-F238E27FC236}">
+                  <a16:creationId xmlns:a16="http://schemas.microsoft.com/office/drawing/2014/main" id="{CCCB1F19-750D-4B58-A154-4FC21BBD86BB}"/>
+                </a:ext>
+              </a:extLst>
+            </p:cNvPr>
+            <p:cNvSpPr/>
+            <p:nvPr/>
+          </p:nvSpPr>
+          <p:spPr>
+            <a:xfrm>
+              <a:off x="1108951" y="875488"/>
+              <a:ext cx="360000" cy="360000"/>
+            </a:xfrm>
+            <a:prstGeom prst="ellipse">
+              <a:avLst/>
+            </a:prstGeom>
+            <a:noFill/>
+            <a:ln>
+              <a:solidFill>
+                <a:schemeClr val="tx1"/>
+              </a:solidFill>
+            </a:ln>
+          </p:spPr>
+          <p:style>
+            <a:lnRef idx="2">
+              <a:schemeClr val="accent1">
+                <a:shade val="50000"/>
+              </a:schemeClr>
+            </a:lnRef>
+            <a:fillRef idx="1">
+              <a:schemeClr val="accent1"/>
+            </a:fillRef>
+            <a:effectRef idx="0">
+              <a:schemeClr val="accent1"/>
+            </a:effectRef>
+            <a:fontRef idx="minor">
+              <a:schemeClr val="lt1"/>
+            </a:fontRef>
+          </p:style>
+          <p:txBody>
+            <a:bodyPr rtlCol="0" anchor="ctr"/>
+            <a:lstStyle/>
+            <a:p>
+              <a:pPr algn="ctr"/>
+              <a:endParaRPr lang="es-ES" dirty="0"/>
+            </a:p>
+          </p:txBody>
+        </p:sp>
+        <p:sp>
+          <p:nvSpPr>
+            <p:cNvPr id="124" name="CuadroTexto 123">
+              <a:extLst>
+                <a:ext uri="{FF2B5EF4-FFF2-40B4-BE49-F238E27FC236}">
+                  <a16:creationId xmlns:a16="http://schemas.microsoft.com/office/drawing/2014/main" id="{0A1DB728-0044-4869-99F0-1A01BB7B0543}"/>
+                </a:ext>
+              </a:extLst>
+            </p:cNvPr>
+            <p:cNvSpPr txBox="1"/>
+            <p:nvPr/>
+          </p:nvSpPr>
+          <p:spPr>
+            <a:xfrm>
+              <a:off x="1146925" y="947766"/>
+              <a:ext cx="284053" cy="215444"/>
+            </a:xfrm>
+            <a:prstGeom prst="rect">
+              <a:avLst/>
+            </a:prstGeom>
+            <a:noFill/>
+          </p:spPr>
+          <p:txBody>
+            <a:bodyPr wrap="none" rtlCol="0">
+              <a:spAutoFit/>
+            </a:bodyPr>
+            <a:lstStyle/>
+            <a:p>
+              <a:pPr algn="ctr"/>
+              <a:r>
+                <a:rPr lang="es-ES" sz="800" b="1" dirty="0"/>
+                <a:t>S4</a:t>
+              </a:r>
+            </a:p>
+          </p:txBody>
+        </p:sp>
+      </p:grpSp>
+      <p:grpSp>
+        <p:nvGrpSpPr>
+          <p:cNvPr id="125" name="Grupo 124">
+            <a:extLst>
+              <a:ext uri="{FF2B5EF4-FFF2-40B4-BE49-F238E27FC236}">
+                <a16:creationId xmlns:a16="http://schemas.microsoft.com/office/drawing/2014/main" id="{9C06EFA0-A28D-45D9-B876-E26C4BAF0690}"/>
+              </a:ext>
+            </a:extLst>
+          </p:cNvPr>
+          <p:cNvGrpSpPr/>
+          <p:nvPr/>
+        </p:nvGrpSpPr>
+        <p:grpSpPr>
+          <a:xfrm>
+            <a:off x="8394676" y="2519739"/>
+            <a:ext cx="360000" cy="360000"/>
+            <a:chOff x="1108951" y="875488"/>
+            <a:chExt cx="360000" cy="360000"/>
+          </a:xfrm>
+        </p:grpSpPr>
+        <p:sp>
+          <p:nvSpPr>
+            <p:cNvPr id="126" name="Elipse 125">
+              <a:extLst>
+                <a:ext uri="{FF2B5EF4-FFF2-40B4-BE49-F238E27FC236}">
+                  <a16:creationId xmlns:a16="http://schemas.microsoft.com/office/drawing/2014/main" id="{1F2066C1-4F4D-4457-84AF-A33406436E08}"/>
+                </a:ext>
+              </a:extLst>
+            </p:cNvPr>
+            <p:cNvSpPr/>
+            <p:nvPr/>
+          </p:nvSpPr>
+          <p:spPr>
+            <a:xfrm>
+              <a:off x="1108951" y="875488"/>
+              <a:ext cx="360000" cy="360000"/>
+            </a:xfrm>
+            <a:prstGeom prst="ellipse">
+              <a:avLst/>
+            </a:prstGeom>
+            <a:noFill/>
+            <a:ln>
+              <a:solidFill>
+                <a:schemeClr val="tx1"/>
+              </a:solidFill>
+            </a:ln>
+          </p:spPr>
+          <p:style>
+            <a:lnRef idx="2">
+              <a:schemeClr val="accent1">
+                <a:shade val="50000"/>
+              </a:schemeClr>
+            </a:lnRef>
+            <a:fillRef idx="1">
+              <a:schemeClr val="accent1"/>
+            </a:fillRef>
+            <a:effectRef idx="0">
+              <a:schemeClr val="accent1"/>
+            </a:effectRef>
+            <a:fontRef idx="minor">
+              <a:schemeClr val="lt1"/>
+            </a:fontRef>
+          </p:style>
+          <p:txBody>
+            <a:bodyPr rtlCol="0" anchor="ctr"/>
+            <a:lstStyle/>
+            <a:p>
+              <a:pPr algn="ctr"/>
+              <a:endParaRPr lang="es-ES" dirty="0"/>
+            </a:p>
+          </p:txBody>
+        </p:sp>
+        <p:sp>
+          <p:nvSpPr>
+            <p:cNvPr id="127" name="CuadroTexto 126">
+              <a:extLst>
+                <a:ext uri="{FF2B5EF4-FFF2-40B4-BE49-F238E27FC236}">
+                  <a16:creationId xmlns:a16="http://schemas.microsoft.com/office/drawing/2014/main" id="{02EB8C19-931C-4C84-AE00-1A2EB17DEBFB}"/>
+                </a:ext>
+              </a:extLst>
+            </p:cNvPr>
+            <p:cNvSpPr txBox="1"/>
+            <p:nvPr/>
+          </p:nvSpPr>
+          <p:spPr>
+            <a:xfrm>
+              <a:off x="1146925" y="947766"/>
+              <a:ext cx="284053" cy="215444"/>
+            </a:xfrm>
+            <a:prstGeom prst="rect">
+              <a:avLst/>
+            </a:prstGeom>
+            <a:noFill/>
+          </p:spPr>
+          <p:txBody>
+            <a:bodyPr wrap="none" rtlCol="0">
+              <a:spAutoFit/>
+            </a:bodyPr>
+            <a:lstStyle/>
+            <a:p>
+              <a:pPr algn="ctr"/>
+              <a:r>
+                <a:rPr lang="es-ES" sz="800" b="1" dirty="0"/>
+                <a:t>S5</a:t>
+              </a:r>
+            </a:p>
+          </p:txBody>
+        </p:sp>
+      </p:grpSp>
+      <p:grpSp>
+        <p:nvGrpSpPr>
+          <p:cNvPr id="128" name="Grupo 127">
+            <a:extLst>
+              <a:ext uri="{FF2B5EF4-FFF2-40B4-BE49-F238E27FC236}">
+                <a16:creationId xmlns:a16="http://schemas.microsoft.com/office/drawing/2014/main" id="{BF38941E-49B5-4B60-9D96-9C4F0298E3C4}"/>
+              </a:ext>
+            </a:extLst>
+          </p:cNvPr>
+          <p:cNvGrpSpPr/>
+          <p:nvPr/>
+        </p:nvGrpSpPr>
+        <p:grpSpPr>
+          <a:xfrm>
+            <a:off x="8396409" y="3054133"/>
+            <a:ext cx="360000" cy="360000"/>
+            <a:chOff x="1108951" y="875488"/>
+            <a:chExt cx="360000" cy="360000"/>
+          </a:xfrm>
+        </p:grpSpPr>
+        <p:sp>
+          <p:nvSpPr>
+            <p:cNvPr id="129" name="Elipse 128">
+              <a:extLst>
+                <a:ext uri="{FF2B5EF4-FFF2-40B4-BE49-F238E27FC236}">
+                  <a16:creationId xmlns:a16="http://schemas.microsoft.com/office/drawing/2014/main" id="{FD70053B-677F-47BC-974B-37CEF165455A}"/>
+                </a:ext>
+              </a:extLst>
+            </p:cNvPr>
+            <p:cNvSpPr/>
+            <p:nvPr/>
+          </p:nvSpPr>
+          <p:spPr>
+            <a:xfrm>
+              <a:off x="1108951" y="875488"/>
+              <a:ext cx="360000" cy="360000"/>
+            </a:xfrm>
+            <a:prstGeom prst="ellipse">
+              <a:avLst/>
+            </a:prstGeom>
+            <a:noFill/>
+            <a:ln>
+              <a:solidFill>
+                <a:schemeClr val="tx1"/>
+              </a:solidFill>
+            </a:ln>
+          </p:spPr>
+          <p:style>
+            <a:lnRef idx="2">
+              <a:schemeClr val="accent1">
+                <a:shade val="50000"/>
+              </a:schemeClr>
+            </a:lnRef>
+            <a:fillRef idx="1">
+              <a:schemeClr val="accent1"/>
+            </a:fillRef>
+            <a:effectRef idx="0">
+              <a:schemeClr val="accent1"/>
+            </a:effectRef>
+            <a:fontRef idx="minor">
+              <a:schemeClr val="lt1"/>
+            </a:fontRef>
+          </p:style>
+          <p:txBody>
+            <a:bodyPr rtlCol="0" anchor="ctr"/>
+            <a:lstStyle/>
+            <a:p>
+              <a:pPr algn="ctr"/>
+              <a:endParaRPr lang="es-ES" dirty="0"/>
+            </a:p>
+          </p:txBody>
+        </p:sp>
+        <p:sp>
+          <p:nvSpPr>
+            <p:cNvPr id="130" name="CuadroTexto 129">
+              <a:extLst>
+                <a:ext uri="{FF2B5EF4-FFF2-40B4-BE49-F238E27FC236}">
+                  <a16:creationId xmlns:a16="http://schemas.microsoft.com/office/drawing/2014/main" id="{90747B7D-437E-44CB-A3CE-0AFF0A1FA29B}"/>
+                </a:ext>
+              </a:extLst>
+            </p:cNvPr>
+            <p:cNvSpPr txBox="1"/>
+            <p:nvPr/>
+          </p:nvSpPr>
+          <p:spPr>
+            <a:xfrm>
+              <a:off x="1146925" y="947766"/>
+              <a:ext cx="284053" cy="215444"/>
+            </a:xfrm>
+            <a:prstGeom prst="rect">
+              <a:avLst/>
+            </a:prstGeom>
+            <a:noFill/>
+          </p:spPr>
+          <p:txBody>
+            <a:bodyPr wrap="none" rtlCol="0">
+              <a:spAutoFit/>
+            </a:bodyPr>
+            <a:lstStyle/>
+            <a:p>
+              <a:pPr algn="ctr"/>
+              <a:r>
+                <a:rPr lang="es-ES" sz="800" b="1" dirty="0"/>
+                <a:t>S6</a:t>
+              </a:r>
+            </a:p>
+          </p:txBody>
+        </p:sp>
+      </p:grpSp>
+      <p:grpSp>
+        <p:nvGrpSpPr>
+          <p:cNvPr id="131" name="Grupo 130">
+            <a:extLst>
+              <a:ext uri="{FF2B5EF4-FFF2-40B4-BE49-F238E27FC236}">
+                <a16:creationId xmlns:a16="http://schemas.microsoft.com/office/drawing/2014/main" id="{13EB34E7-59BB-421B-ABA7-3964CBCA86CB}"/>
+              </a:ext>
+            </a:extLst>
+          </p:cNvPr>
+          <p:cNvGrpSpPr/>
+          <p:nvPr/>
+        </p:nvGrpSpPr>
+        <p:grpSpPr>
+          <a:xfrm>
+            <a:off x="9128778" y="2512790"/>
+            <a:ext cx="360000" cy="360000"/>
+            <a:chOff x="1108951" y="875488"/>
+            <a:chExt cx="360000" cy="360000"/>
+          </a:xfrm>
+        </p:grpSpPr>
+        <p:sp>
+          <p:nvSpPr>
+            <p:cNvPr id="132" name="Elipse 131">
+              <a:extLst>
+                <a:ext uri="{FF2B5EF4-FFF2-40B4-BE49-F238E27FC236}">
+                  <a16:creationId xmlns:a16="http://schemas.microsoft.com/office/drawing/2014/main" id="{3CB15801-276E-47C9-BEA4-B51C8B44F45B}"/>
+                </a:ext>
+              </a:extLst>
+            </p:cNvPr>
+            <p:cNvSpPr/>
+            <p:nvPr/>
+          </p:nvSpPr>
+          <p:spPr>
+            <a:xfrm>
+              <a:off x="1108951" y="875488"/>
+              <a:ext cx="360000" cy="360000"/>
+            </a:xfrm>
+            <a:prstGeom prst="ellipse">
+              <a:avLst/>
+            </a:prstGeom>
+            <a:noFill/>
+            <a:ln>
+              <a:solidFill>
+                <a:schemeClr val="tx1"/>
+              </a:solidFill>
+            </a:ln>
+          </p:spPr>
+          <p:style>
+            <a:lnRef idx="2">
+              <a:schemeClr val="accent1">
+                <a:shade val="50000"/>
+              </a:schemeClr>
+            </a:lnRef>
+            <a:fillRef idx="1">
+              <a:schemeClr val="accent1"/>
+            </a:fillRef>
+            <a:effectRef idx="0">
+              <a:schemeClr val="accent1"/>
+            </a:effectRef>
+            <a:fontRef idx="minor">
+              <a:schemeClr val="lt1"/>
+            </a:fontRef>
+          </p:style>
+          <p:txBody>
+            <a:bodyPr rtlCol="0" anchor="ctr"/>
+            <a:lstStyle/>
+            <a:p>
+              <a:pPr algn="ctr"/>
+              <a:endParaRPr lang="es-ES" dirty="0"/>
+            </a:p>
+          </p:txBody>
+        </p:sp>
+        <p:sp>
+          <p:nvSpPr>
+            <p:cNvPr id="133" name="CuadroTexto 132">
+              <a:extLst>
+                <a:ext uri="{FF2B5EF4-FFF2-40B4-BE49-F238E27FC236}">
+                  <a16:creationId xmlns:a16="http://schemas.microsoft.com/office/drawing/2014/main" id="{338B2EA8-3A36-402F-B06B-6797E30B75AA}"/>
+                </a:ext>
+              </a:extLst>
+            </p:cNvPr>
+            <p:cNvSpPr txBox="1"/>
+            <p:nvPr/>
+          </p:nvSpPr>
+          <p:spPr>
+            <a:xfrm>
+              <a:off x="1146925" y="947766"/>
+              <a:ext cx="284053" cy="215444"/>
+            </a:xfrm>
+            <a:prstGeom prst="rect">
+              <a:avLst/>
+            </a:prstGeom>
+            <a:noFill/>
+          </p:spPr>
+          <p:txBody>
+            <a:bodyPr wrap="none" rtlCol="0">
+              <a:spAutoFit/>
+            </a:bodyPr>
+            <a:lstStyle/>
+            <a:p>
+              <a:pPr algn="ctr"/>
+              <a:r>
+                <a:rPr lang="es-ES" sz="800" b="1" dirty="0"/>
+                <a:t>S7</a:t>
+              </a:r>
+            </a:p>
+          </p:txBody>
+        </p:sp>
+      </p:grpSp>
+      <p:grpSp>
+        <p:nvGrpSpPr>
+          <p:cNvPr id="134" name="Grupo 133">
+            <a:extLst>
+              <a:ext uri="{FF2B5EF4-FFF2-40B4-BE49-F238E27FC236}">
+                <a16:creationId xmlns:a16="http://schemas.microsoft.com/office/drawing/2014/main" id="{9471D984-1773-4ACE-9E44-A6BE7E9D59B6}"/>
+              </a:ext>
+            </a:extLst>
+          </p:cNvPr>
+          <p:cNvGrpSpPr/>
+          <p:nvPr/>
+        </p:nvGrpSpPr>
+        <p:grpSpPr>
+          <a:xfrm>
+            <a:off x="9130511" y="3054042"/>
+            <a:ext cx="360000" cy="360000"/>
+            <a:chOff x="1108951" y="875488"/>
+            <a:chExt cx="360000" cy="360000"/>
+          </a:xfrm>
+        </p:grpSpPr>
+        <p:sp>
+          <p:nvSpPr>
+            <p:cNvPr id="135" name="Elipse 134">
+              <a:extLst>
+                <a:ext uri="{FF2B5EF4-FFF2-40B4-BE49-F238E27FC236}">
+                  <a16:creationId xmlns:a16="http://schemas.microsoft.com/office/drawing/2014/main" id="{AD254960-A137-40FB-ACBC-5C01FD5630F0}"/>
+                </a:ext>
+              </a:extLst>
+            </p:cNvPr>
+            <p:cNvSpPr/>
+            <p:nvPr/>
+          </p:nvSpPr>
+          <p:spPr>
+            <a:xfrm>
+              <a:off x="1108951" y="875488"/>
+              <a:ext cx="360000" cy="360000"/>
+            </a:xfrm>
+            <a:prstGeom prst="ellipse">
+              <a:avLst/>
+            </a:prstGeom>
+            <a:noFill/>
+            <a:ln>
+              <a:solidFill>
+                <a:schemeClr val="tx1"/>
+              </a:solidFill>
+            </a:ln>
+          </p:spPr>
+          <p:style>
+            <a:lnRef idx="2">
+              <a:schemeClr val="accent1">
+                <a:shade val="50000"/>
+              </a:schemeClr>
+            </a:lnRef>
+            <a:fillRef idx="1">
+              <a:schemeClr val="accent1"/>
+            </a:fillRef>
+            <a:effectRef idx="0">
+              <a:schemeClr val="accent1"/>
+            </a:effectRef>
+            <a:fontRef idx="minor">
+              <a:schemeClr val="lt1"/>
+            </a:fontRef>
+          </p:style>
+          <p:txBody>
+            <a:bodyPr rtlCol="0" anchor="ctr"/>
+            <a:lstStyle/>
+            <a:p>
+              <a:pPr algn="ctr"/>
+              <a:endParaRPr lang="es-ES" dirty="0"/>
+            </a:p>
+          </p:txBody>
+        </p:sp>
+        <p:sp>
+          <p:nvSpPr>
+            <p:cNvPr id="136" name="CuadroTexto 135">
+              <a:extLst>
+                <a:ext uri="{FF2B5EF4-FFF2-40B4-BE49-F238E27FC236}">
+                  <a16:creationId xmlns:a16="http://schemas.microsoft.com/office/drawing/2014/main" id="{989240FC-032A-4935-BCA3-DD42BE5DBD2E}"/>
+                </a:ext>
+              </a:extLst>
+            </p:cNvPr>
+            <p:cNvSpPr txBox="1"/>
+            <p:nvPr/>
+          </p:nvSpPr>
+          <p:spPr>
+            <a:xfrm>
+              <a:off x="1146925" y="947766"/>
+              <a:ext cx="284053" cy="215444"/>
+            </a:xfrm>
+            <a:prstGeom prst="rect">
+              <a:avLst/>
+            </a:prstGeom>
+            <a:noFill/>
+          </p:spPr>
+          <p:txBody>
+            <a:bodyPr wrap="none" rtlCol="0">
+              <a:spAutoFit/>
+            </a:bodyPr>
+            <a:lstStyle/>
+            <a:p>
+              <a:pPr algn="ctr"/>
+              <a:r>
+                <a:rPr lang="es-ES" sz="800" b="1" dirty="0"/>
+                <a:t>S8</a:t>
+              </a:r>
+            </a:p>
+          </p:txBody>
+        </p:sp>
+      </p:grpSp>
+      <p:cxnSp>
+        <p:nvCxnSpPr>
+          <p:cNvPr id="139" name="Conector recto de flecha 138">
+            <a:extLst>
+              <a:ext uri="{FF2B5EF4-FFF2-40B4-BE49-F238E27FC236}">
+                <a16:creationId xmlns:a16="http://schemas.microsoft.com/office/drawing/2014/main" id="{CC3A9332-9511-4C97-A65F-BA05386AAE23}"/>
+              </a:ext>
+            </a:extLst>
+          </p:cNvPr>
+          <p:cNvCxnSpPr>
+            <a:cxnSpLocks/>
+            <a:stCxn id="111" idx="6"/>
+            <a:endCxn id="120" idx="2"/>
+          </p:cNvCxnSpPr>
+          <p:nvPr/>
+        </p:nvCxnSpPr>
+        <p:spPr>
+          <a:xfrm>
+            <a:off x="6815646" y="2969589"/>
+            <a:ext cx="375835" cy="264960"/>
+          </a:xfrm>
+          <a:prstGeom prst="straightConnector1">
+            <a:avLst/>
+          </a:prstGeom>
+          <a:ln w="12700">
+            <a:solidFill>
+              <a:schemeClr val="tx1"/>
+            </a:solidFill>
+            <a:tailEnd type="triangle"/>
+          </a:ln>
+        </p:spPr>
+        <p:style>
+          <a:lnRef idx="1">
+            <a:schemeClr val="accent1"/>
+          </a:lnRef>
+          <a:fillRef idx="0">
+            <a:schemeClr val="accent1"/>
+          </a:fillRef>
+          <a:effectRef idx="0">
+            <a:schemeClr val="accent1"/>
+          </a:effectRef>
+          <a:fontRef idx="minor">
+            <a:schemeClr val="tx1"/>
+          </a:fontRef>
+        </p:style>
+      </p:cxnSp>
+      <p:cxnSp>
+        <p:nvCxnSpPr>
+          <p:cNvPr id="142" name="Conector recto de flecha 141">
+            <a:extLst>
+              <a:ext uri="{FF2B5EF4-FFF2-40B4-BE49-F238E27FC236}">
+                <a16:creationId xmlns:a16="http://schemas.microsoft.com/office/drawing/2014/main" id="{18DCC518-D233-4EF9-8D62-F1E54C9FDE07}"/>
+              </a:ext>
+            </a:extLst>
+          </p:cNvPr>
+          <p:cNvCxnSpPr>
+            <a:cxnSpLocks/>
+            <a:stCxn id="111" idx="7"/>
+            <a:endCxn id="114" idx="2"/>
+          </p:cNvCxnSpPr>
+          <p:nvPr/>
+        </p:nvCxnSpPr>
+        <p:spPr>
+          <a:xfrm flipV="1">
+            <a:off x="6762925" y="2177488"/>
+            <a:ext cx="428556" cy="664822"/>
+          </a:xfrm>
+          <a:prstGeom prst="straightConnector1">
+            <a:avLst/>
+          </a:prstGeom>
+          <a:ln w="12700">
+            <a:solidFill>
+              <a:schemeClr val="tx1"/>
+            </a:solidFill>
+            <a:tailEnd type="triangle"/>
+          </a:ln>
+        </p:spPr>
+        <p:style>
+          <a:lnRef idx="1">
+            <a:schemeClr val="accent1"/>
+          </a:lnRef>
+          <a:fillRef idx="0">
+            <a:schemeClr val="accent1"/>
+          </a:fillRef>
+          <a:effectRef idx="0">
+            <a:schemeClr val="accent1"/>
+          </a:effectRef>
+          <a:fontRef idx="minor">
+            <a:schemeClr val="tx1"/>
+          </a:fontRef>
+        </p:style>
+      </p:cxnSp>
+      <p:cxnSp>
+        <p:nvCxnSpPr>
+          <p:cNvPr id="143" name="Conector recto de flecha 142">
+            <a:extLst>
+              <a:ext uri="{FF2B5EF4-FFF2-40B4-BE49-F238E27FC236}">
+                <a16:creationId xmlns:a16="http://schemas.microsoft.com/office/drawing/2014/main" id="{E8F3AFCA-81C1-41E0-AE3A-4FF98F28EF51}"/>
+              </a:ext>
+            </a:extLst>
+          </p:cNvPr>
+          <p:cNvCxnSpPr>
+            <a:cxnSpLocks/>
+            <a:stCxn id="111" idx="6"/>
+            <a:endCxn id="117" idx="2"/>
+          </p:cNvCxnSpPr>
+          <p:nvPr/>
+        </p:nvCxnSpPr>
+        <p:spPr>
+          <a:xfrm flipV="1">
+            <a:off x="6815646" y="2704629"/>
+            <a:ext cx="375835" cy="264960"/>
+          </a:xfrm>
+          <a:prstGeom prst="straightConnector1">
+            <a:avLst/>
+          </a:prstGeom>
+          <a:ln w="12700">
+            <a:solidFill>
+              <a:schemeClr val="tx1"/>
+            </a:solidFill>
+            <a:tailEnd type="triangle"/>
+          </a:ln>
+        </p:spPr>
+        <p:style>
+          <a:lnRef idx="1">
+            <a:schemeClr val="accent1"/>
+          </a:lnRef>
+          <a:fillRef idx="0">
+            <a:schemeClr val="accent1"/>
+          </a:fillRef>
+          <a:effectRef idx="0">
+            <a:schemeClr val="accent1"/>
+          </a:effectRef>
+          <a:fontRef idx="minor">
+            <a:schemeClr val="tx1"/>
+          </a:fontRef>
+        </p:style>
+      </p:cxnSp>
+      <p:cxnSp>
+        <p:nvCxnSpPr>
+          <p:cNvPr id="144" name="Conector recto de flecha 143">
+            <a:extLst>
+              <a:ext uri="{FF2B5EF4-FFF2-40B4-BE49-F238E27FC236}">
+                <a16:creationId xmlns:a16="http://schemas.microsoft.com/office/drawing/2014/main" id="{B459CE29-B61D-4E1B-AE8B-94826E6156DA}"/>
+              </a:ext>
+            </a:extLst>
+          </p:cNvPr>
+          <p:cNvCxnSpPr>
+            <a:cxnSpLocks/>
+          </p:cNvCxnSpPr>
+          <p:nvPr/>
+        </p:nvCxnSpPr>
+        <p:spPr>
+          <a:xfrm>
+            <a:off x="6762925" y="3095199"/>
+            <a:ext cx="427579" cy="667601"/>
+          </a:xfrm>
+          <a:prstGeom prst="straightConnector1">
+            <a:avLst/>
+          </a:prstGeom>
+          <a:ln w="12700">
+            <a:solidFill>
+              <a:schemeClr val="tx1"/>
+            </a:solidFill>
+            <a:tailEnd type="triangle"/>
+          </a:ln>
+        </p:spPr>
+        <p:style>
+          <a:lnRef idx="1">
+            <a:schemeClr val="accent1"/>
+          </a:lnRef>
+          <a:fillRef idx="0">
+            <a:schemeClr val="accent1"/>
+          </a:fillRef>
+          <a:effectRef idx="0">
+            <a:schemeClr val="accent1"/>
+          </a:effectRef>
+          <a:fontRef idx="minor">
+            <a:schemeClr val="tx1"/>
+          </a:fontRef>
+        </p:style>
+      </p:cxnSp>
+      <p:cxnSp>
+        <p:nvCxnSpPr>
+          <p:cNvPr id="151" name="Conector recto de flecha 150">
+            <a:extLst>
+              <a:ext uri="{FF2B5EF4-FFF2-40B4-BE49-F238E27FC236}">
+                <a16:creationId xmlns:a16="http://schemas.microsoft.com/office/drawing/2014/main" id="{B2E70836-B78D-4086-A53F-4949E2A5577D}"/>
+              </a:ext>
+            </a:extLst>
+          </p:cNvPr>
+          <p:cNvCxnSpPr>
+            <a:cxnSpLocks/>
+            <a:stCxn id="117" idx="6"/>
+            <a:endCxn id="126" idx="2"/>
+          </p:cNvCxnSpPr>
+          <p:nvPr/>
+        </p:nvCxnSpPr>
+        <p:spPr>
+          <a:xfrm flipV="1">
+            <a:off x="7551481" y="2699739"/>
+            <a:ext cx="843195" cy="4890"/>
+          </a:xfrm>
+          <a:prstGeom prst="straightConnector1">
+            <a:avLst/>
+          </a:prstGeom>
+          <a:ln w="12700">
+            <a:solidFill>
+              <a:schemeClr val="tx1"/>
+            </a:solidFill>
+            <a:tailEnd type="triangle"/>
+          </a:ln>
+        </p:spPr>
+        <p:style>
+          <a:lnRef idx="1">
+            <a:schemeClr val="accent1"/>
+          </a:lnRef>
+          <a:fillRef idx="0">
+            <a:schemeClr val="accent1"/>
+          </a:fillRef>
+          <a:effectRef idx="0">
+            <a:schemeClr val="accent1"/>
+          </a:effectRef>
+          <a:fontRef idx="minor">
+            <a:schemeClr val="tx1"/>
+          </a:fontRef>
+        </p:style>
+      </p:cxnSp>
+      <p:cxnSp>
+        <p:nvCxnSpPr>
+          <p:cNvPr id="154" name="Conector recto de flecha 153">
+            <a:extLst>
+              <a:ext uri="{FF2B5EF4-FFF2-40B4-BE49-F238E27FC236}">
+                <a16:creationId xmlns:a16="http://schemas.microsoft.com/office/drawing/2014/main" id="{F33E76E6-AEFE-4CB9-A7B9-54B2BFDBD447}"/>
+              </a:ext>
+            </a:extLst>
+          </p:cNvPr>
+          <p:cNvCxnSpPr>
+            <a:cxnSpLocks/>
+            <a:stCxn id="120" idx="6"/>
+            <a:endCxn id="129" idx="2"/>
+          </p:cNvCxnSpPr>
+          <p:nvPr/>
+        </p:nvCxnSpPr>
+        <p:spPr>
+          <a:xfrm flipV="1">
+            <a:off x="7551481" y="3234133"/>
+            <a:ext cx="844928" cy="416"/>
+          </a:xfrm>
+          <a:prstGeom prst="straightConnector1">
+            <a:avLst/>
+          </a:prstGeom>
+          <a:ln w="12700">
+            <a:solidFill>
+              <a:schemeClr val="tx1"/>
+            </a:solidFill>
+            <a:tailEnd type="triangle"/>
+          </a:ln>
+        </p:spPr>
+        <p:style>
+          <a:lnRef idx="1">
+            <a:schemeClr val="accent1"/>
+          </a:lnRef>
+          <a:fillRef idx="0">
+            <a:schemeClr val="accent1"/>
+          </a:fillRef>
+          <a:effectRef idx="0">
+            <a:schemeClr val="accent1"/>
+          </a:effectRef>
+          <a:fontRef idx="minor">
+            <a:schemeClr val="tx1"/>
+          </a:fontRef>
+        </p:style>
+      </p:cxnSp>
+      <p:cxnSp>
+        <p:nvCxnSpPr>
+          <p:cNvPr id="157" name="Conector recto de flecha 156">
+            <a:extLst>
+              <a:ext uri="{FF2B5EF4-FFF2-40B4-BE49-F238E27FC236}">
+                <a16:creationId xmlns:a16="http://schemas.microsoft.com/office/drawing/2014/main" id="{B1C6C748-6A86-4C5B-9402-BDD33EF37C1E}"/>
+              </a:ext>
+            </a:extLst>
+          </p:cNvPr>
+          <p:cNvCxnSpPr>
+            <a:cxnSpLocks/>
+            <a:stCxn id="126" idx="6"/>
+            <a:endCxn id="132" idx="2"/>
+          </p:cNvCxnSpPr>
+          <p:nvPr/>
+        </p:nvCxnSpPr>
+        <p:spPr>
+          <a:xfrm flipV="1">
+            <a:off x="8754676" y="2692790"/>
+            <a:ext cx="374102" cy="6949"/>
+          </a:xfrm>
+          <a:prstGeom prst="straightConnector1">
+            <a:avLst/>
+          </a:prstGeom>
+          <a:ln w="12700">
+            <a:solidFill>
+              <a:schemeClr val="tx1"/>
+            </a:solidFill>
+            <a:tailEnd type="triangle"/>
+          </a:ln>
+        </p:spPr>
+        <p:style>
+          <a:lnRef idx="1">
+            <a:schemeClr val="accent1"/>
+          </a:lnRef>
+          <a:fillRef idx="0">
+            <a:schemeClr val="accent1"/>
+          </a:fillRef>
+          <a:effectRef idx="0">
+            <a:schemeClr val="accent1"/>
+          </a:effectRef>
+          <a:fontRef idx="minor">
+            <a:schemeClr val="tx1"/>
+          </a:fontRef>
+        </p:style>
+      </p:cxnSp>
+      <p:cxnSp>
+        <p:nvCxnSpPr>
+          <p:cNvPr id="160" name="Conector recto de flecha 159">
+            <a:extLst>
+              <a:ext uri="{FF2B5EF4-FFF2-40B4-BE49-F238E27FC236}">
+                <a16:creationId xmlns:a16="http://schemas.microsoft.com/office/drawing/2014/main" id="{5BE3DBDC-389F-4E25-AE01-74C85B23E115}"/>
+              </a:ext>
+            </a:extLst>
+          </p:cNvPr>
+          <p:cNvCxnSpPr>
+            <a:cxnSpLocks/>
+            <a:stCxn id="129" idx="6"/>
+            <a:endCxn id="135" idx="2"/>
+          </p:cNvCxnSpPr>
+          <p:nvPr/>
+        </p:nvCxnSpPr>
+        <p:spPr>
+          <a:xfrm flipV="1">
+            <a:off x="8756409" y="3234042"/>
+            <a:ext cx="374102" cy="91"/>
+          </a:xfrm>
+          <a:prstGeom prst="straightConnector1">
+            <a:avLst/>
+          </a:prstGeom>
+          <a:ln w="12700">
+            <a:solidFill>
+              <a:schemeClr val="tx1"/>
+            </a:solidFill>
+            <a:tailEnd type="triangle"/>
+          </a:ln>
+        </p:spPr>
+        <p:style>
+          <a:lnRef idx="1">
+            <a:schemeClr val="accent1"/>
+          </a:lnRef>
+          <a:fillRef idx="0">
+            <a:schemeClr val="accent1"/>
+          </a:fillRef>
+          <a:effectRef idx="0">
+            <a:schemeClr val="accent1"/>
+          </a:effectRef>
+          <a:fontRef idx="minor">
+            <a:schemeClr val="tx1"/>
+          </a:fontRef>
+        </p:style>
+      </p:cxnSp>
+      <p:cxnSp>
+        <p:nvCxnSpPr>
+          <p:cNvPr id="163" name="Conector recto de flecha 162">
+            <a:extLst>
+              <a:ext uri="{FF2B5EF4-FFF2-40B4-BE49-F238E27FC236}">
+                <a16:creationId xmlns:a16="http://schemas.microsoft.com/office/drawing/2014/main" id="{EFFB6BB5-22AE-40DD-8A8D-3D4928A5B24E}"/>
+              </a:ext>
+            </a:extLst>
+          </p:cNvPr>
+          <p:cNvCxnSpPr>
+            <a:cxnSpLocks/>
+            <a:stCxn id="120" idx="7"/>
+            <a:endCxn id="126" idx="4"/>
+          </p:cNvCxnSpPr>
+          <p:nvPr/>
+        </p:nvCxnSpPr>
+        <p:spPr>
+          <a:xfrm flipV="1">
+            <a:off x="7498760" y="2879739"/>
+            <a:ext cx="1075916" cy="227531"/>
+          </a:xfrm>
+          <a:prstGeom prst="straightConnector1">
+            <a:avLst/>
+          </a:prstGeom>
+          <a:ln w="12700">
+            <a:solidFill>
+              <a:schemeClr val="tx1"/>
+            </a:solidFill>
+            <a:tailEnd type="triangle"/>
+          </a:ln>
+        </p:spPr>
+        <p:style>
+          <a:lnRef idx="1">
+            <a:schemeClr val="accent1"/>
+          </a:lnRef>
+          <a:fillRef idx="0">
+            <a:schemeClr val="accent1"/>
+          </a:fillRef>
+          <a:effectRef idx="0">
+            <a:schemeClr val="accent1"/>
+          </a:effectRef>
+          <a:fontRef idx="minor">
+            <a:schemeClr val="tx1"/>
+          </a:fontRef>
+        </p:style>
+      </p:cxnSp>
+      <p:cxnSp>
+        <p:nvCxnSpPr>
+          <p:cNvPr id="164" name="Conector recto de flecha 163">
+            <a:extLst>
+              <a:ext uri="{FF2B5EF4-FFF2-40B4-BE49-F238E27FC236}">
+                <a16:creationId xmlns:a16="http://schemas.microsoft.com/office/drawing/2014/main" id="{D6EF715E-F269-4C21-AD6E-A090DA61B761}"/>
+              </a:ext>
+            </a:extLst>
+          </p:cNvPr>
+          <p:cNvCxnSpPr>
+            <a:cxnSpLocks/>
+            <a:stCxn id="117" idx="5"/>
+            <a:endCxn id="129" idx="0"/>
+          </p:cNvCxnSpPr>
+          <p:nvPr/>
+        </p:nvCxnSpPr>
+        <p:spPr>
+          <a:xfrm>
+            <a:off x="7498760" y="2831908"/>
+            <a:ext cx="1077649" cy="222225"/>
+          </a:xfrm>
+          <a:prstGeom prst="straightConnector1">
+            <a:avLst/>
+          </a:prstGeom>
+          <a:ln w="12700">
+            <a:solidFill>
+              <a:schemeClr val="tx1"/>
+            </a:solidFill>
+            <a:tailEnd type="triangle"/>
+          </a:ln>
+        </p:spPr>
+        <p:style>
+          <a:lnRef idx="1">
+            <a:schemeClr val="accent1"/>
+          </a:lnRef>
+          <a:fillRef idx="0">
+            <a:schemeClr val="accent1"/>
+          </a:fillRef>
+          <a:effectRef idx="0">
+            <a:schemeClr val="accent1"/>
+          </a:effectRef>
+          <a:fontRef idx="minor">
+            <a:schemeClr val="tx1"/>
+          </a:fontRef>
+        </p:style>
+      </p:cxnSp>
+      <p:cxnSp>
+        <p:nvCxnSpPr>
+          <p:cNvPr id="165" name="Conector recto de flecha 164">
+            <a:extLst>
+              <a:ext uri="{FF2B5EF4-FFF2-40B4-BE49-F238E27FC236}">
+                <a16:creationId xmlns:a16="http://schemas.microsoft.com/office/drawing/2014/main" id="{8424A23A-223F-4116-8F4F-31372D6A7D8A}"/>
+              </a:ext>
+            </a:extLst>
+          </p:cNvPr>
+          <p:cNvCxnSpPr>
+            <a:cxnSpLocks/>
+            <a:stCxn id="114" idx="6"/>
+            <a:endCxn id="126" idx="1"/>
+          </p:cNvCxnSpPr>
+          <p:nvPr/>
+        </p:nvCxnSpPr>
+        <p:spPr>
+          <a:xfrm>
+            <a:off x="7551481" y="2177488"/>
+            <a:ext cx="895916" cy="394972"/>
+          </a:xfrm>
+          <a:prstGeom prst="straightConnector1">
+            <a:avLst/>
+          </a:prstGeom>
+          <a:ln w="12700">
+            <a:solidFill>
+              <a:schemeClr val="tx1"/>
+            </a:solidFill>
+            <a:tailEnd type="triangle"/>
+          </a:ln>
+        </p:spPr>
+        <p:style>
+          <a:lnRef idx="1">
+            <a:schemeClr val="accent1"/>
+          </a:lnRef>
+          <a:fillRef idx="0">
+            <a:schemeClr val="accent1"/>
+          </a:fillRef>
+          <a:effectRef idx="0">
+            <a:schemeClr val="accent1"/>
+          </a:effectRef>
+          <a:fontRef idx="minor">
+            <a:schemeClr val="tx1"/>
+          </a:fontRef>
+        </p:style>
+      </p:cxnSp>
+      <p:cxnSp>
+        <p:nvCxnSpPr>
+          <p:cNvPr id="166" name="Conector recto de flecha 165">
+            <a:extLst>
+              <a:ext uri="{FF2B5EF4-FFF2-40B4-BE49-F238E27FC236}">
+                <a16:creationId xmlns:a16="http://schemas.microsoft.com/office/drawing/2014/main" id="{1733525A-A8E4-4465-8C8C-55F34DC18D78}"/>
+              </a:ext>
+            </a:extLst>
+          </p:cNvPr>
+          <p:cNvCxnSpPr>
+            <a:cxnSpLocks/>
+            <a:stCxn id="114" idx="5"/>
+            <a:endCxn id="129" idx="1"/>
+          </p:cNvCxnSpPr>
+          <p:nvPr/>
+        </p:nvCxnSpPr>
+        <p:spPr>
+          <a:xfrm>
+            <a:off x="7498760" y="2304767"/>
+            <a:ext cx="950370" cy="802087"/>
+          </a:xfrm>
+          <a:prstGeom prst="straightConnector1">
+            <a:avLst/>
+          </a:prstGeom>
+          <a:ln w="12700">
+            <a:solidFill>
+              <a:schemeClr val="tx1"/>
+            </a:solidFill>
+            <a:tailEnd type="triangle"/>
+          </a:ln>
+        </p:spPr>
+        <p:style>
+          <a:lnRef idx="1">
+            <a:schemeClr val="accent1"/>
+          </a:lnRef>
+          <a:fillRef idx="0">
+            <a:schemeClr val="accent1"/>
+          </a:fillRef>
+          <a:effectRef idx="0">
+            <a:schemeClr val="accent1"/>
+          </a:effectRef>
+          <a:fontRef idx="minor">
+            <a:schemeClr val="tx1"/>
+          </a:fontRef>
+        </p:style>
+      </p:cxnSp>
+      <p:cxnSp>
+        <p:nvCxnSpPr>
+          <p:cNvPr id="167" name="Conector recto de flecha 166">
+            <a:extLst>
+              <a:ext uri="{FF2B5EF4-FFF2-40B4-BE49-F238E27FC236}">
+                <a16:creationId xmlns:a16="http://schemas.microsoft.com/office/drawing/2014/main" id="{B74A43AA-EB54-416F-B82E-2CB0AE1764F3}"/>
+              </a:ext>
+            </a:extLst>
+          </p:cNvPr>
+          <p:cNvCxnSpPr>
+            <a:cxnSpLocks/>
+            <a:stCxn id="123" idx="7"/>
+            <a:endCxn id="126" idx="3"/>
+          </p:cNvCxnSpPr>
+          <p:nvPr/>
+        </p:nvCxnSpPr>
+        <p:spPr>
+          <a:xfrm flipV="1">
+            <a:off x="7497783" y="2827018"/>
+            <a:ext cx="949614" cy="810172"/>
+          </a:xfrm>
+          <a:prstGeom prst="straightConnector1">
+            <a:avLst/>
+          </a:prstGeom>
+          <a:ln w="12700">
+            <a:solidFill>
+              <a:schemeClr val="tx1"/>
+            </a:solidFill>
+            <a:tailEnd type="triangle"/>
+          </a:ln>
+        </p:spPr>
+        <p:style>
+          <a:lnRef idx="1">
+            <a:schemeClr val="accent1"/>
+          </a:lnRef>
+          <a:fillRef idx="0">
+            <a:schemeClr val="accent1"/>
+          </a:fillRef>
+          <a:effectRef idx="0">
+            <a:schemeClr val="accent1"/>
+          </a:effectRef>
+          <a:fontRef idx="minor">
+            <a:schemeClr val="tx1"/>
+          </a:fontRef>
+        </p:style>
+      </p:cxnSp>
+      <p:cxnSp>
+        <p:nvCxnSpPr>
+          <p:cNvPr id="168" name="Conector recto de flecha 167">
+            <a:extLst>
+              <a:ext uri="{FF2B5EF4-FFF2-40B4-BE49-F238E27FC236}">
+                <a16:creationId xmlns:a16="http://schemas.microsoft.com/office/drawing/2014/main" id="{6692EAAE-AF48-49A8-8A3F-A0572C27AF1E}"/>
+              </a:ext>
+            </a:extLst>
+          </p:cNvPr>
+          <p:cNvCxnSpPr>
+            <a:cxnSpLocks/>
+            <a:stCxn id="123" idx="6"/>
+            <a:endCxn id="129" idx="3"/>
+          </p:cNvCxnSpPr>
+          <p:nvPr/>
+        </p:nvCxnSpPr>
+        <p:spPr>
+          <a:xfrm flipV="1">
+            <a:off x="7550504" y="3361412"/>
+            <a:ext cx="898626" cy="403057"/>
+          </a:xfrm>
+          <a:prstGeom prst="straightConnector1">
+            <a:avLst/>
+          </a:prstGeom>
+          <a:ln w="12700">
+            <a:solidFill>
+              <a:schemeClr val="tx1"/>
+            </a:solidFill>
+            <a:tailEnd type="triangle"/>
+          </a:ln>
+        </p:spPr>
+        <p:style>
+          <a:lnRef idx="1">
+            <a:schemeClr val="accent1"/>
+          </a:lnRef>
+          <a:fillRef idx="0">
+            <a:schemeClr val="accent1"/>
+          </a:fillRef>
+          <a:effectRef idx="0">
+            <a:schemeClr val="accent1"/>
+          </a:effectRef>
+          <a:fontRef idx="minor">
+            <a:schemeClr val="tx1"/>
+          </a:fontRef>
+        </p:style>
+      </p:cxnSp>
+      <p:cxnSp>
+        <p:nvCxnSpPr>
+          <p:cNvPr id="207" name="Conector: curvado 206">
+            <a:extLst>
+              <a:ext uri="{FF2B5EF4-FFF2-40B4-BE49-F238E27FC236}">
+                <a16:creationId xmlns:a16="http://schemas.microsoft.com/office/drawing/2014/main" id="{4759B8D1-BFD9-4564-8359-E54AA612A0F3}"/>
+              </a:ext>
+            </a:extLst>
+          </p:cNvPr>
+          <p:cNvCxnSpPr>
+            <a:stCxn id="129" idx="4"/>
+            <a:endCxn id="111" idx="4"/>
+          </p:cNvCxnSpPr>
+          <p:nvPr/>
+        </p:nvCxnSpPr>
+        <p:spPr>
+          <a:xfrm rot="5400000" flipH="1">
+            <a:off x="7473756" y="2311480"/>
+            <a:ext cx="264544" cy="1940763"/>
+          </a:xfrm>
+          <a:prstGeom prst="curvedConnector3">
+            <a:avLst>
+              <a:gd name="adj1" fmla="val -326449"/>
+            </a:avLst>
+          </a:prstGeom>
+          <a:ln w="12700">
+            <a:solidFill>
+              <a:schemeClr val="tx1"/>
+            </a:solidFill>
+            <a:tailEnd type="triangle"/>
+          </a:ln>
+        </p:spPr>
+        <p:style>
+          <a:lnRef idx="1">
+            <a:schemeClr val="accent1"/>
+          </a:lnRef>
+          <a:fillRef idx="0">
+            <a:schemeClr val="accent1"/>
+          </a:fillRef>
+          <a:effectRef idx="0">
+            <a:schemeClr val="accent1"/>
+          </a:effectRef>
+          <a:fontRef idx="minor">
+            <a:schemeClr val="tx1"/>
+          </a:fontRef>
+        </p:style>
+      </p:cxnSp>
+      <p:cxnSp>
+        <p:nvCxnSpPr>
+          <p:cNvPr id="210" name="Conector: curvado 209">
+            <a:extLst>
+              <a:ext uri="{FF2B5EF4-FFF2-40B4-BE49-F238E27FC236}">
+                <a16:creationId xmlns:a16="http://schemas.microsoft.com/office/drawing/2014/main" id="{D9A8ACE3-D856-44D7-9CA7-ED29EF0B7F07}"/>
+              </a:ext>
+            </a:extLst>
+          </p:cNvPr>
+          <p:cNvCxnSpPr>
+            <a:stCxn id="126" idx="0"/>
+            <a:endCxn id="111" idx="0"/>
+          </p:cNvCxnSpPr>
+          <p:nvPr/>
+        </p:nvCxnSpPr>
+        <p:spPr>
+          <a:xfrm rot="16200000" flipH="1" flipV="1">
+            <a:off x="7470236" y="1685149"/>
+            <a:ext cx="269850" cy="1939030"/>
+          </a:xfrm>
+          <a:prstGeom prst="curvedConnector3">
+            <a:avLst>
+              <a:gd name="adj1" fmla="val -308735"/>
+            </a:avLst>
+          </a:prstGeom>
+          <a:ln w="12700">
+            <a:solidFill>
+              <a:schemeClr val="tx1"/>
+            </a:solidFill>
+            <a:tailEnd type="triangle"/>
+          </a:ln>
+        </p:spPr>
+        <p:style>
+          <a:lnRef idx="1">
+            <a:schemeClr val="accent1"/>
+          </a:lnRef>
+          <a:fillRef idx="0">
+            <a:schemeClr val="accent1"/>
+          </a:fillRef>
+          <a:effectRef idx="0">
+            <a:schemeClr val="accent1"/>
+          </a:effectRef>
+          <a:fontRef idx="minor">
+            <a:schemeClr val="tx1"/>
+          </a:fontRef>
+        </p:style>
+      </p:cxnSp>
+      <p:cxnSp>
+        <p:nvCxnSpPr>
+          <p:cNvPr id="212" name="Conector recto de flecha 211">
+            <a:extLst>
+              <a:ext uri="{FF2B5EF4-FFF2-40B4-BE49-F238E27FC236}">
+                <a16:creationId xmlns:a16="http://schemas.microsoft.com/office/drawing/2014/main" id="{600A3844-2CEB-4E7F-A82E-60B64054A113}"/>
+              </a:ext>
+            </a:extLst>
+          </p:cNvPr>
+          <p:cNvCxnSpPr>
+            <a:cxnSpLocks/>
+            <a:stCxn id="132" idx="6"/>
+            <a:endCxn id="108" idx="1"/>
+          </p:cNvCxnSpPr>
+          <p:nvPr/>
+        </p:nvCxnSpPr>
+        <p:spPr>
+          <a:xfrm>
+            <a:off x="9488778" y="2692790"/>
+            <a:ext cx="283289" cy="149520"/>
+          </a:xfrm>
+          <a:prstGeom prst="straightConnector1">
+            <a:avLst/>
+          </a:prstGeom>
+          <a:ln w="12700">
+            <a:solidFill>
+              <a:schemeClr val="tx1"/>
+            </a:solidFill>
+            <a:tailEnd type="triangle"/>
+          </a:ln>
+        </p:spPr>
+        <p:style>
+          <a:lnRef idx="1">
+            <a:schemeClr val="accent1"/>
+          </a:lnRef>
+          <a:fillRef idx="0">
+            <a:schemeClr val="accent1"/>
+          </a:fillRef>
+          <a:effectRef idx="0">
+            <a:schemeClr val="accent1"/>
+          </a:effectRef>
+          <a:fontRef idx="minor">
+            <a:schemeClr val="tx1"/>
+          </a:fontRef>
+        </p:style>
+      </p:cxnSp>
+      <p:cxnSp>
+        <p:nvCxnSpPr>
+          <p:cNvPr id="213" name="Conector recto de flecha 212">
+            <a:extLst>
+              <a:ext uri="{FF2B5EF4-FFF2-40B4-BE49-F238E27FC236}">
+                <a16:creationId xmlns:a16="http://schemas.microsoft.com/office/drawing/2014/main" id="{95B162C5-3955-4033-A3E6-99196DE152FE}"/>
+              </a:ext>
+            </a:extLst>
+          </p:cNvPr>
+          <p:cNvCxnSpPr>
+            <a:cxnSpLocks/>
+            <a:stCxn id="135" idx="6"/>
+            <a:endCxn id="108" idx="3"/>
+          </p:cNvCxnSpPr>
+          <p:nvPr/>
+        </p:nvCxnSpPr>
+        <p:spPr>
+          <a:xfrm flipV="1">
+            <a:off x="9490511" y="3096868"/>
+            <a:ext cx="281556" cy="137174"/>
+          </a:xfrm>
+          <a:prstGeom prst="straightConnector1">
+            <a:avLst/>
+          </a:prstGeom>
+          <a:ln w="12700">
+            <a:solidFill>
+              <a:schemeClr val="tx1"/>
+            </a:solidFill>
+            <a:tailEnd type="triangle"/>
+          </a:ln>
+        </p:spPr>
+        <p:style>
+          <a:lnRef idx="1">
+            <a:schemeClr val="accent1"/>
+          </a:lnRef>
+          <a:fillRef idx="0">
+            <a:schemeClr val="accent1"/>
+          </a:fillRef>
+          <a:effectRef idx="0">
+            <a:schemeClr val="accent1"/>
+          </a:effectRef>
+          <a:fontRef idx="minor">
+            <a:schemeClr val="tx1"/>
+          </a:fontRef>
+        </p:style>
+      </p:cxnSp>
+      <p:cxnSp>
+        <p:nvCxnSpPr>
+          <p:cNvPr id="219" name="Conector: curvado 218">
+            <a:extLst>
+              <a:ext uri="{FF2B5EF4-FFF2-40B4-BE49-F238E27FC236}">
+                <a16:creationId xmlns:a16="http://schemas.microsoft.com/office/drawing/2014/main" id="{867C9178-B9F5-4523-8344-375907313C38}"/>
+              </a:ext>
+            </a:extLst>
+          </p:cNvPr>
+          <p:cNvCxnSpPr>
+            <a:cxnSpLocks/>
+            <a:stCxn id="108" idx="6"/>
+            <a:endCxn id="111" idx="2"/>
+          </p:cNvCxnSpPr>
+          <p:nvPr/>
+        </p:nvCxnSpPr>
+        <p:spPr>
+          <a:xfrm flipH="1">
+            <a:off x="6455646" y="2969589"/>
+            <a:ext cx="3623700" cy="12700"/>
+          </a:xfrm>
+          <a:prstGeom prst="curvedConnector5">
+            <a:avLst>
+              <a:gd name="adj1" fmla="val -6729"/>
+              <a:gd name="adj2" fmla="val 13417323"/>
+              <a:gd name="adj3" fmla="val 106308"/>
+            </a:avLst>
+          </a:prstGeom>
+          <a:ln w="12700">
+            <a:solidFill>
+              <a:schemeClr val="tx1"/>
+            </a:solidFill>
+            <a:tailEnd type="triangle"/>
+          </a:ln>
+        </p:spPr>
+        <p:style>
+          <a:lnRef idx="1">
+            <a:schemeClr val="accent1"/>
+          </a:lnRef>
+          <a:fillRef idx="0">
+            <a:schemeClr val="accent1"/>
+          </a:fillRef>
+          <a:effectRef idx="0">
+            <a:schemeClr val="accent1"/>
+          </a:effectRef>
+          <a:fontRef idx="minor">
+            <a:schemeClr val="tx1"/>
+          </a:fontRef>
+        </p:style>
+      </p:cxnSp>
+      <p:sp>
+        <p:nvSpPr>
+          <p:cNvPr id="225" name="CuadroTexto 224">
+            <a:extLst>
+              <a:ext uri="{FF2B5EF4-FFF2-40B4-BE49-F238E27FC236}">
+                <a16:creationId xmlns:a16="http://schemas.microsoft.com/office/drawing/2014/main" id="{78B57EAC-DE8A-4097-97EE-B5A266447403}"/>
+              </a:ext>
+            </a:extLst>
+          </p:cNvPr>
+          <p:cNvSpPr txBox="1"/>
+          <p:nvPr/>
+        </p:nvSpPr>
+        <p:spPr>
+          <a:xfrm>
+            <a:off x="8506053" y="3384174"/>
+            <a:ext cx="602687" cy="215444"/>
+          </a:xfrm>
+          <a:prstGeom prst="rect">
+            <a:avLst/>
+          </a:prstGeom>
+          <a:noFill/>
+        </p:spPr>
+        <p:txBody>
+          <a:bodyPr wrap="square" rtlCol="0">
+            <a:spAutoFit/>
+          </a:bodyPr>
+          <a:lstStyle/>
+          <a:p>
+            <a:r>
+              <a:rPr lang="es-ES" sz="800" b="1" dirty="0"/>
+              <a:t>“</a:t>
+            </a:r>
+            <a:r>
+              <a:rPr lang="es-ES" sz="800" b="1" dirty="0">
+                <a:solidFill>
+                  <a:srgbClr val="00B050"/>
+                </a:solidFill>
+              </a:rPr>
+              <a:t>NO</a:t>
+            </a:r>
+            <a:r>
+              <a:rPr lang="es-ES" sz="800" b="1" dirty="0"/>
+              <a:t> </a:t>
+            </a:r>
+            <a:r>
+              <a:rPr lang="es-ES" sz="800" b="1" dirty="0">
+                <a:solidFill>
+                  <a:srgbClr val="00B050"/>
+                </a:solidFill>
+              </a:rPr>
+              <a:t>OK</a:t>
+            </a:r>
+            <a:r>
+              <a:rPr lang="es-ES" sz="800" b="1" dirty="0"/>
+              <a:t>”</a:t>
+            </a:r>
+          </a:p>
+        </p:txBody>
+      </p:sp>
+      <p:sp>
+        <p:nvSpPr>
+          <p:cNvPr id="226" name="CuadroTexto 225">
+            <a:extLst>
+              <a:ext uri="{FF2B5EF4-FFF2-40B4-BE49-F238E27FC236}">
+                <a16:creationId xmlns:a16="http://schemas.microsoft.com/office/drawing/2014/main" id="{0EC5CD47-1823-4BC2-84EA-14ED6DCD5564}"/>
+              </a:ext>
+            </a:extLst>
+          </p:cNvPr>
+          <p:cNvSpPr txBox="1"/>
+          <p:nvPr/>
+        </p:nvSpPr>
+        <p:spPr>
+          <a:xfrm>
+            <a:off x="5638865" y="2681867"/>
+            <a:ext cx="953400" cy="215444"/>
+          </a:xfrm>
+          <a:prstGeom prst="rect">
+            <a:avLst/>
+          </a:prstGeom>
+          <a:noFill/>
+        </p:spPr>
+        <p:txBody>
+          <a:bodyPr wrap="square" rtlCol="0">
+            <a:spAutoFit/>
+          </a:bodyPr>
+          <a:lstStyle/>
+          <a:p>
+            <a:pPr algn="ctr"/>
+            <a:r>
+              <a:rPr lang="es-ES" sz="800" b="1" i="1" dirty="0"/>
+              <a:t>Valor a adivinar</a:t>
+            </a:r>
+          </a:p>
+        </p:txBody>
+      </p:sp>
+      <p:sp>
+        <p:nvSpPr>
+          <p:cNvPr id="227" name="CuadroTexto 226">
+            <a:extLst>
+              <a:ext uri="{FF2B5EF4-FFF2-40B4-BE49-F238E27FC236}">
+                <a16:creationId xmlns:a16="http://schemas.microsoft.com/office/drawing/2014/main" id="{D8DEC41B-6CAF-4098-893F-FF1C6FDFF8FE}"/>
+              </a:ext>
+            </a:extLst>
+          </p:cNvPr>
+          <p:cNvSpPr txBox="1"/>
+          <p:nvPr/>
+        </p:nvSpPr>
+        <p:spPr>
+          <a:xfrm>
+            <a:off x="7038033" y="1826765"/>
+            <a:ext cx="669716" cy="184666"/>
+          </a:xfrm>
+          <a:prstGeom prst="rect">
+            <a:avLst/>
+          </a:prstGeom>
+          <a:noFill/>
+        </p:spPr>
+        <p:txBody>
+          <a:bodyPr wrap="square" rtlCol="0">
+            <a:spAutoFit/>
+          </a:bodyPr>
+          <a:lstStyle/>
+          <a:p>
+            <a:pPr algn="ctr"/>
+            <a:r>
+              <a:rPr lang="es-ES" sz="600" b="1" i="1" dirty="0"/>
+              <a:t>Esperando UP</a:t>
+            </a:r>
+          </a:p>
+        </p:txBody>
+      </p:sp>
+      <p:sp>
+        <p:nvSpPr>
+          <p:cNvPr id="228" name="CuadroTexto 227">
+            <a:extLst>
+              <a:ext uri="{FF2B5EF4-FFF2-40B4-BE49-F238E27FC236}">
+                <a16:creationId xmlns:a16="http://schemas.microsoft.com/office/drawing/2014/main" id="{91EE16E9-74B2-4384-9450-5FD74BAB11EC}"/>
+              </a:ext>
+            </a:extLst>
+          </p:cNvPr>
+          <p:cNvSpPr txBox="1"/>
+          <p:nvPr/>
+        </p:nvSpPr>
+        <p:spPr>
+          <a:xfrm>
+            <a:off x="6867554" y="2370394"/>
+            <a:ext cx="953400" cy="184666"/>
+          </a:xfrm>
+          <a:prstGeom prst="rect">
+            <a:avLst/>
+          </a:prstGeom>
+          <a:noFill/>
+        </p:spPr>
+        <p:txBody>
+          <a:bodyPr wrap="square" rtlCol="0">
+            <a:spAutoFit/>
+          </a:bodyPr>
+          <a:lstStyle/>
+          <a:p>
+            <a:pPr algn="ctr"/>
+            <a:r>
+              <a:rPr lang="es-ES" sz="600" b="1" i="1" dirty="0"/>
+              <a:t>Esperando DOWN</a:t>
+            </a:r>
+          </a:p>
+        </p:txBody>
+      </p:sp>
+      <p:sp>
+        <p:nvSpPr>
+          <p:cNvPr id="229" name="CuadroTexto 228">
+            <a:extLst>
+              <a:ext uri="{FF2B5EF4-FFF2-40B4-BE49-F238E27FC236}">
+                <a16:creationId xmlns:a16="http://schemas.microsoft.com/office/drawing/2014/main" id="{99ED8486-CBDF-49F4-BB09-FBE18191CA15}"/>
+              </a:ext>
+            </a:extLst>
+          </p:cNvPr>
+          <p:cNvSpPr txBox="1"/>
+          <p:nvPr/>
+        </p:nvSpPr>
+        <p:spPr>
+          <a:xfrm>
+            <a:off x="6899423" y="3894767"/>
+            <a:ext cx="953400" cy="184666"/>
+          </a:xfrm>
+          <a:prstGeom prst="rect">
+            <a:avLst/>
+          </a:prstGeom>
+          <a:noFill/>
+        </p:spPr>
+        <p:txBody>
+          <a:bodyPr wrap="square" rtlCol="0">
+            <a:spAutoFit/>
+          </a:bodyPr>
+          <a:lstStyle/>
+          <a:p>
+            <a:pPr algn="ctr"/>
+            <a:r>
+              <a:rPr lang="es-ES" sz="600" b="1" i="1" dirty="0"/>
+              <a:t>Esperando RIGHT</a:t>
+            </a:r>
+          </a:p>
+        </p:txBody>
+      </p:sp>
+      <p:sp>
+        <p:nvSpPr>
+          <p:cNvPr id="230" name="CuadroTexto 229">
+            <a:extLst>
+              <a:ext uri="{FF2B5EF4-FFF2-40B4-BE49-F238E27FC236}">
+                <a16:creationId xmlns:a16="http://schemas.microsoft.com/office/drawing/2014/main" id="{136C08AA-D2E4-41C7-8B9C-BA8999C23D41}"/>
+              </a:ext>
+            </a:extLst>
+          </p:cNvPr>
+          <p:cNvSpPr txBox="1"/>
+          <p:nvPr/>
+        </p:nvSpPr>
+        <p:spPr>
+          <a:xfrm>
+            <a:off x="6991853" y="3376191"/>
+            <a:ext cx="700196" cy="184666"/>
+          </a:xfrm>
+          <a:prstGeom prst="rect">
+            <a:avLst/>
+          </a:prstGeom>
+          <a:noFill/>
+        </p:spPr>
+        <p:txBody>
+          <a:bodyPr wrap="square" rtlCol="0">
+            <a:spAutoFit/>
+          </a:bodyPr>
+          <a:lstStyle/>
+          <a:p>
+            <a:pPr algn="ctr"/>
+            <a:r>
+              <a:rPr lang="es-ES" sz="600" b="1" i="1" dirty="0"/>
+              <a:t>Esperando LEFT</a:t>
+            </a:r>
+          </a:p>
+        </p:txBody>
+      </p:sp>
+      <p:sp>
+        <p:nvSpPr>
+          <p:cNvPr id="231" name="CuadroTexto 230">
+            <a:extLst>
+              <a:ext uri="{FF2B5EF4-FFF2-40B4-BE49-F238E27FC236}">
+                <a16:creationId xmlns:a16="http://schemas.microsoft.com/office/drawing/2014/main" id="{E1FCA76D-A140-477A-AFCB-BC66691A4378}"/>
+              </a:ext>
+            </a:extLst>
+          </p:cNvPr>
+          <p:cNvSpPr txBox="1"/>
+          <p:nvPr/>
+        </p:nvSpPr>
+        <p:spPr>
+          <a:xfrm>
+            <a:off x="8946089" y="3387864"/>
+            <a:ext cx="824602" cy="169277"/>
+          </a:xfrm>
+          <a:prstGeom prst="rect">
+            <a:avLst/>
+          </a:prstGeom>
+          <a:noFill/>
+        </p:spPr>
+        <p:txBody>
+          <a:bodyPr wrap="square" rtlCol="0">
+            <a:spAutoFit/>
+          </a:bodyPr>
+          <a:lstStyle/>
+          <a:p>
+            <a:pPr algn="ctr"/>
+            <a:r>
+              <a:rPr lang="es-ES" sz="500" b="1" i="1" dirty="0">
+                <a:solidFill>
+                  <a:srgbClr val="FF0000"/>
+                </a:solidFill>
+              </a:rPr>
+              <a:t>DONE_INCHECK = “10”</a:t>
+            </a:r>
+          </a:p>
+        </p:txBody>
+      </p:sp>
+      <p:sp>
+        <p:nvSpPr>
+          <p:cNvPr id="232" name="CuadroTexto 231">
+            <a:extLst>
+              <a:ext uri="{FF2B5EF4-FFF2-40B4-BE49-F238E27FC236}">
+                <a16:creationId xmlns:a16="http://schemas.microsoft.com/office/drawing/2014/main" id="{22B1A62F-CA3A-4C5F-AB38-B73E3B522A5C}"/>
+              </a:ext>
+            </a:extLst>
+          </p:cNvPr>
+          <p:cNvSpPr txBox="1"/>
+          <p:nvPr/>
+        </p:nvSpPr>
+        <p:spPr>
+          <a:xfrm>
+            <a:off x="8934676" y="2377430"/>
+            <a:ext cx="824602" cy="169277"/>
+          </a:xfrm>
+          <a:prstGeom prst="rect">
+            <a:avLst/>
+          </a:prstGeom>
+          <a:noFill/>
+        </p:spPr>
+        <p:txBody>
+          <a:bodyPr wrap="square" rtlCol="0">
+            <a:spAutoFit/>
+          </a:bodyPr>
+          <a:lstStyle/>
+          <a:p>
+            <a:pPr algn="ctr"/>
+            <a:r>
+              <a:rPr lang="es-ES" sz="500" b="1" i="1" dirty="0">
+                <a:solidFill>
+                  <a:srgbClr val="FF0000"/>
+                </a:solidFill>
+              </a:rPr>
+              <a:t>DONE_INCHECK = “01”</a:t>
+            </a:r>
+          </a:p>
+        </p:txBody>
+      </p:sp>
+      <p:sp>
+        <p:nvSpPr>
+          <p:cNvPr id="233" name="CuadroTexto 232">
+            <a:extLst>
+              <a:ext uri="{FF2B5EF4-FFF2-40B4-BE49-F238E27FC236}">
+                <a16:creationId xmlns:a16="http://schemas.microsoft.com/office/drawing/2014/main" id="{1E8FF03B-730F-47AF-8668-651D565376E1}"/>
+              </a:ext>
+            </a:extLst>
+          </p:cNvPr>
+          <p:cNvSpPr txBox="1"/>
+          <p:nvPr/>
+        </p:nvSpPr>
+        <p:spPr>
+          <a:xfrm>
+            <a:off x="7425161" y="4115774"/>
+            <a:ext cx="360000" cy="169277"/>
+          </a:xfrm>
+          <a:prstGeom prst="rect">
+            <a:avLst/>
+          </a:prstGeom>
+          <a:noFill/>
+        </p:spPr>
+        <p:txBody>
+          <a:bodyPr wrap="square" rtlCol="0">
+            <a:spAutoFit/>
+          </a:bodyPr>
+          <a:lstStyle/>
+          <a:p>
+            <a:pPr algn="ctr"/>
+            <a:r>
+              <a:rPr lang="es-ES" sz="500" b="1" i="1" dirty="0">
+                <a:solidFill>
+                  <a:srgbClr val="00B0F0"/>
+                </a:solidFill>
+              </a:rPr>
+              <a:t>try &gt; 0</a:t>
+            </a:r>
+          </a:p>
+        </p:txBody>
+      </p:sp>
+      <p:sp>
+        <p:nvSpPr>
+          <p:cNvPr id="235" name="CuadroTexto 234">
+            <a:extLst>
+              <a:ext uri="{FF2B5EF4-FFF2-40B4-BE49-F238E27FC236}">
+                <a16:creationId xmlns:a16="http://schemas.microsoft.com/office/drawing/2014/main" id="{566DAD2B-DAF8-4BA3-875A-DB73C8E417E5}"/>
+              </a:ext>
+            </a:extLst>
+          </p:cNvPr>
+          <p:cNvSpPr txBox="1"/>
+          <p:nvPr/>
+        </p:nvSpPr>
+        <p:spPr>
+          <a:xfrm>
+            <a:off x="8730601" y="3094337"/>
+            <a:ext cx="360000" cy="169277"/>
+          </a:xfrm>
+          <a:prstGeom prst="rect">
+            <a:avLst/>
+          </a:prstGeom>
+          <a:noFill/>
+        </p:spPr>
+        <p:txBody>
+          <a:bodyPr wrap="square" rtlCol="0">
+            <a:spAutoFit/>
+          </a:bodyPr>
+          <a:lstStyle/>
+          <a:p>
+            <a:pPr algn="ctr"/>
+            <a:r>
+              <a:rPr lang="es-ES" sz="500" b="1" i="1" dirty="0">
+                <a:solidFill>
+                  <a:srgbClr val="00B0F0"/>
+                </a:solidFill>
+              </a:rPr>
+              <a:t>try = 0</a:t>
+            </a:r>
+          </a:p>
+        </p:txBody>
+      </p:sp>
+      <p:sp>
+        <p:nvSpPr>
+          <p:cNvPr id="236" name="CuadroTexto 235">
+            <a:extLst>
+              <a:ext uri="{FF2B5EF4-FFF2-40B4-BE49-F238E27FC236}">
+                <a16:creationId xmlns:a16="http://schemas.microsoft.com/office/drawing/2014/main" id="{BBBF0DCD-AD95-4E7C-8B9E-9700190F7515}"/>
+              </a:ext>
+            </a:extLst>
+          </p:cNvPr>
+          <p:cNvSpPr txBox="1"/>
+          <p:nvPr/>
+        </p:nvSpPr>
+        <p:spPr>
+          <a:xfrm>
+            <a:off x="8709676" y="2549376"/>
+            <a:ext cx="397280" cy="169277"/>
+          </a:xfrm>
+          <a:prstGeom prst="rect">
+            <a:avLst/>
+          </a:prstGeom>
+          <a:noFill/>
+        </p:spPr>
+        <p:txBody>
+          <a:bodyPr wrap="square" rtlCol="0">
+            <a:spAutoFit/>
+          </a:bodyPr>
+          <a:lstStyle/>
+          <a:p>
+            <a:pPr algn="ctr"/>
+            <a:r>
+              <a:rPr lang="es-ES" sz="500" b="1" i="1" dirty="0">
+                <a:solidFill>
+                  <a:srgbClr val="00B0F0"/>
+                </a:solidFill>
+              </a:rPr>
+              <a:t>size = 0</a:t>
+            </a:r>
+          </a:p>
+        </p:txBody>
+      </p:sp>
+      <p:sp>
+        <p:nvSpPr>
+          <p:cNvPr id="237" name="CuadroTexto 236">
+            <a:extLst>
+              <a:ext uri="{FF2B5EF4-FFF2-40B4-BE49-F238E27FC236}">
+                <a16:creationId xmlns:a16="http://schemas.microsoft.com/office/drawing/2014/main" id="{B5AF2E53-B056-4E81-8360-337908E50D6B}"/>
+              </a:ext>
+            </a:extLst>
+          </p:cNvPr>
+          <p:cNvSpPr txBox="1"/>
+          <p:nvPr/>
+        </p:nvSpPr>
+        <p:spPr>
+          <a:xfrm>
+            <a:off x="7425161" y="1527190"/>
+            <a:ext cx="397280" cy="169277"/>
+          </a:xfrm>
+          <a:prstGeom prst="rect">
+            <a:avLst/>
+          </a:prstGeom>
+          <a:noFill/>
+        </p:spPr>
+        <p:txBody>
+          <a:bodyPr wrap="square" rtlCol="0">
+            <a:spAutoFit/>
+          </a:bodyPr>
+          <a:lstStyle/>
+          <a:p>
+            <a:pPr algn="ctr"/>
+            <a:r>
+              <a:rPr lang="es-ES" sz="500" b="1" i="1" dirty="0">
+                <a:solidFill>
+                  <a:srgbClr val="00B0F0"/>
+                </a:solidFill>
+              </a:rPr>
+              <a:t>size &gt;0</a:t>
+            </a:r>
+          </a:p>
+        </p:txBody>
+      </p:sp>
+      <p:grpSp>
+        <p:nvGrpSpPr>
+          <p:cNvPr id="238" name="Grupo 237">
+            <a:extLst>
+              <a:ext uri="{FF2B5EF4-FFF2-40B4-BE49-F238E27FC236}">
+                <a16:creationId xmlns:a16="http://schemas.microsoft.com/office/drawing/2014/main" id="{FCE1C7B6-9B41-4DF2-AF1E-D97C6DC51383}"/>
+              </a:ext>
+            </a:extLst>
+          </p:cNvPr>
+          <p:cNvGrpSpPr/>
+          <p:nvPr/>
+        </p:nvGrpSpPr>
+        <p:grpSpPr>
+          <a:xfrm>
+            <a:off x="2807931" y="3500508"/>
+            <a:ext cx="360000" cy="360000"/>
+            <a:chOff x="1108951" y="875488"/>
+            <a:chExt cx="360000" cy="360000"/>
+          </a:xfrm>
+        </p:grpSpPr>
+        <p:sp>
+          <p:nvSpPr>
+            <p:cNvPr id="239" name="Elipse 238">
+              <a:extLst>
+                <a:ext uri="{FF2B5EF4-FFF2-40B4-BE49-F238E27FC236}">
+                  <a16:creationId xmlns:a16="http://schemas.microsoft.com/office/drawing/2014/main" id="{E82C65C7-6DF4-4930-B2E0-E91A7449167E}"/>
+                </a:ext>
+              </a:extLst>
+            </p:cNvPr>
+            <p:cNvSpPr/>
+            <p:nvPr/>
+          </p:nvSpPr>
+          <p:spPr>
+            <a:xfrm>
+              <a:off x="1108951" y="875488"/>
+              <a:ext cx="360000" cy="360000"/>
+            </a:xfrm>
+            <a:prstGeom prst="ellipse">
+              <a:avLst/>
+            </a:prstGeom>
+            <a:noFill/>
+            <a:ln>
+              <a:solidFill>
+                <a:schemeClr val="tx1"/>
+              </a:solidFill>
+            </a:ln>
+          </p:spPr>
+          <p:style>
+            <a:lnRef idx="2">
+              <a:schemeClr val="accent1">
+                <a:shade val="50000"/>
+              </a:schemeClr>
+            </a:lnRef>
+            <a:fillRef idx="1">
+              <a:schemeClr val="accent1"/>
+            </a:fillRef>
+            <a:effectRef idx="0">
+              <a:schemeClr val="accent1"/>
+            </a:effectRef>
+            <a:fontRef idx="minor">
+              <a:schemeClr val="lt1"/>
+            </a:fontRef>
+          </p:style>
+          <p:txBody>
+            <a:bodyPr rtlCol="0" anchor="ctr"/>
+            <a:lstStyle/>
+            <a:p>
+              <a:pPr algn="ctr"/>
+              <a:endParaRPr lang="es-ES" dirty="0"/>
+            </a:p>
+          </p:txBody>
+        </p:sp>
+        <p:sp>
+          <p:nvSpPr>
+            <p:cNvPr id="240" name="CuadroTexto 239">
+              <a:extLst>
+                <a:ext uri="{FF2B5EF4-FFF2-40B4-BE49-F238E27FC236}">
+                  <a16:creationId xmlns:a16="http://schemas.microsoft.com/office/drawing/2014/main" id="{144EB560-6720-42C1-8DDA-E30F67EB8FBA}"/>
+                </a:ext>
+              </a:extLst>
+            </p:cNvPr>
+            <p:cNvSpPr txBox="1"/>
+            <p:nvPr/>
+          </p:nvSpPr>
+          <p:spPr>
+            <a:xfrm>
+              <a:off x="1147727" y="947766"/>
+              <a:ext cx="282449" cy="215444"/>
+            </a:xfrm>
+            <a:prstGeom prst="rect">
+              <a:avLst/>
+            </a:prstGeom>
+            <a:noFill/>
+          </p:spPr>
+          <p:txBody>
+            <a:bodyPr wrap="none" rtlCol="0">
+              <a:spAutoFit/>
+            </a:bodyPr>
+            <a:lstStyle/>
+            <a:p>
+              <a:pPr algn="ctr"/>
+              <a:r>
+                <a:rPr lang="es-ES" sz="800" b="1" dirty="0"/>
+                <a:t>S0</a:t>
+              </a:r>
+            </a:p>
+          </p:txBody>
+        </p:sp>
+      </p:grpSp>
+      <p:grpSp>
+        <p:nvGrpSpPr>
+          <p:cNvPr id="241" name="Grupo 240">
+            <a:extLst>
+              <a:ext uri="{FF2B5EF4-FFF2-40B4-BE49-F238E27FC236}">
+                <a16:creationId xmlns:a16="http://schemas.microsoft.com/office/drawing/2014/main" id="{FE9FF9BD-17FC-41C7-913C-3286C2E5218E}"/>
+              </a:ext>
+            </a:extLst>
+          </p:cNvPr>
+          <p:cNvGrpSpPr/>
+          <p:nvPr/>
+        </p:nvGrpSpPr>
+        <p:grpSpPr>
+          <a:xfrm>
+            <a:off x="3467567" y="3500508"/>
+            <a:ext cx="360000" cy="360000"/>
+            <a:chOff x="1108951" y="875488"/>
+            <a:chExt cx="360000" cy="360000"/>
+          </a:xfrm>
+        </p:grpSpPr>
+        <p:sp>
+          <p:nvSpPr>
+            <p:cNvPr id="242" name="Elipse 241">
+              <a:extLst>
+                <a:ext uri="{FF2B5EF4-FFF2-40B4-BE49-F238E27FC236}">
+                  <a16:creationId xmlns:a16="http://schemas.microsoft.com/office/drawing/2014/main" id="{33EF5415-134D-469E-BB87-0B082FA9C2B2}"/>
+                </a:ext>
+              </a:extLst>
+            </p:cNvPr>
+            <p:cNvSpPr/>
+            <p:nvPr/>
+          </p:nvSpPr>
+          <p:spPr>
+            <a:xfrm>
+              <a:off x="1108951" y="875488"/>
+              <a:ext cx="360000" cy="360000"/>
+            </a:xfrm>
+            <a:prstGeom prst="ellipse">
+              <a:avLst/>
+            </a:prstGeom>
+            <a:noFill/>
+            <a:ln>
+              <a:solidFill>
+                <a:schemeClr val="tx1"/>
+              </a:solidFill>
+            </a:ln>
+          </p:spPr>
+          <p:style>
+            <a:lnRef idx="2">
+              <a:schemeClr val="accent1">
+                <a:shade val="50000"/>
+              </a:schemeClr>
+            </a:lnRef>
+            <a:fillRef idx="1">
+              <a:schemeClr val="accent1"/>
+            </a:fillRef>
+            <a:effectRef idx="0">
+              <a:schemeClr val="accent1"/>
+            </a:effectRef>
+            <a:fontRef idx="minor">
+              <a:schemeClr val="lt1"/>
+            </a:fontRef>
+          </p:style>
+          <p:txBody>
+            <a:bodyPr rtlCol="0" anchor="ctr"/>
+            <a:lstStyle/>
+            <a:p>
+              <a:pPr algn="ctr"/>
+              <a:endParaRPr lang="es-ES" dirty="0"/>
+            </a:p>
+          </p:txBody>
+        </p:sp>
+        <p:sp>
+          <p:nvSpPr>
+            <p:cNvPr id="243" name="CuadroTexto 242">
+              <a:extLst>
+                <a:ext uri="{FF2B5EF4-FFF2-40B4-BE49-F238E27FC236}">
+                  <a16:creationId xmlns:a16="http://schemas.microsoft.com/office/drawing/2014/main" id="{F3069D86-6DCE-44C9-8FED-2427FA7A944F}"/>
+                </a:ext>
+              </a:extLst>
+            </p:cNvPr>
+            <p:cNvSpPr txBox="1"/>
+            <p:nvPr/>
+          </p:nvSpPr>
+          <p:spPr>
+            <a:xfrm>
+              <a:off x="1146925" y="947766"/>
+              <a:ext cx="284053" cy="215444"/>
+            </a:xfrm>
+            <a:prstGeom prst="rect">
+              <a:avLst/>
+            </a:prstGeom>
+            <a:noFill/>
+          </p:spPr>
+          <p:txBody>
+            <a:bodyPr wrap="none" rtlCol="0">
+              <a:spAutoFit/>
+            </a:bodyPr>
+            <a:lstStyle/>
+            <a:p>
+              <a:pPr algn="ctr"/>
+              <a:r>
+                <a:rPr lang="es-ES" sz="800" b="1" dirty="0"/>
+                <a:t>S1</a:t>
+              </a:r>
+            </a:p>
+          </p:txBody>
+        </p:sp>
+      </p:grpSp>
+      <p:grpSp>
+        <p:nvGrpSpPr>
+          <p:cNvPr id="244" name="Grupo 243">
+            <a:extLst>
+              <a:ext uri="{FF2B5EF4-FFF2-40B4-BE49-F238E27FC236}">
+                <a16:creationId xmlns:a16="http://schemas.microsoft.com/office/drawing/2014/main" id="{6F0D391B-1F39-4AEE-8DCC-C043569F010E}"/>
+              </a:ext>
+            </a:extLst>
+          </p:cNvPr>
+          <p:cNvGrpSpPr/>
+          <p:nvPr/>
+        </p:nvGrpSpPr>
+        <p:grpSpPr>
+          <a:xfrm>
+            <a:off x="4127203" y="3500508"/>
+            <a:ext cx="360000" cy="360000"/>
+            <a:chOff x="1108951" y="875488"/>
+            <a:chExt cx="360000" cy="360000"/>
+          </a:xfrm>
+        </p:grpSpPr>
+        <p:sp>
+          <p:nvSpPr>
+            <p:cNvPr id="245" name="Elipse 244">
+              <a:extLst>
+                <a:ext uri="{FF2B5EF4-FFF2-40B4-BE49-F238E27FC236}">
+                  <a16:creationId xmlns:a16="http://schemas.microsoft.com/office/drawing/2014/main" id="{409DB9DB-A199-4D99-8301-93C6C64008F8}"/>
+                </a:ext>
+              </a:extLst>
+            </p:cNvPr>
+            <p:cNvSpPr/>
+            <p:nvPr/>
+          </p:nvSpPr>
+          <p:spPr>
+            <a:xfrm>
+              <a:off x="1108951" y="875488"/>
+              <a:ext cx="360000" cy="360000"/>
+            </a:xfrm>
+            <a:prstGeom prst="ellipse">
+              <a:avLst/>
+            </a:prstGeom>
+            <a:noFill/>
+            <a:ln>
+              <a:solidFill>
+                <a:schemeClr val="tx1"/>
+              </a:solidFill>
+            </a:ln>
+          </p:spPr>
+          <p:style>
+            <a:lnRef idx="2">
+              <a:schemeClr val="accent1">
+                <a:shade val="50000"/>
+              </a:schemeClr>
+            </a:lnRef>
+            <a:fillRef idx="1">
+              <a:schemeClr val="accent1"/>
+            </a:fillRef>
+            <a:effectRef idx="0">
+              <a:schemeClr val="accent1"/>
+            </a:effectRef>
+            <a:fontRef idx="minor">
+              <a:schemeClr val="lt1"/>
+            </a:fontRef>
+          </p:style>
+          <p:txBody>
+            <a:bodyPr rtlCol="0" anchor="ctr"/>
+            <a:lstStyle/>
+            <a:p>
+              <a:pPr algn="ctr"/>
+              <a:endParaRPr lang="es-ES" dirty="0"/>
+            </a:p>
+          </p:txBody>
+        </p:sp>
+        <p:sp>
+          <p:nvSpPr>
+            <p:cNvPr id="246" name="CuadroTexto 245">
+              <a:extLst>
+                <a:ext uri="{FF2B5EF4-FFF2-40B4-BE49-F238E27FC236}">
+                  <a16:creationId xmlns:a16="http://schemas.microsoft.com/office/drawing/2014/main" id="{0F131920-A162-43C1-B883-BAD709FA477E}"/>
+                </a:ext>
+              </a:extLst>
+            </p:cNvPr>
+            <p:cNvSpPr txBox="1"/>
+            <p:nvPr/>
+          </p:nvSpPr>
+          <p:spPr>
+            <a:xfrm>
+              <a:off x="1146925" y="947766"/>
+              <a:ext cx="284053" cy="215444"/>
+            </a:xfrm>
+            <a:prstGeom prst="rect">
+              <a:avLst/>
+            </a:prstGeom>
+            <a:noFill/>
+          </p:spPr>
+          <p:txBody>
+            <a:bodyPr wrap="none" rtlCol="0">
+              <a:spAutoFit/>
+            </a:bodyPr>
+            <a:lstStyle/>
+            <a:p>
+              <a:pPr algn="ctr"/>
+              <a:r>
+                <a:rPr lang="es-ES" sz="800" b="1" dirty="0"/>
+                <a:t>S2</a:t>
+              </a:r>
+            </a:p>
+          </p:txBody>
+        </p:sp>
+      </p:grpSp>
+      <p:grpSp>
+        <p:nvGrpSpPr>
+          <p:cNvPr id="247" name="Grupo 246">
+            <a:extLst>
+              <a:ext uri="{FF2B5EF4-FFF2-40B4-BE49-F238E27FC236}">
+                <a16:creationId xmlns:a16="http://schemas.microsoft.com/office/drawing/2014/main" id="{55A4A453-669E-42A7-807D-A551A1ED8D4A}"/>
+              </a:ext>
+            </a:extLst>
+          </p:cNvPr>
+          <p:cNvGrpSpPr/>
+          <p:nvPr/>
+        </p:nvGrpSpPr>
+        <p:grpSpPr>
+          <a:xfrm>
+            <a:off x="3400545" y="2852313"/>
+            <a:ext cx="494046" cy="360000"/>
+            <a:chOff x="1041932" y="875488"/>
+            <a:chExt cx="494046" cy="360000"/>
+          </a:xfrm>
+        </p:grpSpPr>
+        <p:sp>
+          <p:nvSpPr>
+            <p:cNvPr id="248" name="Elipse 247">
+              <a:extLst>
+                <a:ext uri="{FF2B5EF4-FFF2-40B4-BE49-F238E27FC236}">
+                  <a16:creationId xmlns:a16="http://schemas.microsoft.com/office/drawing/2014/main" id="{8F03D92E-A1E3-4C32-B94A-91254BB1E0C2}"/>
+                </a:ext>
+              </a:extLst>
+            </p:cNvPr>
+            <p:cNvSpPr/>
+            <p:nvPr/>
+          </p:nvSpPr>
+          <p:spPr>
+            <a:xfrm>
+              <a:off x="1108951" y="875488"/>
+              <a:ext cx="360000" cy="360000"/>
+            </a:xfrm>
+            <a:prstGeom prst="ellipse">
+              <a:avLst/>
+            </a:prstGeom>
+            <a:noFill/>
+            <a:ln>
+              <a:solidFill>
+                <a:schemeClr val="tx1"/>
+              </a:solidFill>
+            </a:ln>
+          </p:spPr>
+          <p:style>
+            <a:lnRef idx="2">
+              <a:schemeClr val="accent1">
+                <a:shade val="50000"/>
+              </a:schemeClr>
+            </a:lnRef>
+            <a:fillRef idx="1">
+              <a:schemeClr val="accent1"/>
+            </a:fillRef>
+            <a:effectRef idx="0">
+              <a:schemeClr val="accent1"/>
+            </a:effectRef>
+            <a:fontRef idx="minor">
+              <a:schemeClr val="lt1"/>
+            </a:fontRef>
+          </p:style>
+          <p:txBody>
+            <a:bodyPr rtlCol="0" anchor="ctr"/>
+            <a:lstStyle/>
+            <a:p>
+              <a:pPr algn="ctr"/>
+              <a:endParaRPr lang="es-ES" dirty="0"/>
+            </a:p>
+          </p:txBody>
+        </p:sp>
+        <p:sp>
+          <p:nvSpPr>
+            <p:cNvPr id="249" name="CuadroTexto 248">
+              <a:extLst>
+                <a:ext uri="{FF2B5EF4-FFF2-40B4-BE49-F238E27FC236}">
+                  <a16:creationId xmlns:a16="http://schemas.microsoft.com/office/drawing/2014/main" id="{DB4D91FE-85D9-4867-9F38-A98711E537EA}"/>
+                </a:ext>
+              </a:extLst>
+            </p:cNvPr>
+            <p:cNvSpPr txBox="1"/>
+            <p:nvPr/>
+          </p:nvSpPr>
+          <p:spPr>
+            <a:xfrm>
+              <a:off x="1041932" y="947766"/>
+              <a:ext cx="494046" cy="215444"/>
+            </a:xfrm>
+            <a:prstGeom prst="rect">
+              <a:avLst/>
+            </a:prstGeom>
+            <a:noFill/>
+          </p:spPr>
+          <p:txBody>
+            <a:bodyPr wrap="none" rtlCol="0">
+              <a:spAutoFit/>
+            </a:bodyPr>
+            <a:lstStyle/>
+            <a:p>
+              <a:pPr algn="ctr"/>
+              <a:r>
+                <a:rPr lang="es-ES" sz="800" b="1" dirty="0"/>
+                <a:t>S_STBY</a:t>
+              </a:r>
+            </a:p>
+          </p:txBody>
+        </p:sp>
+      </p:grpSp>
+      <p:cxnSp>
+        <p:nvCxnSpPr>
+          <p:cNvPr id="251" name="Conector: curvado 250">
+            <a:extLst>
+              <a:ext uri="{FF2B5EF4-FFF2-40B4-BE49-F238E27FC236}">
+                <a16:creationId xmlns:a16="http://schemas.microsoft.com/office/drawing/2014/main" id="{A61F52A9-36FB-4F1D-8657-D424682CAAC3}"/>
+              </a:ext>
+            </a:extLst>
+          </p:cNvPr>
+          <p:cNvCxnSpPr>
+            <a:cxnSpLocks/>
+            <a:stCxn id="242" idx="3"/>
+            <a:endCxn id="239" idx="5"/>
+          </p:cNvCxnSpPr>
+          <p:nvPr/>
+        </p:nvCxnSpPr>
+        <p:spPr>
+          <a:xfrm rot="5400000">
+            <a:off x="3317749" y="3605248"/>
+            <a:ext cx="12700" cy="405078"/>
+          </a:xfrm>
+          <a:prstGeom prst="curvedConnector3">
+            <a:avLst>
+              <a:gd name="adj1" fmla="val 2215126"/>
+            </a:avLst>
+          </a:prstGeom>
+          <a:ln w="12700">
+            <a:solidFill>
+              <a:schemeClr val="tx1"/>
+            </a:solidFill>
+            <a:tailEnd type="triangle"/>
+          </a:ln>
+        </p:spPr>
+        <p:style>
+          <a:lnRef idx="1">
+            <a:schemeClr val="accent1"/>
+          </a:lnRef>
+          <a:fillRef idx="0">
+            <a:schemeClr val="accent1"/>
+          </a:fillRef>
+          <a:effectRef idx="0">
+            <a:schemeClr val="accent1"/>
+          </a:effectRef>
+          <a:fontRef idx="minor">
+            <a:schemeClr val="tx1"/>
+          </a:fontRef>
+        </p:style>
+      </p:cxnSp>
+      <p:cxnSp>
+        <p:nvCxnSpPr>
+          <p:cNvPr id="253" name="Conector: curvado 252">
+            <a:extLst>
+              <a:ext uri="{FF2B5EF4-FFF2-40B4-BE49-F238E27FC236}">
+                <a16:creationId xmlns:a16="http://schemas.microsoft.com/office/drawing/2014/main" id="{6EE6D2FA-3A82-49D4-8D86-80F8C66B612C}"/>
+              </a:ext>
+            </a:extLst>
+          </p:cNvPr>
+          <p:cNvCxnSpPr>
+            <a:stCxn id="239" idx="7"/>
+            <a:endCxn id="242" idx="0"/>
+          </p:cNvCxnSpPr>
+          <p:nvPr/>
+        </p:nvCxnSpPr>
+        <p:spPr>
+          <a:xfrm rot="5400000" flipH="1" flipV="1">
+            <a:off x="3317749" y="3350690"/>
+            <a:ext cx="12700" cy="405078"/>
+          </a:xfrm>
+          <a:prstGeom prst="curvedConnector3">
+            <a:avLst>
+              <a:gd name="adj1" fmla="val 2215126"/>
+            </a:avLst>
+          </a:prstGeom>
+          <a:ln w="12700">
+            <a:solidFill>
+              <a:schemeClr val="tx1"/>
+            </a:solidFill>
+            <a:tailEnd type="triangle"/>
+          </a:ln>
+        </p:spPr>
+        <p:style>
+          <a:lnRef idx="1">
+            <a:schemeClr val="accent1"/>
+          </a:lnRef>
+          <a:fillRef idx="0">
+            <a:schemeClr val="accent1"/>
+          </a:fillRef>
+          <a:effectRef idx="0">
+            <a:schemeClr val="accent1"/>
+          </a:effectRef>
+          <a:fontRef idx="minor">
+            <a:schemeClr val="tx1"/>
+          </a:fontRef>
+        </p:style>
+      </p:cxnSp>
+      <p:cxnSp>
+        <p:nvCxnSpPr>
+          <p:cNvPr id="254" name="Conector recto de flecha 253">
+            <a:extLst>
+              <a:ext uri="{FF2B5EF4-FFF2-40B4-BE49-F238E27FC236}">
+                <a16:creationId xmlns:a16="http://schemas.microsoft.com/office/drawing/2014/main" id="{BA14D4D1-3AE3-409D-B1AA-C3C86F0D3535}"/>
+              </a:ext>
+            </a:extLst>
+          </p:cNvPr>
+          <p:cNvCxnSpPr>
+            <a:cxnSpLocks/>
+            <a:stCxn id="242" idx="6"/>
+            <a:endCxn id="245" idx="2"/>
+          </p:cNvCxnSpPr>
+          <p:nvPr/>
+        </p:nvCxnSpPr>
+        <p:spPr>
+          <a:xfrm>
+            <a:off x="3827567" y="3680508"/>
+            <a:ext cx="299636" cy="0"/>
+          </a:xfrm>
+          <a:prstGeom prst="straightConnector1">
+            <a:avLst/>
+          </a:prstGeom>
+          <a:ln w="12700">
+            <a:solidFill>
+              <a:schemeClr val="tx1"/>
+            </a:solidFill>
+            <a:tailEnd type="triangle"/>
+          </a:ln>
+        </p:spPr>
+        <p:style>
+          <a:lnRef idx="1">
+            <a:schemeClr val="accent1"/>
+          </a:lnRef>
+          <a:fillRef idx="0">
+            <a:schemeClr val="accent1"/>
+          </a:fillRef>
+          <a:effectRef idx="0">
+            <a:schemeClr val="accent1"/>
+          </a:effectRef>
+          <a:fontRef idx="minor">
+            <a:schemeClr val="tx1"/>
+          </a:fontRef>
+        </p:style>
+      </p:cxnSp>
+      <p:cxnSp>
+        <p:nvCxnSpPr>
+          <p:cNvPr id="258" name="Conector: curvado 257">
+            <a:extLst>
+              <a:ext uri="{FF2B5EF4-FFF2-40B4-BE49-F238E27FC236}">
+                <a16:creationId xmlns:a16="http://schemas.microsoft.com/office/drawing/2014/main" id="{2E6F629E-19F0-4714-B5E6-A47CDE60CCDB}"/>
+              </a:ext>
+            </a:extLst>
+          </p:cNvPr>
+          <p:cNvCxnSpPr>
+            <a:cxnSpLocks/>
+            <a:stCxn id="245" idx="6"/>
+            <a:endCxn id="248" idx="6"/>
+          </p:cNvCxnSpPr>
+          <p:nvPr/>
+        </p:nvCxnSpPr>
+        <p:spPr>
+          <a:xfrm flipH="1" flipV="1">
+            <a:off x="3827564" y="3032313"/>
+            <a:ext cx="659639" cy="648195"/>
+          </a:xfrm>
+          <a:prstGeom prst="curvedConnector3">
+            <a:avLst>
+              <a:gd name="adj1" fmla="val -34655"/>
+            </a:avLst>
+          </a:prstGeom>
+          <a:ln w="12700">
+            <a:solidFill>
+              <a:schemeClr val="tx1"/>
+            </a:solidFill>
+            <a:tailEnd type="triangle"/>
+          </a:ln>
+        </p:spPr>
+        <p:style>
+          <a:lnRef idx="1">
+            <a:schemeClr val="accent1"/>
+          </a:lnRef>
+          <a:fillRef idx="0">
+            <a:schemeClr val="accent1"/>
+          </a:fillRef>
+          <a:effectRef idx="0">
+            <a:schemeClr val="accent1"/>
+          </a:effectRef>
+          <a:fontRef idx="minor">
+            <a:schemeClr val="tx1"/>
+          </a:fontRef>
+        </p:style>
+      </p:cxnSp>
+      <p:cxnSp>
+        <p:nvCxnSpPr>
+          <p:cNvPr id="262" name="Conector: curvado 261">
+            <a:extLst>
+              <a:ext uri="{FF2B5EF4-FFF2-40B4-BE49-F238E27FC236}">
+                <a16:creationId xmlns:a16="http://schemas.microsoft.com/office/drawing/2014/main" id="{C6DECC69-B592-4A91-96B7-27912E825D8E}"/>
+              </a:ext>
+            </a:extLst>
+          </p:cNvPr>
+          <p:cNvCxnSpPr>
+            <a:stCxn id="248" idx="2"/>
+            <a:endCxn id="239" idx="2"/>
+          </p:cNvCxnSpPr>
+          <p:nvPr/>
+        </p:nvCxnSpPr>
+        <p:spPr>
+          <a:xfrm rot="10800000" flipV="1">
+            <a:off x="2807932" y="3032312"/>
+            <a:ext cx="659633" cy="648195"/>
+          </a:xfrm>
+          <a:prstGeom prst="curvedConnector3">
+            <a:avLst>
+              <a:gd name="adj1" fmla="val 134656"/>
+            </a:avLst>
+          </a:prstGeom>
+          <a:ln w="12700">
+            <a:solidFill>
+              <a:schemeClr val="tx1"/>
+            </a:solidFill>
+            <a:tailEnd type="triangle"/>
+          </a:ln>
+        </p:spPr>
+        <p:style>
+          <a:lnRef idx="1">
+            <a:schemeClr val="accent1"/>
+          </a:lnRef>
+          <a:fillRef idx="0">
+            <a:schemeClr val="accent1"/>
+          </a:fillRef>
+          <a:effectRef idx="0">
+            <a:schemeClr val="accent1"/>
+          </a:effectRef>
+          <a:fontRef idx="minor">
+            <a:schemeClr val="tx1"/>
+          </a:fontRef>
+        </p:style>
+      </p:cxnSp>
+      <p:sp>
+        <p:nvSpPr>
+          <p:cNvPr id="263" name="CuadroTexto 262">
+            <a:extLst>
+              <a:ext uri="{FF2B5EF4-FFF2-40B4-BE49-F238E27FC236}">
+                <a16:creationId xmlns:a16="http://schemas.microsoft.com/office/drawing/2014/main" id="{837C5FE3-F52C-4606-982B-0B86C01017F1}"/>
+              </a:ext>
+            </a:extLst>
+          </p:cNvPr>
+          <p:cNvSpPr txBox="1"/>
+          <p:nvPr/>
+        </p:nvSpPr>
+        <p:spPr>
+          <a:xfrm>
+            <a:off x="2303419" y="2947673"/>
+            <a:ext cx="659634" cy="169277"/>
+          </a:xfrm>
+          <a:prstGeom prst="rect">
+            <a:avLst/>
+          </a:prstGeom>
+          <a:noFill/>
+        </p:spPr>
+        <p:txBody>
+          <a:bodyPr wrap="square" rtlCol="0">
+            <a:spAutoFit/>
+          </a:bodyPr>
+          <a:lstStyle/>
+          <a:p>
+            <a:pPr algn="ctr"/>
+            <a:r>
+              <a:rPr lang="es-ES" sz="500" b="1" i="1" dirty="0">
+                <a:solidFill>
+                  <a:srgbClr val="00B0F0"/>
+                </a:solidFill>
+              </a:rPr>
+              <a:t>START_INCHECK </a:t>
+            </a:r>
+          </a:p>
+        </p:txBody>
+      </p:sp>
+      <p:sp>
+        <p:nvSpPr>
+          <p:cNvPr id="264" name="CuadroTexto 263">
+            <a:extLst>
+              <a:ext uri="{FF2B5EF4-FFF2-40B4-BE49-F238E27FC236}">
+                <a16:creationId xmlns:a16="http://schemas.microsoft.com/office/drawing/2014/main" id="{B1B3EA1D-4B90-4DD4-80B2-BA8C961F896B}"/>
+              </a:ext>
+            </a:extLst>
+          </p:cNvPr>
+          <p:cNvSpPr txBox="1"/>
+          <p:nvPr/>
+        </p:nvSpPr>
+        <p:spPr>
+          <a:xfrm>
+            <a:off x="2929603" y="3144813"/>
+            <a:ext cx="659634" cy="169277"/>
+          </a:xfrm>
+          <a:prstGeom prst="rect">
+            <a:avLst/>
+          </a:prstGeom>
+          <a:noFill/>
+        </p:spPr>
+        <p:txBody>
+          <a:bodyPr wrap="square" rtlCol="0">
+            <a:spAutoFit/>
+          </a:bodyPr>
+          <a:lstStyle/>
+          <a:p>
+            <a:pPr algn="ctr"/>
+            <a:r>
+              <a:rPr lang="es-ES" sz="500" b="1" i="1" dirty="0">
+                <a:solidFill>
+                  <a:srgbClr val="00B0F0"/>
+                </a:solidFill>
+              </a:rPr>
+              <a:t>START_TIMER </a:t>
+            </a:r>
+          </a:p>
+        </p:txBody>
+      </p:sp>
+      <p:sp>
+        <p:nvSpPr>
+          <p:cNvPr id="268" name="CuadroTexto 267">
+            <a:extLst>
+              <a:ext uri="{FF2B5EF4-FFF2-40B4-BE49-F238E27FC236}">
+                <a16:creationId xmlns:a16="http://schemas.microsoft.com/office/drawing/2014/main" id="{8BC1394E-5AD2-49C7-B9B4-DF2DEDFB3EF2}"/>
+              </a:ext>
+            </a:extLst>
+          </p:cNvPr>
+          <p:cNvSpPr txBox="1"/>
+          <p:nvPr/>
+        </p:nvSpPr>
+        <p:spPr>
+          <a:xfrm>
+            <a:off x="3025142" y="4064066"/>
+            <a:ext cx="659634" cy="323165"/>
+          </a:xfrm>
+          <a:prstGeom prst="rect">
+            <a:avLst/>
+          </a:prstGeom>
+          <a:noFill/>
+        </p:spPr>
+        <p:txBody>
+          <a:bodyPr wrap="square" rtlCol="0">
+            <a:spAutoFit/>
+          </a:bodyPr>
+          <a:lstStyle/>
+          <a:p>
+            <a:pPr algn="ctr"/>
+            <a:r>
+              <a:rPr lang="es-ES" sz="500" b="1" i="1" dirty="0">
+                <a:solidFill>
+                  <a:srgbClr val="00B0F0"/>
+                </a:solidFill>
+              </a:rPr>
+              <a:t>DONE_TIMER</a:t>
+            </a:r>
+          </a:p>
+          <a:p>
+            <a:pPr algn="ctr"/>
+            <a:r>
+              <a:rPr lang="es-ES" sz="500" b="1" i="1" dirty="0">
+                <a:solidFill>
+                  <a:srgbClr val="00B0F0"/>
+                </a:solidFill>
+              </a:rPr>
+              <a:t>&amp; </a:t>
+            </a:r>
+          </a:p>
+          <a:p>
+            <a:pPr algn="ctr"/>
+            <a:r>
+              <a:rPr lang="es-ES" sz="500" b="1" i="1" dirty="0">
+                <a:solidFill>
+                  <a:srgbClr val="00B0F0"/>
+                </a:solidFill>
+              </a:rPr>
+              <a:t>SIZE &gt; 1 </a:t>
+            </a:r>
+          </a:p>
+        </p:txBody>
+      </p:sp>
+      <p:sp>
+        <p:nvSpPr>
+          <p:cNvPr id="269" name="CuadroTexto 268">
+            <a:extLst>
+              <a:ext uri="{FF2B5EF4-FFF2-40B4-BE49-F238E27FC236}">
+                <a16:creationId xmlns:a16="http://schemas.microsoft.com/office/drawing/2014/main" id="{EC725DDF-EEDC-4887-AB86-21ACD1F39764}"/>
+              </a:ext>
+            </a:extLst>
+          </p:cNvPr>
+          <p:cNvSpPr txBox="1"/>
+          <p:nvPr/>
+        </p:nvSpPr>
+        <p:spPr>
+          <a:xfrm>
+            <a:off x="3623736" y="3385296"/>
+            <a:ext cx="659634" cy="323165"/>
+          </a:xfrm>
+          <a:prstGeom prst="rect">
+            <a:avLst/>
+          </a:prstGeom>
+          <a:noFill/>
+        </p:spPr>
+        <p:txBody>
+          <a:bodyPr wrap="square" rtlCol="0">
+            <a:spAutoFit/>
+          </a:bodyPr>
+          <a:lstStyle/>
+          <a:p>
+            <a:pPr algn="ctr"/>
+            <a:r>
+              <a:rPr lang="es-ES" sz="500" b="1" i="1" dirty="0">
+                <a:solidFill>
+                  <a:srgbClr val="00B0F0"/>
+                </a:solidFill>
+              </a:rPr>
+              <a:t>DONE_TIMER</a:t>
+            </a:r>
+          </a:p>
+          <a:p>
+            <a:pPr algn="ctr"/>
+            <a:r>
+              <a:rPr lang="es-ES" sz="500" b="1" i="1" dirty="0">
+                <a:solidFill>
+                  <a:srgbClr val="00B0F0"/>
+                </a:solidFill>
+              </a:rPr>
+              <a:t>&amp; </a:t>
+            </a:r>
+          </a:p>
+          <a:p>
+            <a:pPr algn="ctr"/>
+            <a:r>
+              <a:rPr lang="es-ES" sz="500" b="1" i="1" dirty="0">
+                <a:solidFill>
+                  <a:srgbClr val="00B0F0"/>
+                </a:solidFill>
+              </a:rPr>
+              <a:t>SIZE = 1 </a:t>
+            </a:r>
+          </a:p>
+        </p:txBody>
+      </p:sp>
+      <p:sp>
+        <p:nvSpPr>
+          <p:cNvPr id="270" name="CuadroTexto 269">
+            <a:extLst>
+              <a:ext uri="{FF2B5EF4-FFF2-40B4-BE49-F238E27FC236}">
+                <a16:creationId xmlns:a16="http://schemas.microsoft.com/office/drawing/2014/main" id="{2CB01A35-7281-4CF1-A67E-BA7702E84F00}"/>
+              </a:ext>
+            </a:extLst>
+          </p:cNvPr>
+          <p:cNvSpPr txBox="1"/>
+          <p:nvPr/>
+        </p:nvSpPr>
+        <p:spPr>
+          <a:xfrm>
+            <a:off x="3481560" y="3791476"/>
+            <a:ext cx="571065" cy="215444"/>
+          </a:xfrm>
+          <a:prstGeom prst="rect">
+            <a:avLst/>
+          </a:prstGeom>
+          <a:noFill/>
+        </p:spPr>
+        <p:txBody>
+          <a:bodyPr wrap="square" rtlCol="0">
+            <a:spAutoFit/>
+          </a:bodyPr>
+          <a:lstStyle/>
+          <a:p>
+            <a:pPr algn="ctr"/>
+            <a:r>
+              <a:rPr lang="es-ES" sz="800" b="1" dirty="0">
+                <a:solidFill>
+                  <a:srgbClr val="FF0000"/>
+                </a:solidFill>
+              </a:rPr>
+              <a:t>LED</a:t>
+            </a:r>
+          </a:p>
+        </p:txBody>
+      </p:sp>
+      <p:sp>
+        <p:nvSpPr>
+          <p:cNvPr id="271" name="CuadroTexto 270">
+            <a:extLst>
+              <a:ext uri="{FF2B5EF4-FFF2-40B4-BE49-F238E27FC236}">
+                <a16:creationId xmlns:a16="http://schemas.microsoft.com/office/drawing/2014/main" id="{748CE591-9F30-478D-91FD-7ADC5FFC4D6C}"/>
+              </a:ext>
+            </a:extLst>
+          </p:cNvPr>
+          <p:cNvSpPr txBox="1"/>
+          <p:nvPr/>
+        </p:nvSpPr>
+        <p:spPr>
+          <a:xfrm>
+            <a:off x="4093548" y="3329389"/>
+            <a:ext cx="571065" cy="215444"/>
+          </a:xfrm>
+          <a:prstGeom prst="rect">
+            <a:avLst/>
+          </a:prstGeom>
+          <a:noFill/>
+        </p:spPr>
+        <p:txBody>
+          <a:bodyPr wrap="square" rtlCol="0">
+            <a:spAutoFit/>
+          </a:bodyPr>
+          <a:lstStyle/>
+          <a:p>
+            <a:pPr algn="ctr"/>
+            <a:r>
+              <a:rPr lang="es-ES" sz="800" b="1" dirty="0">
+                <a:solidFill>
+                  <a:srgbClr val="FF0000"/>
+                </a:solidFill>
+              </a:rPr>
+              <a:t>DONE</a:t>
+            </a:r>
+          </a:p>
+        </p:txBody>
+      </p:sp>
     </p:spTree>
     <p:extLst>
       <p:ext uri="{BB962C8B-B14F-4D97-AF65-F5344CB8AC3E}">

--- a/Trabajo_FPGA/Memoria/Esquemas_y_Diagramas.pptx
+++ b/Trabajo_FPGA/Memoria/Esquemas_y_Diagramas.pptx
@@ -6,6 +6,7 @@
   </p:sldMasterIdLst>
   <p:sldIdLst>
     <p:sldId id="256" r:id="rId2"/>
+    <p:sldId id="257" r:id="rId3"/>
   </p:sldIdLst>
   <p:sldSz cx="12192000" cy="6858000"/>
   <p:notesSz cx="6858000" cy="9144000"/>
@@ -259,7 +260,7 @@
           <a:p>
             <a:fld id="{D06B42BD-9ADD-40B8-BE31-81CCC25D0212}" type="datetimeFigureOut">
               <a:rPr lang="es-ES" smtClean="0"/>
-              <a:t>29/12/2021</a:t>
+              <a:t>30/12/2021</a:t>
             </a:fld>
             <a:endParaRPr lang="es-ES"/>
           </a:p>
@@ -457,7 +458,7 @@
           <a:p>
             <a:fld id="{D06B42BD-9ADD-40B8-BE31-81CCC25D0212}" type="datetimeFigureOut">
               <a:rPr lang="es-ES" smtClean="0"/>
-              <a:t>29/12/2021</a:t>
+              <a:t>30/12/2021</a:t>
             </a:fld>
             <a:endParaRPr lang="es-ES"/>
           </a:p>
@@ -665,7 +666,7 @@
           <a:p>
             <a:fld id="{D06B42BD-9ADD-40B8-BE31-81CCC25D0212}" type="datetimeFigureOut">
               <a:rPr lang="es-ES" smtClean="0"/>
-              <a:t>29/12/2021</a:t>
+              <a:t>30/12/2021</a:t>
             </a:fld>
             <a:endParaRPr lang="es-ES"/>
           </a:p>
@@ -863,7 +864,7 @@
           <a:p>
             <a:fld id="{D06B42BD-9ADD-40B8-BE31-81CCC25D0212}" type="datetimeFigureOut">
               <a:rPr lang="es-ES" smtClean="0"/>
-              <a:t>29/12/2021</a:t>
+              <a:t>30/12/2021</a:t>
             </a:fld>
             <a:endParaRPr lang="es-ES"/>
           </a:p>
@@ -1138,7 +1139,7 @@
           <a:p>
             <a:fld id="{D06B42BD-9ADD-40B8-BE31-81CCC25D0212}" type="datetimeFigureOut">
               <a:rPr lang="es-ES" smtClean="0"/>
-              <a:t>29/12/2021</a:t>
+              <a:t>30/12/2021</a:t>
             </a:fld>
             <a:endParaRPr lang="es-ES"/>
           </a:p>
@@ -1403,7 +1404,7 @@
           <a:p>
             <a:fld id="{D06B42BD-9ADD-40B8-BE31-81CCC25D0212}" type="datetimeFigureOut">
               <a:rPr lang="es-ES" smtClean="0"/>
-              <a:t>29/12/2021</a:t>
+              <a:t>30/12/2021</a:t>
             </a:fld>
             <a:endParaRPr lang="es-ES"/>
           </a:p>
@@ -1815,7 +1816,7 @@
           <a:p>
             <a:fld id="{D06B42BD-9ADD-40B8-BE31-81CCC25D0212}" type="datetimeFigureOut">
               <a:rPr lang="es-ES" smtClean="0"/>
-              <a:t>29/12/2021</a:t>
+              <a:t>30/12/2021</a:t>
             </a:fld>
             <a:endParaRPr lang="es-ES"/>
           </a:p>
@@ -1956,7 +1957,7 @@
           <a:p>
             <a:fld id="{D06B42BD-9ADD-40B8-BE31-81CCC25D0212}" type="datetimeFigureOut">
               <a:rPr lang="es-ES" smtClean="0"/>
-              <a:t>29/12/2021</a:t>
+              <a:t>30/12/2021</a:t>
             </a:fld>
             <a:endParaRPr lang="es-ES"/>
           </a:p>
@@ -2069,7 +2070,7 @@
           <a:p>
             <a:fld id="{D06B42BD-9ADD-40B8-BE31-81CCC25D0212}" type="datetimeFigureOut">
               <a:rPr lang="es-ES" smtClean="0"/>
-              <a:t>29/12/2021</a:t>
+              <a:t>30/12/2021</a:t>
             </a:fld>
             <a:endParaRPr lang="es-ES"/>
           </a:p>
@@ -2380,7 +2381,7 @@
           <a:p>
             <a:fld id="{D06B42BD-9ADD-40B8-BE31-81CCC25D0212}" type="datetimeFigureOut">
               <a:rPr lang="es-ES" smtClean="0"/>
-              <a:t>29/12/2021</a:t>
+              <a:t>30/12/2021</a:t>
             </a:fld>
             <a:endParaRPr lang="es-ES"/>
           </a:p>
@@ -2668,7 +2669,7 @@
           <a:p>
             <a:fld id="{D06B42BD-9ADD-40B8-BE31-81CCC25D0212}" type="datetimeFigureOut">
               <a:rPr lang="es-ES" smtClean="0"/>
-              <a:t>29/12/2021</a:t>
+              <a:t>30/12/2021</a:t>
             </a:fld>
             <a:endParaRPr lang="es-ES"/>
           </a:p>
@@ -2909,7 +2910,7 @@
           <a:p>
             <a:fld id="{D06B42BD-9ADD-40B8-BE31-81CCC25D0212}" type="datetimeFigureOut">
               <a:rPr lang="es-ES" smtClean="0"/>
-              <a:t>29/12/2021</a:t>
+              <a:t>30/12/2021</a:t>
             </a:fld>
             <a:endParaRPr lang="es-ES"/>
           </a:p>
@@ -9029,6 +9030,1712 @@
 </p:sld>
 </file>
 
+<file path=ppt/slides/slide2.xml><?xml version="1.0" encoding="utf-8"?>
+<p:sld xmlns:a="http://schemas.openxmlformats.org/drawingml/2006/main" xmlns:r="http://schemas.openxmlformats.org/officeDocument/2006/relationships" xmlns:p="http://schemas.openxmlformats.org/presentationml/2006/main">
+  <p:cSld>
+    <p:spTree>
+      <p:nvGrpSpPr>
+        <p:cNvPr id="1" name=""/>
+        <p:cNvGrpSpPr/>
+        <p:nvPr/>
+      </p:nvGrpSpPr>
+      <p:grpSpPr>
+        <a:xfrm>
+          <a:off x="0" y="0"/>
+          <a:ext cx="0" cy="0"/>
+          <a:chOff x="0" y="0"/>
+          <a:chExt cx="0" cy="0"/>
+        </a:xfrm>
+      </p:grpSpPr>
+      <p:sp>
+        <p:nvSpPr>
+          <p:cNvPr id="5" name="Elipse 4">
+            <a:extLst>
+              <a:ext uri="{FF2B5EF4-FFF2-40B4-BE49-F238E27FC236}">
+                <a16:creationId xmlns:a16="http://schemas.microsoft.com/office/drawing/2014/main" id="{D906F763-DB7C-40F8-81B7-0307B30362C3}"/>
+              </a:ext>
+            </a:extLst>
+          </p:cNvPr>
+          <p:cNvSpPr/>
+          <p:nvPr/>
+        </p:nvSpPr>
+        <p:spPr>
+          <a:xfrm>
+            <a:off x="3152733" y="1110574"/>
+            <a:ext cx="486383" cy="408562"/>
+          </a:xfrm>
+          <a:prstGeom prst="ellipse">
+            <a:avLst/>
+          </a:prstGeom>
+          <a:noFill/>
+          <a:ln>
+            <a:solidFill>
+              <a:schemeClr val="tx1"/>
+            </a:solidFill>
+          </a:ln>
+        </p:spPr>
+        <p:style>
+          <a:lnRef idx="2">
+            <a:schemeClr val="accent1">
+              <a:shade val="50000"/>
+            </a:schemeClr>
+          </a:lnRef>
+          <a:fillRef idx="1">
+            <a:schemeClr val="accent1"/>
+          </a:fillRef>
+          <a:effectRef idx="0">
+            <a:schemeClr val="accent1"/>
+          </a:effectRef>
+          <a:fontRef idx="minor">
+            <a:schemeClr val="lt1"/>
+          </a:fontRef>
+        </p:style>
+        <p:txBody>
+          <a:bodyPr rtlCol="0" anchor="ctr"/>
+          <a:lstStyle/>
+          <a:p>
+            <a:pPr algn="ctr"/>
+            <a:endParaRPr lang="es-ES" dirty="0"/>
+          </a:p>
+        </p:txBody>
+      </p:sp>
+      <p:sp>
+        <p:nvSpPr>
+          <p:cNvPr id="6" name="Elipse 5">
+            <a:extLst>
+              <a:ext uri="{FF2B5EF4-FFF2-40B4-BE49-F238E27FC236}">
+                <a16:creationId xmlns:a16="http://schemas.microsoft.com/office/drawing/2014/main" id="{302B3FE7-4A7A-4A08-A84F-59DC5C62FD67}"/>
+              </a:ext>
+            </a:extLst>
+          </p:cNvPr>
+          <p:cNvSpPr/>
+          <p:nvPr/>
+        </p:nvSpPr>
+        <p:spPr>
+          <a:xfrm>
+            <a:off x="3152733" y="4361559"/>
+            <a:ext cx="486383" cy="408562"/>
+          </a:xfrm>
+          <a:prstGeom prst="ellipse">
+            <a:avLst/>
+          </a:prstGeom>
+          <a:noFill/>
+          <a:ln>
+            <a:solidFill>
+              <a:schemeClr val="tx1"/>
+            </a:solidFill>
+          </a:ln>
+        </p:spPr>
+        <p:style>
+          <a:lnRef idx="2">
+            <a:schemeClr val="accent1">
+              <a:shade val="50000"/>
+            </a:schemeClr>
+          </a:lnRef>
+          <a:fillRef idx="1">
+            <a:schemeClr val="accent1"/>
+          </a:fillRef>
+          <a:effectRef idx="0">
+            <a:schemeClr val="accent1"/>
+          </a:effectRef>
+          <a:fontRef idx="minor">
+            <a:schemeClr val="lt1"/>
+          </a:fontRef>
+        </p:style>
+        <p:txBody>
+          <a:bodyPr rtlCol="0" anchor="ctr"/>
+          <a:lstStyle/>
+          <a:p>
+            <a:pPr algn="ctr"/>
+            <a:endParaRPr lang="es-ES" dirty="0"/>
+          </a:p>
+        </p:txBody>
+      </p:sp>
+      <p:sp>
+        <p:nvSpPr>
+          <p:cNvPr id="7" name="Rectángulo 6">
+            <a:extLst>
+              <a:ext uri="{FF2B5EF4-FFF2-40B4-BE49-F238E27FC236}">
+                <a16:creationId xmlns:a16="http://schemas.microsoft.com/office/drawing/2014/main" id="{01C8B9A8-D749-4EF2-97EF-36C31BF9922A}"/>
+              </a:ext>
+            </a:extLst>
+          </p:cNvPr>
+          <p:cNvSpPr/>
+          <p:nvPr/>
+        </p:nvSpPr>
+        <p:spPr>
+          <a:xfrm>
+            <a:off x="2948884" y="1686560"/>
+            <a:ext cx="894080" cy="401320"/>
+          </a:xfrm>
+          <a:prstGeom prst="rect">
+            <a:avLst/>
+          </a:prstGeom>
+          <a:noFill/>
+          <a:ln>
+            <a:solidFill>
+              <a:schemeClr val="tx1"/>
+            </a:solidFill>
+          </a:ln>
+        </p:spPr>
+        <p:style>
+          <a:lnRef idx="2">
+            <a:schemeClr val="accent1">
+              <a:shade val="50000"/>
+            </a:schemeClr>
+          </a:lnRef>
+          <a:fillRef idx="1">
+            <a:schemeClr val="accent1"/>
+          </a:fillRef>
+          <a:effectRef idx="0">
+            <a:schemeClr val="accent1"/>
+          </a:effectRef>
+          <a:fontRef idx="minor">
+            <a:schemeClr val="lt1"/>
+          </a:fontRef>
+        </p:style>
+        <p:txBody>
+          <a:bodyPr rtlCol="0" anchor="ctr"/>
+          <a:lstStyle/>
+          <a:p>
+            <a:pPr algn="ctr"/>
+            <a:endParaRPr lang="es-ES"/>
+          </a:p>
+        </p:txBody>
+      </p:sp>
+      <p:sp>
+        <p:nvSpPr>
+          <p:cNvPr id="8" name="Rombo 7">
+            <a:extLst>
+              <a:ext uri="{FF2B5EF4-FFF2-40B4-BE49-F238E27FC236}">
+                <a16:creationId xmlns:a16="http://schemas.microsoft.com/office/drawing/2014/main" id="{E1B28311-D18A-4A77-8B5A-CE98107ABB82}"/>
+              </a:ext>
+            </a:extLst>
+          </p:cNvPr>
+          <p:cNvSpPr/>
+          <p:nvPr/>
+        </p:nvSpPr>
+        <p:spPr>
+          <a:xfrm>
+            <a:off x="2973042" y="2255304"/>
+            <a:ext cx="845764" cy="401320"/>
+          </a:xfrm>
+          <a:prstGeom prst="diamond">
+            <a:avLst/>
+          </a:prstGeom>
+          <a:noFill/>
+          <a:ln>
+            <a:solidFill>
+              <a:schemeClr val="tx1"/>
+            </a:solidFill>
+          </a:ln>
+        </p:spPr>
+        <p:style>
+          <a:lnRef idx="2">
+            <a:schemeClr val="accent1">
+              <a:shade val="50000"/>
+            </a:schemeClr>
+          </a:lnRef>
+          <a:fillRef idx="1">
+            <a:schemeClr val="accent1"/>
+          </a:fillRef>
+          <a:effectRef idx="0">
+            <a:schemeClr val="accent1"/>
+          </a:effectRef>
+          <a:fontRef idx="minor">
+            <a:schemeClr val="lt1"/>
+          </a:fontRef>
+        </p:style>
+        <p:txBody>
+          <a:bodyPr rtlCol="0" anchor="ctr"/>
+          <a:lstStyle/>
+          <a:p>
+            <a:pPr algn="ctr"/>
+            <a:endParaRPr lang="es-ES"/>
+          </a:p>
+        </p:txBody>
+      </p:sp>
+      <p:sp>
+        <p:nvSpPr>
+          <p:cNvPr id="9" name="Rombo 8">
+            <a:extLst>
+              <a:ext uri="{FF2B5EF4-FFF2-40B4-BE49-F238E27FC236}">
+                <a16:creationId xmlns:a16="http://schemas.microsoft.com/office/drawing/2014/main" id="{BA24BF87-E04D-4E18-B6F3-44E5DEBCE954}"/>
+              </a:ext>
+            </a:extLst>
+          </p:cNvPr>
+          <p:cNvSpPr/>
+          <p:nvPr/>
+        </p:nvSpPr>
+        <p:spPr>
+          <a:xfrm>
+            <a:off x="1777519" y="3205480"/>
+            <a:ext cx="845764" cy="401320"/>
+          </a:xfrm>
+          <a:prstGeom prst="diamond">
+            <a:avLst/>
+          </a:prstGeom>
+          <a:noFill/>
+          <a:ln>
+            <a:solidFill>
+              <a:schemeClr val="tx1"/>
+            </a:solidFill>
+          </a:ln>
+        </p:spPr>
+        <p:style>
+          <a:lnRef idx="2">
+            <a:schemeClr val="accent1">
+              <a:shade val="50000"/>
+            </a:schemeClr>
+          </a:lnRef>
+          <a:fillRef idx="1">
+            <a:schemeClr val="accent1"/>
+          </a:fillRef>
+          <a:effectRef idx="0">
+            <a:schemeClr val="accent1"/>
+          </a:effectRef>
+          <a:fontRef idx="minor">
+            <a:schemeClr val="lt1"/>
+          </a:fontRef>
+        </p:style>
+        <p:txBody>
+          <a:bodyPr rtlCol="0" anchor="ctr"/>
+          <a:lstStyle/>
+          <a:p>
+            <a:pPr algn="ctr"/>
+            <a:endParaRPr lang="es-ES"/>
+          </a:p>
+        </p:txBody>
+      </p:sp>
+      <p:sp>
+        <p:nvSpPr>
+          <p:cNvPr id="10" name="Rombo 9">
+            <a:extLst>
+              <a:ext uri="{FF2B5EF4-FFF2-40B4-BE49-F238E27FC236}">
+                <a16:creationId xmlns:a16="http://schemas.microsoft.com/office/drawing/2014/main" id="{7F767B62-70F7-40AE-A127-1A87840C1A63}"/>
+              </a:ext>
+            </a:extLst>
+          </p:cNvPr>
+          <p:cNvSpPr/>
+          <p:nvPr/>
+        </p:nvSpPr>
+        <p:spPr>
+          <a:xfrm>
+            <a:off x="4168565" y="3205480"/>
+            <a:ext cx="845764" cy="401320"/>
+          </a:xfrm>
+          <a:prstGeom prst="diamond">
+            <a:avLst/>
+          </a:prstGeom>
+          <a:noFill/>
+          <a:ln>
+            <a:solidFill>
+              <a:schemeClr val="tx1"/>
+            </a:solidFill>
+          </a:ln>
+        </p:spPr>
+        <p:style>
+          <a:lnRef idx="2">
+            <a:schemeClr val="accent1">
+              <a:shade val="50000"/>
+            </a:schemeClr>
+          </a:lnRef>
+          <a:fillRef idx="1">
+            <a:schemeClr val="accent1"/>
+          </a:fillRef>
+          <a:effectRef idx="0">
+            <a:schemeClr val="accent1"/>
+          </a:effectRef>
+          <a:fontRef idx="minor">
+            <a:schemeClr val="lt1"/>
+          </a:fontRef>
+        </p:style>
+        <p:txBody>
+          <a:bodyPr rtlCol="0" anchor="ctr"/>
+          <a:lstStyle/>
+          <a:p>
+            <a:pPr algn="ctr"/>
+            <a:endParaRPr lang="es-ES"/>
+          </a:p>
+        </p:txBody>
+      </p:sp>
+      <p:sp>
+        <p:nvSpPr>
+          <p:cNvPr id="12" name="Rectángulo 11">
+            <a:extLst>
+              <a:ext uri="{FF2B5EF4-FFF2-40B4-BE49-F238E27FC236}">
+                <a16:creationId xmlns:a16="http://schemas.microsoft.com/office/drawing/2014/main" id="{6CD6DBC5-3929-429F-AB13-159B987536F5}"/>
+              </a:ext>
+            </a:extLst>
+          </p:cNvPr>
+          <p:cNvSpPr/>
+          <p:nvPr/>
+        </p:nvSpPr>
+        <p:spPr>
+          <a:xfrm>
+            <a:off x="4212282" y="2656624"/>
+            <a:ext cx="758330" cy="218440"/>
+          </a:xfrm>
+          <a:prstGeom prst="rect">
+            <a:avLst/>
+          </a:prstGeom>
+          <a:noFill/>
+          <a:ln>
+            <a:solidFill>
+              <a:schemeClr val="tx1"/>
+            </a:solidFill>
+          </a:ln>
+        </p:spPr>
+        <p:style>
+          <a:lnRef idx="2">
+            <a:schemeClr val="accent1">
+              <a:shade val="50000"/>
+            </a:schemeClr>
+          </a:lnRef>
+          <a:fillRef idx="1">
+            <a:schemeClr val="accent1"/>
+          </a:fillRef>
+          <a:effectRef idx="0">
+            <a:schemeClr val="accent1"/>
+          </a:effectRef>
+          <a:fontRef idx="minor">
+            <a:schemeClr val="lt1"/>
+          </a:fontRef>
+        </p:style>
+        <p:txBody>
+          <a:bodyPr rtlCol="0" anchor="ctr"/>
+          <a:lstStyle/>
+          <a:p>
+            <a:pPr algn="ctr"/>
+            <a:endParaRPr lang="es-ES"/>
+          </a:p>
+        </p:txBody>
+      </p:sp>
+      <p:sp>
+        <p:nvSpPr>
+          <p:cNvPr id="13" name="Rectángulo 12">
+            <a:extLst>
+              <a:ext uri="{FF2B5EF4-FFF2-40B4-BE49-F238E27FC236}">
+                <a16:creationId xmlns:a16="http://schemas.microsoft.com/office/drawing/2014/main" id="{E862E451-56CD-4ABE-BAB0-C4DA16CD2C7D}"/>
+              </a:ext>
+            </a:extLst>
+          </p:cNvPr>
+          <p:cNvSpPr/>
+          <p:nvPr/>
+        </p:nvSpPr>
+        <p:spPr>
+          <a:xfrm>
+            <a:off x="1821236" y="2651328"/>
+            <a:ext cx="758330" cy="218440"/>
+          </a:xfrm>
+          <a:prstGeom prst="rect">
+            <a:avLst/>
+          </a:prstGeom>
+          <a:noFill/>
+          <a:ln>
+            <a:solidFill>
+              <a:schemeClr val="tx1"/>
+            </a:solidFill>
+          </a:ln>
+        </p:spPr>
+        <p:style>
+          <a:lnRef idx="2">
+            <a:schemeClr val="accent1">
+              <a:shade val="50000"/>
+            </a:schemeClr>
+          </a:lnRef>
+          <a:fillRef idx="1">
+            <a:schemeClr val="accent1"/>
+          </a:fillRef>
+          <a:effectRef idx="0">
+            <a:schemeClr val="accent1"/>
+          </a:effectRef>
+          <a:fontRef idx="minor">
+            <a:schemeClr val="lt1"/>
+          </a:fontRef>
+        </p:style>
+        <p:txBody>
+          <a:bodyPr rtlCol="0" anchor="ctr"/>
+          <a:lstStyle/>
+          <a:p>
+            <a:pPr algn="ctr"/>
+            <a:endParaRPr lang="es-ES"/>
+          </a:p>
+        </p:txBody>
+      </p:sp>
+      <p:sp>
+        <p:nvSpPr>
+          <p:cNvPr id="14" name="Rectángulo 13">
+            <a:extLst>
+              <a:ext uri="{FF2B5EF4-FFF2-40B4-BE49-F238E27FC236}">
+                <a16:creationId xmlns:a16="http://schemas.microsoft.com/office/drawing/2014/main" id="{4A03112D-C333-4694-9424-90CA986086F8}"/>
+              </a:ext>
+            </a:extLst>
+          </p:cNvPr>
+          <p:cNvSpPr/>
+          <p:nvPr/>
+        </p:nvSpPr>
+        <p:spPr>
+          <a:xfrm>
+            <a:off x="2394403" y="3942512"/>
+            <a:ext cx="758330" cy="218440"/>
+          </a:xfrm>
+          <a:prstGeom prst="rect">
+            <a:avLst/>
+          </a:prstGeom>
+          <a:noFill/>
+          <a:ln>
+            <a:solidFill>
+              <a:schemeClr val="tx1"/>
+            </a:solidFill>
+          </a:ln>
+        </p:spPr>
+        <p:style>
+          <a:lnRef idx="2">
+            <a:schemeClr val="accent1">
+              <a:shade val="50000"/>
+            </a:schemeClr>
+          </a:lnRef>
+          <a:fillRef idx="1">
+            <a:schemeClr val="accent1"/>
+          </a:fillRef>
+          <a:effectRef idx="0">
+            <a:schemeClr val="accent1"/>
+          </a:effectRef>
+          <a:fontRef idx="minor">
+            <a:schemeClr val="lt1"/>
+          </a:fontRef>
+        </p:style>
+        <p:txBody>
+          <a:bodyPr rtlCol="0" anchor="ctr"/>
+          <a:lstStyle/>
+          <a:p>
+            <a:pPr algn="ctr"/>
+            <a:endParaRPr lang="es-ES"/>
+          </a:p>
+        </p:txBody>
+      </p:sp>
+      <p:sp>
+        <p:nvSpPr>
+          <p:cNvPr id="15" name="Rectángulo 14">
+            <a:extLst>
+              <a:ext uri="{FF2B5EF4-FFF2-40B4-BE49-F238E27FC236}">
+                <a16:creationId xmlns:a16="http://schemas.microsoft.com/office/drawing/2014/main" id="{1A6F49DC-E8B3-4325-A3B8-E9201E87E367}"/>
+              </a:ext>
+            </a:extLst>
+          </p:cNvPr>
+          <p:cNvSpPr/>
+          <p:nvPr/>
+        </p:nvSpPr>
+        <p:spPr>
+          <a:xfrm>
+            <a:off x="3639116" y="3942512"/>
+            <a:ext cx="758330" cy="218440"/>
+          </a:xfrm>
+          <a:prstGeom prst="rect">
+            <a:avLst/>
+          </a:prstGeom>
+          <a:noFill/>
+          <a:ln>
+            <a:solidFill>
+              <a:schemeClr val="tx1"/>
+            </a:solidFill>
+          </a:ln>
+        </p:spPr>
+        <p:style>
+          <a:lnRef idx="2">
+            <a:schemeClr val="accent1">
+              <a:shade val="50000"/>
+            </a:schemeClr>
+          </a:lnRef>
+          <a:fillRef idx="1">
+            <a:schemeClr val="accent1"/>
+          </a:fillRef>
+          <a:effectRef idx="0">
+            <a:schemeClr val="accent1"/>
+          </a:effectRef>
+          <a:fontRef idx="minor">
+            <a:schemeClr val="lt1"/>
+          </a:fontRef>
+        </p:style>
+        <p:txBody>
+          <a:bodyPr rtlCol="0" anchor="ctr"/>
+          <a:lstStyle/>
+          <a:p>
+            <a:pPr algn="ctr"/>
+            <a:endParaRPr lang="es-ES"/>
+          </a:p>
+        </p:txBody>
+      </p:sp>
+      <p:cxnSp>
+        <p:nvCxnSpPr>
+          <p:cNvPr id="17" name="Conector recto de flecha 16">
+            <a:extLst>
+              <a:ext uri="{FF2B5EF4-FFF2-40B4-BE49-F238E27FC236}">
+                <a16:creationId xmlns:a16="http://schemas.microsoft.com/office/drawing/2014/main" id="{181DE912-8AD0-44DA-896D-5F593A9D593C}"/>
+              </a:ext>
+            </a:extLst>
+          </p:cNvPr>
+          <p:cNvCxnSpPr>
+            <a:stCxn id="5" idx="4"/>
+            <a:endCxn id="7" idx="0"/>
+          </p:cNvCxnSpPr>
+          <p:nvPr/>
+        </p:nvCxnSpPr>
+        <p:spPr>
+          <a:xfrm flipH="1">
+            <a:off x="3395924" y="1519136"/>
+            <a:ext cx="1" cy="167424"/>
+          </a:xfrm>
+          <a:prstGeom prst="straightConnector1">
+            <a:avLst/>
+          </a:prstGeom>
+          <a:ln w="12700">
+            <a:solidFill>
+              <a:schemeClr val="tx1"/>
+            </a:solidFill>
+            <a:tailEnd type="triangle"/>
+          </a:ln>
+        </p:spPr>
+        <p:style>
+          <a:lnRef idx="1">
+            <a:schemeClr val="accent1"/>
+          </a:lnRef>
+          <a:fillRef idx="0">
+            <a:schemeClr val="accent1"/>
+          </a:fillRef>
+          <a:effectRef idx="0">
+            <a:schemeClr val="accent1"/>
+          </a:effectRef>
+          <a:fontRef idx="minor">
+            <a:schemeClr val="tx1"/>
+          </a:fontRef>
+        </p:style>
+      </p:cxnSp>
+      <p:cxnSp>
+        <p:nvCxnSpPr>
+          <p:cNvPr id="18" name="Conector recto de flecha 17">
+            <a:extLst>
+              <a:ext uri="{FF2B5EF4-FFF2-40B4-BE49-F238E27FC236}">
+                <a16:creationId xmlns:a16="http://schemas.microsoft.com/office/drawing/2014/main" id="{259274CD-D642-4CDC-90B3-6EAA3382B691}"/>
+              </a:ext>
+            </a:extLst>
+          </p:cNvPr>
+          <p:cNvCxnSpPr>
+            <a:cxnSpLocks/>
+            <a:stCxn id="7" idx="2"/>
+            <a:endCxn id="8" idx="0"/>
+          </p:cNvCxnSpPr>
+          <p:nvPr/>
+        </p:nvCxnSpPr>
+        <p:spPr>
+          <a:xfrm>
+            <a:off x="3395924" y="2087880"/>
+            <a:ext cx="0" cy="167424"/>
+          </a:xfrm>
+          <a:prstGeom prst="straightConnector1">
+            <a:avLst/>
+          </a:prstGeom>
+          <a:ln w="12700">
+            <a:solidFill>
+              <a:schemeClr val="tx1"/>
+            </a:solidFill>
+            <a:tailEnd type="triangle"/>
+          </a:ln>
+        </p:spPr>
+        <p:style>
+          <a:lnRef idx="1">
+            <a:schemeClr val="accent1"/>
+          </a:lnRef>
+          <a:fillRef idx="0">
+            <a:schemeClr val="accent1"/>
+          </a:fillRef>
+          <a:effectRef idx="0">
+            <a:schemeClr val="accent1"/>
+          </a:effectRef>
+          <a:fontRef idx="minor">
+            <a:schemeClr val="tx1"/>
+          </a:fontRef>
+        </p:style>
+      </p:cxnSp>
+      <p:cxnSp>
+        <p:nvCxnSpPr>
+          <p:cNvPr id="21" name="Conector recto de flecha 20">
+            <a:extLst>
+              <a:ext uri="{FF2B5EF4-FFF2-40B4-BE49-F238E27FC236}">
+                <a16:creationId xmlns:a16="http://schemas.microsoft.com/office/drawing/2014/main" id="{E8B69C2C-8A97-4517-B90D-B3D17D2306A4}"/>
+              </a:ext>
+            </a:extLst>
+          </p:cNvPr>
+          <p:cNvCxnSpPr>
+            <a:cxnSpLocks/>
+            <a:stCxn id="12" idx="2"/>
+            <a:endCxn id="10" idx="0"/>
+          </p:cNvCxnSpPr>
+          <p:nvPr/>
+        </p:nvCxnSpPr>
+        <p:spPr>
+          <a:xfrm>
+            <a:off x="4591447" y="2875064"/>
+            <a:ext cx="0" cy="330416"/>
+          </a:xfrm>
+          <a:prstGeom prst="straightConnector1">
+            <a:avLst/>
+          </a:prstGeom>
+          <a:ln w="12700">
+            <a:solidFill>
+              <a:schemeClr val="tx1"/>
+            </a:solidFill>
+            <a:tailEnd type="triangle"/>
+          </a:ln>
+        </p:spPr>
+        <p:style>
+          <a:lnRef idx="1">
+            <a:schemeClr val="accent1"/>
+          </a:lnRef>
+          <a:fillRef idx="0">
+            <a:schemeClr val="accent1"/>
+          </a:fillRef>
+          <a:effectRef idx="0">
+            <a:schemeClr val="accent1"/>
+          </a:effectRef>
+          <a:fontRef idx="minor">
+            <a:schemeClr val="tx1"/>
+          </a:fontRef>
+        </p:style>
+      </p:cxnSp>
+      <p:cxnSp>
+        <p:nvCxnSpPr>
+          <p:cNvPr id="25" name="Conector recto de flecha 24">
+            <a:extLst>
+              <a:ext uri="{FF2B5EF4-FFF2-40B4-BE49-F238E27FC236}">
+                <a16:creationId xmlns:a16="http://schemas.microsoft.com/office/drawing/2014/main" id="{DCC65BA1-44F4-4437-83A7-D143FC3DEC44}"/>
+              </a:ext>
+            </a:extLst>
+          </p:cNvPr>
+          <p:cNvCxnSpPr>
+            <a:cxnSpLocks/>
+            <a:stCxn id="13" idx="2"/>
+            <a:endCxn id="9" idx="0"/>
+          </p:cNvCxnSpPr>
+          <p:nvPr/>
+        </p:nvCxnSpPr>
+        <p:spPr>
+          <a:xfrm>
+            <a:off x="2200401" y="2869768"/>
+            <a:ext cx="0" cy="335712"/>
+          </a:xfrm>
+          <a:prstGeom prst="straightConnector1">
+            <a:avLst/>
+          </a:prstGeom>
+          <a:ln w="12700">
+            <a:solidFill>
+              <a:schemeClr val="tx1"/>
+            </a:solidFill>
+            <a:tailEnd type="triangle"/>
+          </a:ln>
+        </p:spPr>
+        <p:style>
+          <a:lnRef idx="1">
+            <a:schemeClr val="accent1"/>
+          </a:lnRef>
+          <a:fillRef idx="0">
+            <a:schemeClr val="accent1"/>
+          </a:fillRef>
+          <a:effectRef idx="0">
+            <a:schemeClr val="accent1"/>
+          </a:effectRef>
+          <a:fontRef idx="minor">
+            <a:schemeClr val="tx1"/>
+          </a:fontRef>
+        </p:style>
+      </p:cxnSp>
+      <p:cxnSp>
+        <p:nvCxnSpPr>
+          <p:cNvPr id="29" name="Conector: angular 28">
+            <a:extLst>
+              <a:ext uri="{FF2B5EF4-FFF2-40B4-BE49-F238E27FC236}">
+                <a16:creationId xmlns:a16="http://schemas.microsoft.com/office/drawing/2014/main" id="{BF42F163-7C6F-4199-8BC1-79D2B2584D17}"/>
+              </a:ext>
+            </a:extLst>
+          </p:cNvPr>
+          <p:cNvCxnSpPr>
+            <a:stCxn id="8" idx="3"/>
+            <a:endCxn id="12" idx="0"/>
+          </p:cNvCxnSpPr>
+          <p:nvPr/>
+        </p:nvCxnSpPr>
+        <p:spPr>
+          <a:xfrm>
+            <a:off x="3818806" y="2455964"/>
+            <a:ext cx="772641" cy="200660"/>
+          </a:xfrm>
+          <a:prstGeom prst="bentConnector2">
+            <a:avLst/>
+          </a:prstGeom>
+          <a:ln w="12700">
+            <a:solidFill>
+              <a:schemeClr val="tx1"/>
+            </a:solidFill>
+            <a:tailEnd type="triangle"/>
+          </a:ln>
+        </p:spPr>
+        <p:style>
+          <a:lnRef idx="1">
+            <a:schemeClr val="accent1"/>
+          </a:lnRef>
+          <a:fillRef idx="0">
+            <a:schemeClr val="accent1"/>
+          </a:fillRef>
+          <a:effectRef idx="0">
+            <a:schemeClr val="accent1"/>
+          </a:effectRef>
+          <a:fontRef idx="minor">
+            <a:schemeClr val="tx1"/>
+          </a:fontRef>
+        </p:style>
+      </p:cxnSp>
+      <p:cxnSp>
+        <p:nvCxnSpPr>
+          <p:cNvPr id="30" name="Conector: angular 29">
+            <a:extLst>
+              <a:ext uri="{FF2B5EF4-FFF2-40B4-BE49-F238E27FC236}">
+                <a16:creationId xmlns:a16="http://schemas.microsoft.com/office/drawing/2014/main" id="{E93AD4AF-A3DF-4C2E-B9EA-00160725B365}"/>
+              </a:ext>
+            </a:extLst>
+          </p:cNvPr>
+          <p:cNvCxnSpPr>
+            <a:cxnSpLocks/>
+            <a:stCxn id="8" idx="1"/>
+            <a:endCxn id="13" idx="0"/>
+          </p:cNvCxnSpPr>
+          <p:nvPr/>
+        </p:nvCxnSpPr>
+        <p:spPr>
+          <a:xfrm rot="10800000" flipV="1">
+            <a:off x="2200402" y="2455964"/>
+            <a:ext cx="772641" cy="195364"/>
+          </a:xfrm>
+          <a:prstGeom prst="bentConnector2">
+            <a:avLst/>
+          </a:prstGeom>
+          <a:ln w="12700">
+            <a:solidFill>
+              <a:schemeClr val="tx1"/>
+            </a:solidFill>
+            <a:tailEnd type="triangle"/>
+          </a:ln>
+        </p:spPr>
+        <p:style>
+          <a:lnRef idx="1">
+            <a:schemeClr val="accent1"/>
+          </a:lnRef>
+          <a:fillRef idx="0">
+            <a:schemeClr val="accent1"/>
+          </a:fillRef>
+          <a:effectRef idx="0">
+            <a:schemeClr val="accent1"/>
+          </a:effectRef>
+          <a:fontRef idx="minor">
+            <a:schemeClr val="tx1"/>
+          </a:fontRef>
+        </p:style>
+      </p:cxnSp>
+      <p:cxnSp>
+        <p:nvCxnSpPr>
+          <p:cNvPr id="33" name="Conector: angular 32">
+            <a:extLst>
+              <a:ext uri="{FF2B5EF4-FFF2-40B4-BE49-F238E27FC236}">
+                <a16:creationId xmlns:a16="http://schemas.microsoft.com/office/drawing/2014/main" id="{3A614E9A-EC02-4C7F-8B0B-1AC0DC3D998F}"/>
+              </a:ext>
+            </a:extLst>
+          </p:cNvPr>
+          <p:cNvCxnSpPr>
+            <a:cxnSpLocks/>
+            <a:stCxn id="9" idx="3"/>
+            <a:endCxn id="14" idx="0"/>
+          </p:cNvCxnSpPr>
+          <p:nvPr/>
+        </p:nvCxnSpPr>
+        <p:spPr>
+          <a:xfrm>
+            <a:off x="2623283" y="3406140"/>
+            <a:ext cx="150285" cy="536372"/>
+          </a:xfrm>
+          <a:prstGeom prst="bentConnector2">
+            <a:avLst/>
+          </a:prstGeom>
+          <a:ln w="12700">
+            <a:solidFill>
+              <a:schemeClr val="tx1"/>
+            </a:solidFill>
+            <a:tailEnd type="triangle"/>
+          </a:ln>
+        </p:spPr>
+        <p:style>
+          <a:lnRef idx="1">
+            <a:schemeClr val="accent1"/>
+          </a:lnRef>
+          <a:fillRef idx="0">
+            <a:schemeClr val="accent1"/>
+          </a:fillRef>
+          <a:effectRef idx="0">
+            <a:schemeClr val="accent1"/>
+          </a:effectRef>
+          <a:fontRef idx="minor">
+            <a:schemeClr val="tx1"/>
+          </a:fontRef>
+        </p:style>
+      </p:cxnSp>
+      <p:cxnSp>
+        <p:nvCxnSpPr>
+          <p:cNvPr id="36" name="Conector: angular 35">
+            <a:extLst>
+              <a:ext uri="{FF2B5EF4-FFF2-40B4-BE49-F238E27FC236}">
+                <a16:creationId xmlns:a16="http://schemas.microsoft.com/office/drawing/2014/main" id="{5DABCA73-67BF-4B2F-AE24-E91D33D1FC26}"/>
+              </a:ext>
+            </a:extLst>
+          </p:cNvPr>
+          <p:cNvCxnSpPr>
+            <a:cxnSpLocks/>
+            <a:stCxn id="10" idx="1"/>
+            <a:endCxn id="15" idx="0"/>
+          </p:cNvCxnSpPr>
+          <p:nvPr/>
+        </p:nvCxnSpPr>
+        <p:spPr>
+          <a:xfrm rot="10800000" flipV="1">
+            <a:off x="4018281" y="3406140"/>
+            <a:ext cx="150284" cy="536372"/>
+          </a:xfrm>
+          <a:prstGeom prst="bentConnector2">
+            <a:avLst/>
+          </a:prstGeom>
+          <a:ln w="12700">
+            <a:solidFill>
+              <a:schemeClr val="tx1"/>
+            </a:solidFill>
+            <a:tailEnd type="triangle"/>
+          </a:ln>
+        </p:spPr>
+        <p:style>
+          <a:lnRef idx="1">
+            <a:schemeClr val="accent1"/>
+          </a:lnRef>
+          <a:fillRef idx="0">
+            <a:schemeClr val="accent1"/>
+          </a:fillRef>
+          <a:effectRef idx="0">
+            <a:schemeClr val="accent1"/>
+          </a:effectRef>
+          <a:fontRef idx="minor">
+            <a:schemeClr val="tx1"/>
+          </a:fontRef>
+        </p:style>
+      </p:cxnSp>
+      <p:cxnSp>
+        <p:nvCxnSpPr>
+          <p:cNvPr id="39" name="Conector: angular 38">
+            <a:extLst>
+              <a:ext uri="{FF2B5EF4-FFF2-40B4-BE49-F238E27FC236}">
+                <a16:creationId xmlns:a16="http://schemas.microsoft.com/office/drawing/2014/main" id="{FC87391F-A522-4F6A-AF6D-272D2143F298}"/>
+              </a:ext>
+            </a:extLst>
+          </p:cNvPr>
+          <p:cNvCxnSpPr>
+            <a:cxnSpLocks/>
+            <a:stCxn id="15" idx="2"/>
+            <a:endCxn id="6" idx="0"/>
+          </p:cNvCxnSpPr>
+          <p:nvPr/>
+        </p:nvCxnSpPr>
+        <p:spPr>
+          <a:xfrm rot="5400000">
+            <a:off x="3606800" y="3950077"/>
+            <a:ext cx="200607" cy="622356"/>
+          </a:xfrm>
+          <a:prstGeom prst="bentConnector3">
+            <a:avLst>
+              <a:gd name="adj1" fmla="val 50000"/>
+            </a:avLst>
+          </a:prstGeom>
+          <a:ln w="12700">
+            <a:solidFill>
+              <a:schemeClr val="tx1"/>
+            </a:solidFill>
+            <a:tailEnd type="triangle"/>
+          </a:ln>
+        </p:spPr>
+        <p:style>
+          <a:lnRef idx="1">
+            <a:schemeClr val="accent1"/>
+          </a:lnRef>
+          <a:fillRef idx="0">
+            <a:schemeClr val="accent1"/>
+          </a:fillRef>
+          <a:effectRef idx="0">
+            <a:schemeClr val="accent1"/>
+          </a:effectRef>
+          <a:fontRef idx="minor">
+            <a:schemeClr val="tx1"/>
+          </a:fontRef>
+        </p:style>
+      </p:cxnSp>
+      <p:cxnSp>
+        <p:nvCxnSpPr>
+          <p:cNvPr id="42" name="Conector: angular 41">
+            <a:extLst>
+              <a:ext uri="{FF2B5EF4-FFF2-40B4-BE49-F238E27FC236}">
+                <a16:creationId xmlns:a16="http://schemas.microsoft.com/office/drawing/2014/main" id="{EFAC1F07-07EC-44CE-912F-E8C982F2E8BC}"/>
+              </a:ext>
+            </a:extLst>
+          </p:cNvPr>
+          <p:cNvCxnSpPr>
+            <a:cxnSpLocks/>
+            <a:stCxn id="14" idx="2"/>
+            <a:endCxn id="6" idx="0"/>
+          </p:cNvCxnSpPr>
+          <p:nvPr/>
+        </p:nvCxnSpPr>
+        <p:spPr>
+          <a:xfrm rot="16200000" flipH="1">
+            <a:off x="2984443" y="3950076"/>
+            <a:ext cx="200607" cy="622357"/>
+          </a:xfrm>
+          <a:prstGeom prst="bentConnector3">
+            <a:avLst>
+              <a:gd name="adj1" fmla="val 50000"/>
+            </a:avLst>
+          </a:prstGeom>
+          <a:ln w="12700">
+            <a:solidFill>
+              <a:schemeClr val="tx1"/>
+            </a:solidFill>
+            <a:tailEnd type="triangle"/>
+          </a:ln>
+        </p:spPr>
+        <p:style>
+          <a:lnRef idx="1">
+            <a:schemeClr val="accent1"/>
+          </a:lnRef>
+          <a:fillRef idx="0">
+            <a:schemeClr val="accent1"/>
+          </a:fillRef>
+          <a:effectRef idx="0">
+            <a:schemeClr val="accent1"/>
+          </a:effectRef>
+          <a:fontRef idx="minor">
+            <a:schemeClr val="tx1"/>
+          </a:fontRef>
+        </p:style>
+      </p:cxnSp>
+      <p:cxnSp>
+        <p:nvCxnSpPr>
+          <p:cNvPr id="45" name="Conector: angular 44">
+            <a:extLst>
+              <a:ext uri="{FF2B5EF4-FFF2-40B4-BE49-F238E27FC236}">
+                <a16:creationId xmlns:a16="http://schemas.microsoft.com/office/drawing/2014/main" id="{676C4E62-AF75-43D0-B8F5-61038E317A35}"/>
+              </a:ext>
+            </a:extLst>
+          </p:cNvPr>
+          <p:cNvCxnSpPr>
+            <a:cxnSpLocks/>
+            <a:stCxn id="9" idx="1"/>
+          </p:cNvCxnSpPr>
+          <p:nvPr/>
+        </p:nvCxnSpPr>
+        <p:spPr>
+          <a:xfrm rot="10800000" flipH="1">
+            <a:off x="1777518" y="2139086"/>
+            <a:ext cx="1618405" cy="1267054"/>
+          </a:xfrm>
+          <a:prstGeom prst="bentConnector3">
+            <a:avLst>
+              <a:gd name="adj1" fmla="val -14125"/>
+            </a:avLst>
+          </a:prstGeom>
+          <a:ln w="12700">
+            <a:solidFill>
+              <a:schemeClr val="tx1"/>
+            </a:solidFill>
+            <a:tailEnd type="triangle"/>
+          </a:ln>
+        </p:spPr>
+        <p:style>
+          <a:lnRef idx="1">
+            <a:schemeClr val="accent1"/>
+          </a:lnRef>
+          <a:fillRef idx="0">
+            <a:schemeClr val="accent1"/>
+          </a:fillRef>
+          <a:effectRef idx="0">
+            <a:schemeClr val="accent1"/>
+          </a:effectRef>
+          <a:fontRef idx="minor">
+            <a:schemeClr val="tx1"/>
+          </a:fontRef>
+        </p:style>
+      </p:cxnSp>
+      <p:cxnSp>
+        <p:nvCxnSpPr>
+          <p:cNvPr id="48" name="Conector: angular 47">
+            <a:extLst>
+              <a:ext uri="{FF2B5EF4-FFF2-40B4-BE49-F238E27FC236}">
+                <a16:creationId xmlns:a16="http://schemas.microsoft.com/office/drawing/2014/main" id="{FB53E650-745C-47C2-8248-B8851124FC1D}"/>
+              </a:ext>
+            </a:extLst>
+          </p:cNvPr>
+          <p:cNvCxnSpPr>
+            <a:cxnSpLocks/>
+            <a:stCxn id="10" idx="3"/>
+          </p:cNvCxnSpPr>
+          <p:nvPr/>
+        </p:nvCxnSpPr>
+        <p:spPr>
+          <a:xfrm flipH="1" flipV="1">
+            <a:off x="3395923" y="2139086"/>
+            <a:ext cx="1618406" cy="1267054"/>
+          </a:xfrm>
+          <a:prstGeom prst="bentConnector3">
+            <a:avLst>
+              <a:gd name="adj1" fmla="val -14125"/>
+            </a:avLst>
+          </a:prstGeom>
+          <a:ln w="12700">
+            <a:solidFill>
+              <a:schemeClr val="tx1"/>
+            </a:solidFill>
+            <a:tailEnd type="triangle"/>
+          </a:ln>
+        </p:spPr>
+        <p:style>
+          <a:lnRef idx="1">
+            <a:schemeClr val="accent1"/>
+          </a:lnRef>
+          <a:fillRef idx="0">
+            <a:schemeClr val="accent1"/>
+          </a:fillRef>
+          <a:effectRef idx="0">
+            <a:schemeClr val="accent1"/>
+          </a:effectRef>
+          <a:fontRef idx="minor">
+            <a:schemeClr val="tx1"/>
+          </a:fontRef>
+        </p:style>
+      </p:cxnSp>
+      <p:sp>
+        <p:nvSpPr>
+          <p:cNvPr id="51" name="CuadroTexto 50">
+            <a:extLst>
+              <a:ext uri="{FF2B5EF4-FFF2-40B4-BE49-F238E27FC236}">
+                <a16:creationId xmlns:a16="http://schemas.microsoft.com/office/drawing/2014/main" id="{7BBE9817-62DA-49F3-9882-DA686436B025}"/>
+              </a:ext>
+            </a:extLst>
+          </p:cNvPr>
+          <p:cNvSpPr txBox="1"/>
+          <p:nvPr/>
+        </p:nvSpPr>
+        <p:spPr>
+          <a:xfrm>
+            <a:off x="2866149" y="1713487"/>
+            <a:ext cx="1059548" cy="338554"/>
+          </a:xfrm>
+          <a:prstGeom prst="rect">
+            <a:avLst/>
+          </a:prstGeom>
+          <a:noFill/>
+        </p:spPr>
+        <p:txBody>
+          <a:bodyPr wrap="square" rtlCol="0">
+            <a:spAutoFit/>
+          </a:bodyPr>
+          <a:lstStyle/>
+          <a:p>
+            <a:pPr algn="ctr"/>
+            <a:r>
+              <a:rPr lang="es-ES" sz="800" b="1" dirty="0"/>
+              <a:t>Generación de secuencia aleatoria</a:t>
+            </a:r>
+          </a:p>
+        </p:txBody>
+      </p:sp>
+      <p:sp>
+        <p:nvSpPr>
+          <p:cNvPr id="52" name="CuadroTexto 51">
+            <a:extLst>
+              <a:ext uri="{FF2B5EF4-FFF2-40B4-BE49-F238E27FC236}">
+                <a16:creationId xmlns:a16="http://schemas.microsoft.com/office/drawing/2014/main" id="{29D8B5C1-F2AA-4D28-897D-0103796FBF61}"/>
+              </a:ext>
+            </a:extLst>
+          </p:cNvPr>
+          <p:cNvSpPr txBox="1"/>
+          <p:nvPr/>
+        </p:nvSpPr>
+        <p:spPr>
+          <a:xfrm>
+            <a:off x="2866149" y="1204955"/>
+            <a:ext cx="1059548" cy="215444"/>
+          </a:xfrm>
+          <a:prstGeom prst="rect">
+            <a:avLst/>
+          </a:prstGeom>
+          <a:noFill/>
+        </p:spPr>
+        <p:txBody>
+          <a:bodyPr wrap="square" rtlCol="0">
+            <a:spAutoFit/>
+          </a:bodyPr>
+          <a:lstStyle/>
+          <a:p>
+            <a:pPr algn="ctr"/>
+            <a:r>
+              <a:rPr lang="es-ES" sz="800" b="1" dirty="0"/>
+              <a:t>INICIO</a:t>
+            </a:r>
+          </a:p>
+        </p:txBody>
+      </p:sp>
+      <p:sp>
+        <p:nvSpPr>
+          <p:cNvPr id="53" name="CuadroTexto 52">
+            <a:extLst>
+              <a:ext uri="{FF2B5EF4-FFF2-40B4-BE49-F238E27FC236}">
+                <a16:creationId xmlns:a16="http://schemas.microsoft.com/office/drawing/2014/main" id="{29B20B99-984F-451A-A8D9-03FEA9F6AC8E}"/>
+              </a:ext>
+            </a:extLst>
+          </p:cNvPr>
+          <p:cNvSpPr txBox="1"/>
+          <p:nvPr/>
+        </p:nvSpPr>
+        <p:spPr>
+          <a:xfrm>
+            <a:off x="2866149" y="4458118"/>
+            <a:ext cx="1059548" cy="215444"/>
+          </a:xfrm>
+          <a:prstGeom prst="rect">
+            <a:avLst/>
+          </a:prstGeom>
+          <a:noFill/>
+        </p:spPr>
+        <p:txBody>
+          <a:bodyPr wrap="square" rtlCol="0">
+            <a:spAutoFit/>
+          </a:bodyPr>
+          <a:lstStyle/>
+          <a:p>
+            <a:pPr algn="ctr"/>
+            <a:r>
+              <a:rPr lang="es-ES" sz="800" b="1" dirty="0"/>
+              <a:t>FIN</a:t>
+            </a:r>
+          </a:p>
+        </p:txBody>
+      </p:sp>
+      <p:sp>
+        <p:nvSpPr>
+          <p:cNvPr id="54" name="CuadroTexto 53">
+            <a:extLst>
+              <a:ext uri="{FF2B5EF4-FFF2-40B4-BE49-F238E27FC236}">
+                <a16:creationId xmlns:a16="http://schemas.microsoft.com/office/drawing/2014/main" id="{F08E1DB6-9E80-40B3-9BE1-ADB1E3200D79}"/>
+              </a:ext>
+            </a:extLst>
+          </p:cNvPr>
+          <p:cNvSpPr txBox="1"/>
+          <p:nvPr/>
+        </p:nvSpPr>
+        <p:spPr>
+          <a:xfrm>
+            <a:off x="1670626" y="2649041"/>
+            <a:ext cx="1059548" cy="215444"/>
+          </a:xfrm>
+          <a:prstGeom prst="rect">
+            <a:avLst/>
+          </a:prstGeom>
+          <a:noFill/>
+        </p:spPr>
+        <p:txBody>
+          <a:bodyPr wrap="square" rtlCol="0">
+            <a:spAutoFit/>
+          </a:bodyPr>
+          <a:lstStyle/>
+          <a:p>
+            <a:pPr algn="ctr"/>
+            <a:r>
+              <a:rPr lang="es-ES" sz="800" b="1" dirty="0"/>
+              <a:t>i = i - 1 </a:t>
+            </a:r>
+          </a:p>
+        </p:txBody>
+      </p:sp>
+      <p:sp>
+        <p:nvSpPr>
+          <p:cNvPr id="55" name="CuadroTexto 54">
+            <a:extLst>
+              <a:ext uri="{FF2B5EF4-FFF2-40B4-BE49-F238E27FC236}">
+                <a16:creationId xmlns:a16="http://schemas.microsoft.com/office/drawing/2014/main" id="{E5514304-96D9-48E9-8777-58414FE7CD94}"/>
+              </a:ext>
+            </a:extLst>
+          </p:cNvPr>
+          <p:cNvSpPr txBox="1"/>
+          <p:nvPr/>
+        </p:nvSpPr>
+        <p:spPr>
+          <a:xfrm>
+            <a:off x="4061672" y="2649041"/>
+            <a:ext cx="1059548" cy="215444"/>
+          </a:xfrm>
+          <a:prstGeom prst="rect">
+            <a:avLst/>
+          </a:prstGeom>
+          <a:noFill/>
+        </p:spPr>
+        <p:txBody>
+          <a:bodyPr wrap="square" rtlCol="0">
+            <a:spAutoFit/>
+          </a:bodyPr>
+          <a:lstStyle/>
+          <a:p>
+            <a:pPr algn="ctr"/>
+            <a:r>
+              <a:rPr lang="es-ES" sz="800" b="1" dirty="0"/>
+              <a:t>try = try - 1 </a:t>
+            </a:r>
+          </a:p>
+        </p:txBody>
+      </p:sp>
+      <p:sp>
+        <p:nvSpPr>
+          <p:cNvPr id="56" name="CuadroTexto 55">
+            <a:extLst>
+              <a:ext uri="{FF2B5EF4-FFF2-40B4-BE49-F238E27FC236}">
+                <a16:creationId xmlns:a16="http://schemas.microsoft.com/office/drawing/2014/main" id="{03C76A40-8163-4790-A3B8-9F938D12CAAA}"/>
+              </a:ext>
+            </a:extLst>
+          </p:cNvPr>
+          <p:cNvSpPr txBox="1"/>
+          <p:nvPr/>
+        </p:nvSpPr>
+        <p:spPr>
+          <a:xfrm>
+            <a:off x="1675438" y="3298420"/>
+            <a:ext cx="1059548" cy="215444"/>
+          </a:xfrm>
+          <a:prstGeom prst="rect">
+            <a:avLst/>
+          </a:prstGeom>
+          <a:noFill/>
+        </p:spPr>
+        <p:txBody>
+          <a:bodyPr wrap="square" rtlCol="0">
+            <a:spAutoFit/>
+          </a:bodyPr>
+          <a:lstStyle/>
+          <a:p>
+            <a:pPr algn="ctr"/>
+            <a:r>
+              <a:rPr lang="es-ES" sz="800" b="1" dirty="0"/>
+              <a:t>¿i &lt; 0? </a:t>
+            </a:r>
+          </a:p>
+        </p:txBody>
+      </p:sp>
+      <p:sp>
+        <p:nvSpPr>
+          <p:cNvPr id="57" name="CuadroTexto 56">
+            <a:extLst>
+              <a:ext uri="{FF2B5EF4-FFF2-40B4-BE49-F238E27FC236}">
+                <a16:creationId xmlns:a16="http://schemas.microsoft.com/office/drawing/2014/main" id="{337F7F99-C5F9-4839-8E21-3FB1D4E901F1}"/>
+              </a:ext>
+            </a:extLst>
+          </p:cNvPr>
+          <p:cNvSpPr txBox="1"/>
+          <p:nvPr/>
+        </p:nvSpPr>
+        <p:spPr>
+          <a:xfrm>
+            <a:off x="4056860" y="3291000"/>
+            <a:ext cx="1059548" cy="215444"/>
+          </a:xfrm>
+          <a:prstGeom prst="rect">
+            <a:avLst/>
+          </a:prstGeom>
+          <a:noFill/>
+        </p:spPr>
+        <p:txBody>
+          <a:bodyPr wrap="square" rtlCol="0">
+            <a:spAutoFit/>
+          </a:bodyPr>
+          <a:lstStyle/>
+          <a:p>
+            <a:pPr algn="ctr"/>
+            <a:r>
+              <a:rPr lang="es-ES" sz="800" b="1" dirty="0"/>
+              <a:t>¿try = 0?</a:t>
+            </a:r>
+          </a:p>
+        </p:txBody>
+      </p:sp>
+      <p:sp>
+        <p:nvSpPr>
+          <p:cNvPr id="58" name="CuadroTexto 57">
+            <a:extLst>
+              <a:ext uri="{FF2B5EF4-FFF2-40B4-BE49-F238E27FC236}">
+                <a16:creationId xmlns:a16="http://schemas.microsoft.com/office/drawing/2014/main" id="{E5AAFE5A-654C-43D6-B6AA-5019C1CB1772}"/>
+              </a:ext>
+            </a:extLst>
+          </p:cNvPr>
+          <p:cNvSpPr txBox="1"/>
+          <p:nvPr/>
+        </p:nvSpPr>
+        <p:spPr>
+          <a:xfrm>
+            <a:off x="3488506" y="3949931"/>
+            <a:ext cx="1059548" cy="215444"/>
+          </a:xfrm>
+          <a:prstGeom prst="rect">
+            <a:avLst/>
+          </a:prstGeom>
+          <a:noFill/>
+        </p:spPr>
+        <p:txBody>
+          <a:bodyPr wrap="square" rtlCol="0">
+            <a:spAutoFit/>
+          </a:bodyPr>
+          <a:lstStyle/>
+          <a:p>
+            <a:pPr algn="ctr"/>
+            <a:r>
+              <a:rPr lang="es-ES" sz="800" b="1" dirty="0"/>
+              <a:t>GAME OVER</a:t>
+            </a:r>
+          </a:p>
+        </p:txBody>
+      </p:sp>
+      <p:sp>
+        <p:nvSpPr>
+          <p:cNvPr id="59" name="CuadroTexto 58">
+            <a:extLst>
+              <a:ext uri="{FF2B5EF4-FFF2-40B4-BE49-F238E27FC236}">
+                <a16:creationId xmlns:a16="http://schemas.microsoft.com/office/drawing/2014/main" id="{2A1B0AC3-84B8-4872-AE9B-4B36BFCD0C3E}"/>
+              </a:ext>
+            </a:extLst>
+          </p:cNvPr>
+          <p:cNvSpPr txBox="1"/>
+          <p:nvPr/>
+        </p:nvSpPr>
+        <p:spPr>
+          <a:xfrm>
+            <a:off x="2229737" y="3938950"/>
+            <a:ext cx="1059548" cy="215444"/>
+          </a:xfrm>
+          <a:prstGeom prst="rect">
+            <a:avLst/>
+          </a:prstGeom>
+          <a:noFill/>
+        </p:spPr>
+        <p:txBody>
+          <a:bodyPr wrap="square" rtlCol="0">
+            <a:spAutoFit/>
+          </a:bodyPr>
+          <a:lstStyle/>
+          <a:p>
+            <a:pPr algn="ctr"/>
+            <a:r>
+              <a:rPr lang="es-ES" sz="800" b="1" dirty="0"/>
+              <a:t>WIN</a:t>
+            </a:r>
+          </a:p>
+        </p:txBody>
+      </p:sp>
+      <p:sp>
+        <p:nvSpPr>
+          <p:cNvPr id="60" name="CuadroTexto 59">
+            <a:extLst>
+              <a:ext uri="{FF2B5EF4-FFF2-40B4-BE49-F238E27FC236}">
+                <a16:creationId xmlns:a16="http://schemas.microsoft.com/office/drawing/2014/main" id="{E1221079-348C-41CC-87B6-512CDF4B1697}"/>
+              </a:ext>
+            </a:extLst>
+          </p:cNvPr>
+          <p:cNvSpPr txBox="1"/>
+          <p:nvPr/>
+        </p:nvSpPr>
+        <p:spPr>
+          <a:xfrm>
+            <a:off x="2866148" y="2348190"/>
+            <a:ext cx="1059548" cy="215444"/>
+          </a:xfrm>
+          <a:prstGeom prst="rect">
+            <a:avLst/>
+          </a:prstGeom>
+          <a:noFill/>
+        </p:spPr>
+        <p:txBody>
+          <a:bodyPr wrap="square" rtlCol="0">
+            <a:spAutoFit/>
+          </a:bodyPr>
+          <a:lstStyle/>
+          <a:p>
+            <a:pPr algn="ctr"/>
+            <a:r>
+              <a:rPr lang="es-ES" sz="800" b="1" dirty="0"/>
+              <a:t>¿btn = seq[i]?</a:t>
+            </a:r>
+          </a:p>
+        </p:txBody>
+      </p:sp>
+      <p:sp>
+        <p:nvSpPr>
+          <p:cNvPr id="61" name="CuadroTexto 60">
+            <a:extLst>
+              <a:ext uri="{FF2B5EF4-FFF2-40B4-BE49-F238E27FC236}">
+                <a16:creationId xmlns:a16="http://schemas.microsoft.com/office/drawing/2014/main" id="{93C3BCFB-0046-407C-A989-0C788CC46227}"/>
+              </a:ext>
+            </a:extLst>
+          </p:cNvPr>
+          <p:cNvSpPr txBox="1"/>
+          <p:nvPr/>
+        </p:nvSpPr>
+        <p:spPr>
+          <a:xfrm>
+            <a:off x="1529965" y="3217482"/>
+            <a:ext cx="335160" cy="215444"/>
+          </a:xfrm>
+          <a:prstGeom prst="rect">
+            <a:avLst/>
+          </a:prstGeom>
+          <a:noFill/>
+        </p:spPr>
+        <p:txBody>
+          <a:bodyPr wrap="square" rtlCol="0">
+            <a:spAutoFit/>
+          </a:bodyPr>
+          <a:lstStyle/>
+          <a:p>
+            <a:pPr algn="ctr"/>
+            <a:r>
+              <a:rPr lang="es-ES" sz="800" b="1" dirty="0">
+                <a:solidFill>
+                  <a:srgbClr val="FF0000"/>
+                </a:solidFill>
+              </a:rPr>
+              <a:t>NO</a:t>
+            </a:r>
+          </a:p>
+        </p:txBody>
+      </p:sp>
+      <p:sp>
+        <p:nvSpPr>
+          <p:cNvPr id="62" name="CuadroTexto 61">
+            <a:extLst>
+              <a:ext uri="{FF2B5EF4-FFF2-40B4-BE49-F238E27FC236}">
+                <a16:creationId xmlns:a16="http://schemas.microsoft.com/office/drawing/2014/main" id="{6567427E-EE65-4E11-A365-3ABFB28A3D36}"/>
+              </a:ext>
+            </a:extLst>
+          </p:cNvPr>
+          <p:cNvSpPr txBox="1"/>
+          <p:nvPr/>
+        </p:nvSpPr>
+        <p:spPr>
+          <a:xfrm>
+            <a:off x="3745683" y="2262818"/>
+            <a:ext cx="335160" cy="215444"/>
+          </a:xfrm>
+          <a:prstGeom prst="rect">
+            <a:avLst/>
+          </a:prstGeom>
+          <a:noFill/>
+        </p:spPr>
+        <p:txBody>
+          <a:bodyPr wrap="square" rtlCol="0">
+            <a:spAutoFit/>
+          </a:bodyPr>
+          <a:lstStyle/>
+          <a:p>
+            <a:pPr algn="ctr"/>
+            <a:r>
+              <a:rPr lang="es-ES" sz="800" b="1" dirty="0">
+                <a:solidFill>
+                  <a:srgbClr val="FF0000"/>
+                </a:solidFill>
+              </a:rPr>
+              <a:t>NO</a:t>
+            </a:r>
+          </a:p>
+        </p:txBody>
+      </p:sp>
+      <p:sp>
+        <p:nvSpPr>
+          <p:cNvPr id="63" name="CuadroTexto 62">
+            <a:extLst>
+              <a:ext uri="{FF2B5EF4-FFF2-40B4-BE49-F238E27FC236}">
+                <a16:creationId xmlns:a16="http://schemas.microsoft.com/office/drawing/2014/main" id="{739380CC-A4A5-466B-85B9-09CC42502A5E}"/>
+              </a:ext>
+            </a:extLst>
+          </p:cNvPr>
+          <p:cNvSpPr txBox="1"/>
+          <p:nvPr/>
+        </p:nvSpPr>
+        <p:spPr>
+          <a:xfrm>
+            <a:off x="4927518" y="3232302"/>
+            <a:ext cx="335160" cy="215444"/>
+          </a:xfrm>
+          <a:prstGeom prst="rect">
+            <a:avLst/>
+          </a:prstGeom>
+          <a:noFill/>
+        </p:spPr>
+        <p:txBody>
+          <a:bodyPr wrap="square" rtlCol="0">
+            <a:spAutoFit/>
+          </a:bodyPr>
+          <a:lstStyle/>
+          <a:p>
+            <a:pPr algn="ctr"/>
+            <a:r>
+              <a:rPr lang="es-ES" sz="800" b="1" dirty="0">
+                <a:solidFill>
+                  <a:srgbClr val="FF0000"/>
+                </a:solidFill>
+              </a:rPr>
+              <a:t>NO</a:t>
+            </a:r>
+          </a:p>
+        </p:txBody>
+      </p:sp>
+      <p:sp>
+        <p:nvSpPr>
+          <p:cNvPr id="64" name="CuadroTexto 63">
+            <a:extLst>
+              <a:ext uri="{FF2B5EF4-FFF2-40B4-BE49-F238E27FC236}">
+                <a16:creationId xmlns:a16="http://schemas.microsoft.com/office/drawing/2014/main" id="{CCAF14F7-3AB4-4DCC-8612-9FC48C770BE0}"/>
+              </a:ext>
+            </a:extLst>
+          </p:cNvPr>
+          <p:cNvSpPr txBox="1"/>
+          <p:nvPr/>
+        </p:nvSpPr>
+        <p:spPr>
+          <a:xfrm>
+            <a:off x="2516480" y="3197254"/>
+            <a:ext cx="335160" cy="215444"/>
+          </a:xfrm>
+          <a:prstGeom prst="rect">
+            <a:avLst/>
+          </a:prstGeom>
+          <a:noFill/>
+        </p:spPr>
+        <p:txBody>
+          <a:bodyPr wrap="square" rtlCol="0">
+            <a:spAutoFit/>
+          </a:bodyPr>
+          <a:lstStyle/>
+          <a:p>
+            <a:pPr algn="ctr"/>
+            <a:r>
+              <a:rPr lang="es-ES" sz="800" b="1" dirty="0">
+                <a:solidFill>
+                  <a:srgbClr val="00B050"/>
+                </a:solidFill>
+              </a:rPr>
+              <a:t>SI</a:t>
+            </a:r>
+          </a:p>
+        </p:txBody>
+      </p:sp>
+      <p:sp>
+        <p:nvSpPr>
+          <p:cNvPr id="65" name="CuadroTexto 64">
+            <a:extLst>
+              <a:ext uri="{FF2B5EF4-FFF2-40B4-BE49-F238E27FC236}">
+                <a16:creationId xmlns:a16="http://schemas.microsoft.com/office/drawing/2014/main" id="{48F73931-5262-4F24-A354-C9BE2E15FF38}"/>
+              </a:ext>
+            </a:extLst>
+          </p:cNvPr>
+          <p:cNvSpPr txBox="1"/>
+          <p:nvPr/>
+        </p:nvSpPr>
+        <p:spPr>
+          <a:xfrm>
+            <a:off x="2715457" y="2255803"/>
+            <a:ext cx="335160" cy="215444"/>
+          </a:xfrm>
+          <a:prstGeom prst="rect">
+            <a:avLst/>
+          </a:prstGeom>
+          <a:noFill/>
+        </p:spPr>
+        <p:txBody>
+          <a:bodyPr wrap="square" rtlCol="0">
+            <a:spAutoFit/>
+          </a:bodyPr>
+          <a:lstStyle/>
+          <a:p>
+            <a:pPr algn="ctr"/>
+            <a:r>
+              <a:rPr lang="es-ES" sz="800" b="1" dirty="0">
+                <a:solidFill>
+                  <a:srgbClr val="00B050"/>
+                </a:solidFill>
+              </a:rPr>
+              <a:t>SI</a:t>
+            </a:r>
+          </a:p>
+        </p:txBody>
+      </p:sp>
+      <p:sp>
+        <p:nvSpPr>
+          <p:cNvPr id="66" name="CuadroTexto 65">
+            <a:extLst>
+              <a:ext uri="{FF2B5EF4-FFF2-40B4-BE49-F238E27FC236}">
+                <a16:creationId xmlns:a16="http://schemas.microsoft.com/office/drawing/2014/main" id="{B599BE64-B975-4CBC-9FE3-CE6DDE9309A1}"/>
+              </a:ext>
+            </a:extLst>
+          </p:cNvPr>
+          <p:cNvSpPr txBox="1"/>
+          <p:nvPr/>
+        </p:nvSpPr>
+        <p:spPr>
+          <a:xfrm>
+            <a:off x="3939740" y="3200266"/>
+            <a:ext cx="335160" cy="215444"/>
+          </a:xfrm>
+          <a:prstGeom prst="rect">
+            <a:avLst/>
+          </a:prstGeom>
+          <a:noFill/>
+        </p:spPr>
+        <p:txBody>
+          <a:bodyPr wrap="square" rtlCol="0">
+            <a:spAutoFit/>
+          </a:bodyPr>
+          <a:lstStyle/>
+          <a:p>
+            <a:pPr algn="ctr"/>
+            <a:r>
+              <a:rPr lang="es-ES" sz="800" b="1" dirty="0">
+                <a:solidFill>
+                  <a:srgbClr val="00B050"/>
+                </a:solidFill>
+              </a:rPr>
+              <a:t>SI</a:t>
+            </a:r>
+          </a:p>
+        </p:txBody>
+      </p:sp>
+    </p:spTree>
+    <p:extLst>
+      <p:ext uri="{BB962C8B-B14F-4D97-AF65-F5344CB8AC3E}">
+        <p14:creationId xmlns:p14="http://schemas.microsoft.com/office/powerpoint/2010/main" val="1478048975"/>
+      </p:ext>
+    </p:extLst>
+  </p:cSld>
+  <p:clrMapOvr>
+    <a:masterClrMapping/>
+  </p:clrMapOvr>
+</p:sld>
+</file>
+
 <file path=ppt/theme/theme1.xml><?xml version="1.0" encoding="utf-8"?>
 <a:theme xmlns:a="http://schemas.openxmlformats.org/drawingml/2006/main" name="Tema de Office">
   <a:themeElements>

--- a/Trabajo_FPGA/Memoria/Esquemas_y_Diagramas.pptx
+++ b/Trabajo_FPGA/Memoria/Esquemas_y_Diagramas.pptx
@@ -7,6 +7,7 @@
   <p:sldIdLst>
     <p:sldId id="256" r:id="rId2"/>
     <p:sldId id="257" r:id="rId3"/>
+    <p:sldId id="258" r:id="rId4"/>
   </p:sldIdLst>
   <p:sldSz cx="12192000" cy="6858000"/>
   <p:notesSz cx="6858000" cy="9144000"/>
@@ -260,7 +261,7 @@
           <a:p>
             <a:fld id="{D06B42BD-9ADD-40B8-BE31-81CCC25D0212}" type="datetimeFigureOut">
               <a:rPr lang="es-ES" smtClean="0"/>
-              <a:t>30/12/2021</a:t>
+              <a:t>09/01/2022</a:t>
             </a:fld>
             <a:endParaRPr lang="es-ES"/>
           </a:p>
@@ -458,7 +459,7 @@
           <a:p>
             <a:fld id="{D06B42BD-9ADD-40B8-BE31-81CCC25D0212}" type="datetimeFigureOut">
               <a:rPr lang="es-ES" smtClean="0"/>
-              <a:t>30/12/2021</a:t>
+              <a:t>09/01/2022</a:t>
             </a:fld>
             <a:endParaRPr lang="es-ES"/>
           </a:p>
@@ -666,7 +667,7 @@
           <a:p>
             <a:fld id="{D06B42BD-9ADD-40B8-BE31-81CCC25D0212}" type="datetimeFigureOut">
               <a:rPr lang="es-ES" smtClean="0"/>
-              <a:t>30/12/2021</a:t>
+              <a:t>09/01/2022</a:t>
             </a:fld>
             <a:endParaRPr lang="es-ES"/>
           </a:p>
@@ -864,7 +865,7 @@
           <a:p>
             <a:fld id="{D06B42BD-9ADD-40B8-BE31-81CCC25D0212}" type="datetimeFigureOut">
               <a:rPr lang="es-ES" smtClean="0"/>
-              <a:t>30/12/2021</a:t>
+              <a:t>09/01/2022</a:t>
             </a:fld>
             <a:endParaRPr lang="es-ES"/>
           </a:p>
@@ -1139,7 +1140,7 @@
           <a:p>
             <a:fld id="{D06B42BD-9ADD-40B8-BE31-81CCC25D0212}" type="datetimeFigureOut">
               <a:rPr lang="es-ES" smtClean="0"/>
-              <a:t>30/12/2021</a:t>
+              <a:t>09/01/2022</a:t>
             </a:fld>
             <a:endParaRPr lang="es-ES"/>
           </a:p>
@@ -1404,7 +1405,7 @@
           <a:p>
             <a:fld id="{D06B42BD-9ADD-40B8-BE31-81CCC25D0212}" type="datetimeFigureOut">
               <a:rPr lang="es-ES" smtClean="0"/>
-              <a:t>30/12/2021</a:t>
+              <a:t>09/01/2022</a:t>
             </a:fld>
             <a:endParaRPr lang="es-ES"/>
           </a:p>
@@ -1816,7 +1817,7 @@
           <a:p>
             <a:fld id="{D06B42BD-9ADD-40B8-BE31-81CCC25D0212}" type="datetimeFigureOut">
               <a:rPr lang="es-ES" smtClean="0"/>
-              <a:t>30/12/2021</a:t>
+              <a:t>09/01/2022</a:t>
             </a:fld>
             <a:endParaRPr lang="es-ES"/>
           </a:p>
@@ -1957,7 +1958,7 @@
           <a:p>
             <a:fld id="{D06B42BD-9ADD-40B8-BE31-81CCC25D0212}" type="datetimeFigureOut">
               <a:rPr lang="es-ES" smtClean="0"/>
-              <a:t>30/12/2021</a:t>
+              <a:t>09/01/2022</a:t>
             </a:fld>
             <a:endParaRPr lang="es-ES"/>
           </a:p>
@@ -2070,7 +2071,7 @@
           <a:p>
             <a:fld id="{D06B42BD-9ADD-40B8-BE31-81CCC25D0212}" type="datetimeFigureOut">
               <a:rPr lang="es-ES" smtClean="0"/>
-              <a:t>30/12/2021</a:t>
+              <a:t>09/01/2022</a:t>
             </a:fld>
             <a:endParaRPr lang="es-ES"/>
           </a:p>
@@ -2381,7 +2382,7 @@
           <a:p>
             <a:fld id="{D06B42BD-9ADD-40B8-BE31-81CCC25D0212}" type="datetimeFigureOut">
               <a:rPr lang="es-ES" smtClean="0"/>
-              <a:t>30/12/2021</a:t>
+              <a:t>09/01/2022</a:t>
             </a:fld>
             <a:endParaRPr lang="es-ES"/>
           </a:p>
@@ -2669,7 +2670,7 @@
           <a:p>
             <a:fld id="{D06B42BD-9ADD-40B8-BE31-81CCC25D0212}" type="datetimeFigureOut">
               <a:rPr lang="es-ES" smtClean="0"/>
-              <a:t>30/12/2021</a:t>
+              <a:t>09/01/2022</a:t>
             </a:fld>
             <a:endParaRPr lang="es-ES"/>
           </a:p>
@@ -2910,7 +2911,7 @@
           <a:p>
             <a:fld id="{D06B42BD-9ADD-40B8-BE31-81CCC25D0212}" type="datetimeFigureOut">
               <a:rPr lang="es-ES" smtClean="0"/>
-              <a:t>30/12/2021</a:t>
+              <a:t>09/01/2022</a:t>
             </a:fld>
             <a:endParaRPr lang="es-ES"/>
           </a:p>
@@ -10736,6 +10737,2401 @@
 </p:sld>
 </file>
 
+<file path=ppt/slides/slide3.xml><?xml version="1.0" encoding="utf-8"?>
+<p:sld xmlns:a="http://schemas.openxmlformats.org/drawingml/2006/main" xmlns:r="http://schemas.openxmlformats.org/officeDocument/2006/relationships" xmlns:p="http://schemas.openxmlformats.org/presentationml/2006/main">
+  <p:cSld>
+    <p:spTree>
+      <p:nvGrpSpPr>
+        <p:cNvPr id="1" name=""/>
+        <p:cNvGrpSpPr/>
+        <p:nvPr/>
+      </p:nvGrpSpPr>
+      <p:grpSpPr>
+        <a:xfrm>
+          <a:off x="0" y="0"/>
+          <a:ext cx="0" cy="0"/>
+          <a:chOff x="0" y="0"/>
+          <a:chExt cx="0" cy="0"/>
+        </a:xfrm>
+      </p:grpSpPr>
+      <p:sp>
+        <p:nvSpPr>
+          <p:cNvPr id="4" name="Rectángulo 3">
+            <a:extLst>
+              <a:ext uri="{FF2B5EF4-FFF2-40B4-BE49-F238E27FC236}">
+                <a16:creationId xmlns:a16="http://schemas.microsoft.com/office/drawing/2014/main" id="{A00C9757-78F5-40F9-BFBD-EBC7C2130731}"/>
+              </a:ext>
+            </a:extLst>
+          </p:cNvPr>
+          <p:cNvSpPr/>
+          <p:nvPr/>
+        </p:nvSpPr>
+        <p:spPr>
+          <a:xfrm>
+            <a:off x="1605064" y="1708150"/>
+            <a:ext cx="1167319" cy="4324346"/>
+          </a:xfrm>
+          <a:prstGeom prst="rect">
+            <a:avLst/>
+          </a:prstGeom>
+          <a:noFill/>
+          <a:ln w="22225">
+            <a:solidFill>
+              <a:schemeClr val="tx1"/>
+            </a:solidFill>
+          </a:ln>
+        </p:spPr>
+        <p:style>
+          <a:lnRef idx="2">
+            <a:schemeClr val="accent1">
+              <a:shade val="50000"/>
+            </a:schemeClr>
+          </a:lnRef>
+          <a:fillRef idx="1">
+            <a:schemeClr val="accent1"/>
+          </a:fillRef>
+          <a:effectRef idx="0">
+            <a:schemeClr val="accent1"/>
+          </a:effectRef>
+          <a:fontRef idx="minor">
+            <a:schemeClr val="lt1"/>
+          </a:fontRef>
+        </p:style>
+        <p:txBody>
+          <a:bodyPr rtlCol="0" anchor="ctr"/>
+          <a:lstStyle/>
+          <a:p>
+            <a:pPr algn="ctr"/>
+            <a:endParaRPr lang="es-ES"/>
+          </a:p>
+        </p:txBody>
+      </p:sp>
+      <p:grpSp>
+        <p:nvGrpSpPr>
+          <p:cNvPr id="10" name="Grupo 9">
+            <a:extLst>
+              <a:ext uri="{FF2B5EF4-FFF2-40B4-BE49-F238E27FC236}">
+                <a16:creationId xmlns:a16="http://schemas.microsoft.com/office/drawing/2014/main" id="{1085A481-F0A8-4FF8-9896-2E4589F8A86B}"/>
+              </a:ext>
+            </a:extLst>
+          </p:cNvPr>
+          <p:cNvGrpSpPr/>
+          <p:nvPr/>
+        </p:nvGrpSpPr>
+        <p:grpSpPr>
+          <a:xfrm>
+            <a:off x="3447985" y="2250487"/>
+            <a:ext cx="598386" cy="400769"/>
+            <a:chOff x="4367314" y="1561695"/>
+            <a:chExt cx="680936" cy="432205"/>
+          </a:xfrm>
+        </p:grpSpPr>
+        <p:sp>
+          <p:nvSpPr>
+            <p:cNvPr id="5" name="Rectángulo 4">
+              <a:extLst>
+                <a:ext uri="{FF2B5EF4-FFF2-40B4-BE49-F238E27FC236}">
+                  <a16:creationId xmlns:a16="http://schemas.microsoft.com/office/drawing/2014/main" id="{912012E8-3F42-4E26-BDAC-112E9CC5DF09}"/>
+                </a:ext>
+              </a:extLst>
+            </p:cNvPr>
+            <p:cNvSpPr/>
+            <p:nvPr/>
+          </p:nvSpPr>
+          <p:spPr>
+            <a:xfrm>
+              <a:off x="4367315" y="1561695"/>
+              <a:ext cx="680935" cy="432205"/>
+            </a:xfrm>
+            <a:prstGeom prst="rect">
+              <a:avLst/>
+            </a:prstGeom>
+            <a:noFill/>
+            <a:ln w="22225">
+              <a:solidFill>
+                <a:schemeClr val="tx1"/>
+              </a:solidFill>
+            </a:ln>
+          </p:spPr>
+          <p:style>
+            <a:lnRef idx="2">
+              <a:schemeClr val="accent1">
+                <a:shade val="50000"/>
+              </a:schemeClr>
+            </a:lnRef>
+            <a:fillRef idx="1">
+              <a:schemeClr val="accent1"/>
+            </a:fillRef>
+            <a:effectRef idx="0">
+              <a:schemeClr val="accent1"/>
+            </a:effectRef>
+            <a:fontRef idx="minor">
+              <a:schemeClr val="lt1"/>
+            </a:fontRef>
+          </p:style>
+          <p:txBody>
+            <a:bodyPr rtlCol="0" anchor="ctr"/>
+            <a:lstStyle/>
+            <a:p>
+              <a:pPr algn="ctr"/>
+              <a:endParaRPr lang="es-ES"/>
+            </a:p>
+          </p:txBody>
+        </p:sp>
+        <p:sp>
+          <p:nvSpPr>
+            <p:cNvPr id="9" name="CuadroTexto 8">
+              <a:extLst>
+                <a:ext uri="{FF2B5EF4-FFF2-40B4-BE49-F238E27FC236}">
+                  <a16:creationId xmlns:a16="http://schemas.microsoft.com/office/drawing/2014/main" id="{6849F4F8-AFC7-4419-B096-926F77BB864A}"/>
+                </a:ext>
+              </a:extLst>
+            </p:cNvPr>
+            <p:cNvSpPr txBox="1"/>
+            <p:nvPr/>
+          </p:nvSpPr>
+          <p:spPr>
+            <a:xfrm>
+              <a:off x="4367314" y="1582578"/>
+              <a:ext cx="615810" cy="369332"/>
+            </a:xfrm>
+            <a:prstGeom prst="rect">
+              <a:avLst/>
+            </a:prstGeom>
+            <a:noFill/>
+          </p:spPr>
+          <p:txBody>
+            <a:bodyPr wrap="none" rtlCol="0">
+              <a:spAutoFit/>
+            </a:bodyPr>
+            <a:lstStyle/>
+            <a:p>
+              <a:r>
+                <a:rPr lang="es-ES" dirty="0"/>
+                <a:t>LFSR</a:t>
+              </a:r>
+            </a:p>
+          </p:txBody>
+        </p:sp>
+      </p:grpSp>
+      <p:grpSp>
+        <p:nvGrpSpPr>
+          <p:cNvPr id="11" name="Grupo 10">
+            <a:extLst>
+              <a:ext uri="{FF2B5EF4-FFF2-40B4-BE49-F238E27FC236}">
+                <a16:creationId xmlns:a16="http://schemas.microsoft.com/office/drawing/2014/main" id="{1F9B4815-4F6F-4730-8175-0D4A368EE438}"/>
+              </a:ext>
+            </a:extLst>
+          </p:cNvPr>
+          <p:cNvGrpSpPr/>
+          <p:nvPr/>
+        </p:nvGrpSpPr>
+        <p:grpSpPr>
+          <a:xfrm>
+            <a:off x="3412364" y="2952005"/>
+            <a:ext cx="734967" cy="400769"/>
+            <a:chOff x="4313282" y="1561695"/>
+            <a:chExt cx="788999" cy="432205"/>
+          </a:xfrm>
+        </p:grpSpPr>
+        <p:sp>
+          <p:nvSpPr>
+            <p:cNvPr id="12" name="Rectángulo 11">
+              <a:extLst>
+                <a:ext uri="{FF2B5EF4-FFF2-40B4-BE49-F238E27FC236}">
+                  <a16:creationId xmlns:a16="http://schemas.microsoft.com/office/drawing/2014/main" id="{4E9B1E3F-0194-4C00-AD7F-BF39FC3843C2}"/>
+                </a:ext>
+              </a:extLst>
+            </p:cNvPr>
+            <p:cNvSpPr/>
+            <p:nvPr/>
+          </p:nvSpPr>
+          <p:spPr>
+            <a:xfrm>
+              <a:off x="4367315" y="1561695"/>
+              <a:ext cx="680935" cy="432205"/>
+            </a:xfrm>
+            <a:prstGeom prst="rect">
+              <a:avLst/>
+            </a:prstGeom>
+            <a:noFill/>
+            <a:ln w="22225">
+              <a:solidFill>
+                <a:schemeClr val="tx1"/>
+              </a:solidFill>
+            </a:ln>
+          </p:spPr>
+          <p:style>
+            <a:lnRef idx="2">
+              <a:schemeClr val="accent1">
+                <a:shade val="50000"/>
+              </a:schemeClr>
+            </a:lnRef>
+            <a:fillRef idx="1">
+              <a:schemeClr val="accent1"/>
+            </a:fillRef>
+            <a:effectRef idx="0">
+              <a:schemeClr val="accent1"/>
+            </a:effectRef>
+            <a:fontRef idx="minor">
+              <a:schemeClr val="lt1"/>
+            </a:fontRef>
+          </p:style>
+          <p:txBody>
+            <a:bodyPr rtlCol="0" anchor="ctr"/>
+            <a:lstStyle/>
+            <a:p>
+              <a:pPr algn="ctr"/>
+              <a:endParaRPr lang="es-ES"/>
+            </a:p>
+          </p:txBody>
+        </p:sp>
+        <p:sp>
+          <p:nvSpPr>
+            <p:cNvPr id="13" name="CuadroTexto 12">
+              <a:extLst>
+                <a:ext uri="{FF2B5EF4-FFF2-40B4-BE49-F238E27FC236}">
+                  <a16:creationId xmlns:a16="http://schemas.microsoft.com/office/drawing/2014/main" id="{50A16508-CEEC-4353-956B-9CA6B31560EA}"/>
+                </a:ext>
+              </a:extLst>
+            </p:cNvPr>
+            <p:cNvSpPr txBox="1"/>
+            <p:nvPr/>
+          </p:nvSpPr>
+          <p:spPr>
+            <a:xfrm>
+              <a:off x="4313282" y="1593130"/>
+              <a:ext cx="788999" cy="369332"/>
+            </a:xfrm>
+            <a:prstGeom prst="rect">
+              <a:avLst/>
+            </a:prstGeom>
+            <a:noFill/>
+          </p:spPr>
+          <p:txBody>
+            <a:bodyPr wrap="none" rtlCol="0">
+              <a:spAutoFit/>
+            </a:bodyPr>
+            <a:lstStyle/>
+            <a:p>
+              <a:r>
+                <a:rPr lang="es-ES" sz="1600" dirty="0"/>
+                <a:t>TIMER</a:t>
+              </a:r>
+            </a:p>
+          </p:txBody>
+        </p:sp>
+      </p:grpSp>
+      <p:grpSp>
+        <p:nvGrpSpPr>
+          <p:cNvPr id="16" name="Grupo 15">
+            <a:extLst>
+              <a:ext uri="{FF2B5EF4-FFF2-40B4-BE49-F238E27FC236}">
+                <a16:creationId xmlns:a16="http://schemas.microsoft.com/office/drawing/2014/main" id="{644D7FD5-1622-4914-A92D-C7CD6EA1943D}"/>
+              </a:ext>
+            </a:extLst>
+          </p:cNvPr>
+          <p:cNvGrpSpPr/>
+          <p:nvPr/>
+        </p:nvGrpSpPr>
+        <p:grpSpPr>
+          <a:xfrm>
+            <a:off x="4798033" y="3995721"/>
+            <a:ext cx="734967" cy="400769"/>
+            <a:chOff x="4313282" y="1561695"/>
+            <a:chExt cx="788999" cy="432205"/>
+          </a:xfrm>
+        </p:grpSpPr>
+        <p:sp>
+          <p:nvSpPr>
+            <p:cNvPr id="17" name="Rectángulo 16">
+              <a:extLst>
+                <a:ext uri="{FF2B5EF4-FFF2-40B4-BE49-F238E27FC236}">
+                  <a16:creationId xmlns:a16="http://schemas.microsoft.com/office/drawing/2014/main" id="{2E5C44E3-7870-4614-88C7-7400F4DF5CE5}"/>
+                </a:ext>
+              </a:extLst>
+            </p:cNvPr>
+            <p:cNvSpPr/>
+            <p:nvPr/>
+          </p:nvSpPr>
+          <p:spPr>
+            <a:xfrm>
+              <a:off x="4367315" y="1561695"/>
+              <a:ext cx="680935" cy="432205"/>
+            </a:xfrm>
+            <a:prstGeom prst="rect">
+              <a:avLst/>
+            </a:prstGeom>
+            <a:noFill/>
+            <a:ln w="22225">
+              <a:solidFill>
+                <a:schemeClr val="tx1"/>
+              </a:solidFill>
+            </a:ln>
+          </p:spPr>
+          <p:style>
+            <a:lnRef idx="2">
+              <a:schemeClr val="accent1">
+                <a:shade val="50000"/>
+              </a:schemeClr>
+            </a:lnRef>
+            <a:fillRef idx="1">
+              <a:schemeClr val="accent1"/>
+            </a:fillRef>
+            <a:effectRef idx="0">
+              <a:schemeClr val="accent1"/>
+            </a:effectRef>
+            <a:fontRef idx="minor">
+              <a:schemeClr val="lt1"/>
+            </a:fontRef>
+          </p:style>
+          <p:txBody>
+            <a:bodyPr rtlCol="0" anchor="ctr"/>
+            <a:lstStyle/>
+            <a:p>
+              <a:pPr algn="ctr"/>
+              <a:endParaRPr lang="es-ES"/>
+            </a:p>
+          </p:txBody>
+        </p:sp>
+        <p:sp>
+          <p:nvSpPr>
+            <p:cNvPr id="18" name="CuadroTexto 17">
+              <a:extLst>
+                <a:ext uri="{FF2B5EF4-FFF2-40B4-BE49-F238E27FC236}">
+                  <a16:creationId xmlns:a16="http://schemas.microsoft.com/office/drawing/2014/main" id="{3BE74581-233E-40CC-8339-51DE71211AF0}"/>
+                </a:ext>
+              </a:extLst>
+            </p:cNvPr>
+            <p:cNvSpPr txBox="1"/>
+            <p:nvPr/>
+          </p:nvSpPr>
+          <p:spPr>
+            <a:xfrm>
+              <a:off x="4313282" y="1593130"/>
+              <a:ext cx="788999" cy="369332"/>
+            </a:xfrm>
+            <a:prstGeom prst="rect">
+              <a:avLst/>
+            </a:prstGeom>
+            <a:noFill/>
+          </p:spPr>
+          <p:txBody>
+            <a:bodyPr wrap="none" rtlCol="0">
+              <a:spAutoFit/>
+            </a:bodyPr>
+            <a:lstStyle/>
+            <a:p>
+              <a:r>
+                <a:rPr lang="es-ES" sz="1600" dirty="0"/>
+                <a:t>TIMER</a:t>
+              </a:r>
+            </a:p>
+          </p:txBody>
+        </p:sp>
+      </p:grpSp>
+      <p:grpSp>
+        <p:nvGrpSpPr>
+          <p:cNvPr id="21" name="Grupo 20">
+            <a:extLst>
+              <a:ext uri="{FF2B5EF4-FFF2-40B4-BE49-F238E27FC236}">
+                <a16:creationId xmlns:a16="http://schemas.microsoft.com/office/drawing/2014/main" id="{0622AF59-1D3F-4244-9882-8E5BA5B4A1D3}"/>
+              </a:ext>
+            </a:extLst>
+          </p:cNvPr>
+          <p:cNvGrpSpPr/>
+          <p:nvPr/>
+        </p:nvGrpSpPr>
+        <p:grpSpPr>
+          <a:xfrm>
+            <a:off x="3756532" y="4781054"/>
+            <a:ext cx="680936" cy="1251445"/>
+            <a:chOff x="3647336" y="4200323"/>
+            <a:chExt cx="680936" cy="771728"/>
+          </a:xfrm>
+        </p:grpSpPr>
+        <p:sp>
+          <p:nvSpPr>
+            <p:cNvPr id="15" name="Rectángulo 14">
+              <a:extLst>
+                <a:ext uri="{FF2B5EF4-FFF2-40B4-BE49-F238E27FC236}">
+                  <a16:creationId xmlns:a16="http://schemas.microsoft.com/office/drawing/2014/main" id="{6619A025-006A-4DE5-A63C-3648613DA464}"/>
+                </a:ext>
+              </a:extLst>
+            </p:cNvPr>
+            <p:cNvSpPr/>
+            <p:nvPr/>
+          </p:nvSpPr>
+          <p:spPr>
+            <a:xfrm>
+              <a:off x="3647336" y="4200323"/>
+              <a:ext cx="680936" cy="771728"/>
+            </a:xfrm>
+            <a:prstGeom prst="rect">
+              <a:avLst/>
+            </a:prstGeom>
+            <a:noFill/>
+            <a:ln w="22225">
+              <a:solidFill>
+                <a:schemeClr val="tx1"/>
+              </a:solidFill>
+            </a:ln>
+          </p:spPr>
+          <p:style>
+            <a:lnRef idx="2">
+              <a:schemeClr val="accent1">
+                <a:shade val="50000"/>
+              </a:schemeClr>
+            </a:lnRef>
+            <a:fillRef idx="1">
+              <a:schemeClr val="accent1"/>
+            </a:fillRef>
+            <a:effectRef idx="0">
+              <a:schemeClr val="accent1"/>
+            </a:effectRef>
+            <a:fontRef idx="minor">
+              <a:schemeClr val="lt1"/>
+            </a:fontRef>
+          </p:style>
+          <p:txBody>
+            <a:bodyPr rtlCol="0" anchor="ctr"/>
+            <a:lstStyle/>
+            <a:p>
+              <a:pPr algn="ctr"/>
+              <a:endParaRPr lang="es-ES"/>
+            </a:p>
+          </p:txBody>
+        </p:sp>
+        <p:sp>
+          <p:nvSpPr>
+            <p:cNvPr id="20" name="CuadroTexto 19">
+              <a:extLst>
+                <a:ext uri="{FF2B5EF4-FFF2-40B4-BE49-F238E27FC236}">
+                  <a16:creationId xmlns:a16="http://schemas.microsoft.com/office/drawing/2014/main" id="{B38987A8-B1FD-41B7-B6B3-D5E4272BC29F}"/>
+                </a:ext>
+              </a:extLst>
+            </p:cNvPr>
+            <p:cNvSpPr txBox="1"/>
+            <p:nvPr/>
+          </p:nvSpPr>
+          <p:spPr>
+            <a:xfrm>
+              <a:off x="3662234" y="4465948"/>
+              <a:ext cx="651140" cy="246221"/>
+            </a:xfrm>
+            <a:prstGeom prst="rect">
+              <a:avLst/>
+            </a:prstGeom>
+            <a:noFill/>
+          </p:spPr>
+          <p:txBody>
+            <a:bodyPr wrap="none" rtlCol="0">
+              <a:spAutoFit/>
+            </a:bodyPr>
+            <a:lstStyle/>
+            <a:p>
+              <a:r>
+                <a:rPr lang="es-ES" sz="1000" b="1" dirty="0"/>
+                <a:t>INCHECK</a:t>
+              </a:r>
+            </a:p>
+          </p:txBody>
+        </p:sp>
+      </p:grpSp>
+      <p:grpSp>
+        <p:nvGrpSpPr>
+          <p:cNvPr id="22" name="Grupo 21">
+            <a:extLst>
+              <a:ext uri="{FF2B5EF4-FFF2-40B4-BE49-F238E27FC236}">
+                <a16:creationId xmlns:a16="http://schemas.microsoft.com/office/drawing/2014/main" id="{0BEF1A58-E9AC-48B3-BBA5-689FA214A57A}"/>
+              </a:ext>
+            </a:extLst>
+          </p:cNvPr>
+          <p:cNvGrpSpPr/>
+          <p:nvPr/>
+        </p:nvGrpSpPr>
+        <p:grpSpPr>
+          <a:xfrm>
+            <a:off x="3451282" y="3685018"/>
+            <a:ext cx="740908" cy="771728"/>
+            <a:chOff x="3620320" y="4200323"/>
+            <a:chExt cx="740908" cy="771728"/>
+          </a:xfrm>
+        </p:grpSpPr>
+        <p:sp>
+          <p:nvSpPr>
+            <p:cNvPr id="23" name="Rectángulo 22">
+              <a:extLst>
+                <a:ext uri="{FF2B5EF4-FFF2-40B4-BE49-F238E27FC236}">
+                  <a16:creationId xmlns:a16="http://schemas.microsoft.com/office/drawing/2014/main" id="{62CD0C1D-2480-4C6D-A4F4-CF005BCB524D}"/>
+                </a:ext>
+              </a:extLst>
+            </p:cNvPr>
+            <p:cNvSpPr/>
+            <p:nvPr/>
+          </p:nvSpPr>
+          <p:spPr>
+            <a:xfrm>
+              <a:off x="3647336" y="4200323"/>
+              <a:ext cx="680936" cy="771728"/>
+            </a:xfrm>
+            <a:prstGeom prst="rect">
+              <a:avLst/>
+            </a:prstGeom>
+            <a:noFill/>
+            <a:ln w="22225">
+              <a:solidFill>
+                <a:schemeClr val="tx1"/>
+              </a:solidFill>
+            </a:ln>
+          </p:spPr>
+          <p:style>
+            <a:lnRef idx="2">
+              <a:schemeClr val="accent1">
+                <a:shade val="50000"/>
+              </a:schemeClr>
+            </a:lnRef>
+            <a:fillRef idx="1">
+              <a:schemeClr val="accent1"/>
+            </a:fillRef>
+            <a:effectRef idx="0">
+              <a:schemeClr val="accent1"/>
+            </a:effectRef>
+            <a:fontRef idx="minor">
+              <a:schemeClr val="lt1"/>
+            </a:fontRef>
+          </p:style>
+          <p:txBody>
+            <a:bodyPr rtlCol="0" anchor="ctr"/>
+            <a:lstStyle/>
+            <a:p>
+              <a:pPr algn="ctr"/>
+              <a:endParaRPr lang="es-ES"/>
+            </a:p>
+          </p:txBody>
+        </p:sp>
+        <p:sp>
+          <p:nvSpPr>
+            <p:cNvPr id="24" name="CuadroTexto 23">
+              <a:extLst>
+                <a:ext uri="{FF2B5EF4-FFF2-40B4-BE49-F238E27FC236}">
+                  <a16:creationId xmlns:a16="http://schemas.microsoft.com/office/drawing/2014/main" id="{8492D1D5-0653-463C-9A27-6139B721F82F}"/>
+                </a:ext>
+              </a:extLst>
+            </p:cNvPr>
+            <p:cNvSpPr txBox="1"/>
+            <p:nvPr/>
+          </p:nvSpPr>
+          <p:spPr>
+            <a:xfrm>
+              <a:off x="3620320" y="4463076"/>
+              <a:ext cx="740908" cy="246221"/>
+            </a:xfrm>
+            <a:prstGeom prst="rect">
+              <a:avLst/>
+            </a:prstGeom>
+            <a:noFill/>
+          </p:spPr>
+          <p:txBody>
+            <a:bodyPr wrap="none" rtlCol="0">
+              <a:spAutoFit/>
+            </a:bodyPr>
+            <a:lstStyle/>
+            <a:p>
+              <a:r>
+                <a:rPr lang="es-ES" sz="1000" b="1" dirty="0"/>
+                <a:t>SHOWSEQ</a:t>
+              </a:r>
+            </a:p>
+          </p:txBody>
+        </p:sp>
+      </p:grpSp>
+      <p:sp>
+        <p:nvSpPr>
+          <p:cNvPr id="25" name="CuadroTexto 24">
+            <a:extLst>
+              <a:ext uri="{FF2B5EF4-FFF2-40B4-BE49-F238E27FC236}">
+                <a16:creationId xmlns:a16="http://schemas.microsoft.com/office/drawing/2014/main" id="{406CC8BF-5843-40E7-81F1-657DAB37E42E}"/>
+              </a:ext>
+            </a:extLst>
+          </p:cNvPr>
+          <p:cNvSpPr txBox="1"/>
+          <p:nvPr/>
+        </p:nvSpPr>
+        <p:spPr>
+          <a:xfrm>
+            <a:off x="1696892" y="3593290"/>
+            <a:ext cx="968535" cy="369332"/>
+          </a:xfrm>
+          <a:prstGeom prst="rect">
+            <a:avLst/>
+          </a:prstGeom>
+          <a:noFill/>
+        </p:spPr>
+        <p:txBody>
+          <a:bodyPr wrap="none" rtlCol="0">
+            <a:spAutoFit/>
+          </a:bodyPr>
+          <a:lstStyle/>
+          <a:p>
+            <a:r>
+              <a:rPr lang="es-ES" dirty="0"/>
+              <a:t>MASTER</a:t>
+            </a:r>
+          </a:p>
+        </p:txBody>
+      </p:sp>
+      <p:cxnSp>
+        <p:nvCxnSpPr>
+          <p:cNvPr id="27" name="Conector recto de flecha 26">
+            <a:extLst>
+              <a:ext uri="{FF2B5EF4-FFF2-40B4-BE49-F238E27FC236}">
+                <a16:creationId xmlns:a16="http://schemas.microsoft.com/office/drawing/2014/main" id="{BA91F16B-022D-486D-AC40-F314F5AC085C}"/>
+              </a:ext>
+            </a:extLst>
+          </p:cNvPr>
+          <p:cNvCxnSpPr>
+            <a:cxnSpLocks/>
+          </p:cNvCxnSpPr>
+          <p:nvPr/>
+        </p:nvCxnSpPr>
+        <p:spPr>
+          <a:xfrm flipH="1">
+            <a:off x="2763906" y="2307644"/>
+            <a:ext cx="684078" cy="1"/>
+          </a:xfrm>
+          <a:prstGeom prst="straightConnector1">
+            <a:avLst/>
+          </a:prstGeom>
+          <a:ln w="12700">
+            <a:solidFill>
+              <a:schemeClr val="tx1"/>
+            </a:solidFill>
+            <a:tailEnd type="triangle"/>
+          </a:ln>
+        </p:spPr>
+        <p:style>
+          <a:lnRef idx="1">
+            <a:schemeClr val="accent1"/>
+          </a:lnRef>
+          <a:fillRef idx="0">
+            <a:schemeClr val="accent1"/>
+          </a:fillRef>
+          <a:effectRef idx="0">
+            <a:schemeClr val="accent1"/>
+          </a:effectRef>
+          <a:fontRef idx="minor">
+            <a:schemeClr val="tx1"/>
+          </a:fontRef>
+        </p:style>
+      </p:cxnSp>
+      <p:cxnSp>
+        <p:nvCxnSpPr>
+          <p:cNvPr id="32" name="Conector recto de flecha 31">
+            <a:extLst>
+              <a:ext uri="{FF2B5EF4-FFF2-40B4-BE49-F238E27FC236}">
+                <a16:creationId xmlns:a16="http://schemas.microsoft.com/office/drawing/2014/main" id="{5AFAA3EF-BDA9-4F26-8ADF-91893D79F519}"/>
+              </a:ext>
+            </a:extLst>
+          </p:cNvPr>
+          <p:cNvCxnSpPr>
+            <a:cxnSpLocks/>
+          </p:cNvCxnSpPr>
+          <p:nvPr/>
+        </p:nvCxnSpPr>
+        <p:spPr>
+          <a:xfrm flipH="1">
+            <a:off x="2772383" y="2599179"/>
+            <a:ext cx="675602" cy="0"/>
+          </a:xfrm>
+          <a:prstGeom prst="straightConnector1">
+            <a:avLst/>
+          </a:prstGeom>
+          <a:ln w="12700">
+            <a:solidFill>
+              <a:schemeClr val="tx1"/>
+            </a:solidFill>
+            <a:tailEnd type="triangle"/>
+          </a:ln>
+        </p:spPr>
+        <p:style>
+          <a:lnRef idx="1">
+            <a:schemeClr val="accent1"/>
+          </a:lnRef>
+          <a:fillRef idx="0">
+            <a:schemeClr val="accent1"/>
+          </a:fillRef>
+          <a:effectRef idx="0">
+            <a:schemeClr val="accent1"/>
+          </a:effectRef>
+          <a:fontRef idx="minor">
+            <a:schemeClr val="tx1"/>
+          </a:fontRef>
+        </p:style>
+      </p:cxnSp>
+      <p:cxnSp>
+        <p:nvCxnSpPr>
+          <p:cNvPr id="37" name="Conector recto de flecha 36">
+            <a:extLst>
+              <a:ext uri="{FF2B5EF4-FFF2-40B4-BE49-F238E27FC236}">
+                <a16:creationId xmlns:a16="http://schemas.microsoft.com/office/drawing/2014/main" id="{B5B2D170-D301-415B-91D1-A2DF46EC213C}"/>
+              </a:ext>
+            </a:extLst>
+          </p:cNvPr>
+          <p:cNvCxnSpPr>
+            <a:cxnSpLocks/>
+          </p:cNvCxnSpPr>
+          <p:nvPr/>
+        </p:nvCxnSpPr>
+        <p:spPr>
+          <a:xfrm>
+            <a:off x="2779739" y="3033110"/>
+            <a:ext cx="668246" cy="0"/>
+          </a:xfrm>
+          <a:prstGeom prst="straightConnector1">
+            <a:avLst/>
+          </a:prstGeom>
+          <a:ln w="12700">
+            <a:solidFill>
+              <a:schemeClr val="tx1"/>
+            </a:solidFill>
+            <a:tailEnd type="triangle"/>
+          </a:ln>
+        </p:spPr>
+        <p:style>
+          <a:lnRef idx="1">
+            <a:schemeClr val="accent1"/>
+          </a:lnRef>
+          <a:fillRef idx="0">
+            <a:schemeClr val="accent1"/>
+          </a:fillRef>
+          <a:effectRef idx="0">
+            <a:schemeClr val="accent1"/>
+          </a:effectRef>
+          <a:fontRef idx="minor">
+            <a:schemeClr val="tx1"/>
+          </a:fontRef>
+        </p:style>
+      </p:cxnSp>
+      <p:cxnSp>
+        <p:nvCxnSpPr>
+          <p:cNvPr id="38" name="Conector recto de flecha 37">
+            <a:extLst>
+              <a:ext uri="{FF2B5EF4-FFF2-40B4-BE49-F238E27FC236}">
+                <a16:creationId xmlns:a16="http://schemas.microsoft.com/office/drawing/2014/main" id="{F4BF7AD1-0B29-4ABE-ABC4-69EF77556658}"/>
+              </a:ext>
+            </a:extLst>
+          </p:cNvPr>
+          <p:cNvCxnSpPr>
+            <a:cxnSpLocks/>
+          </p:cNvCxnSpPr>
+          <p:nvPr/>
+        </p:nvCxnSpPr>
+        <p:spPr>
+          <a:xfrm flipH="1">
+            <a:off x="2772383" y="3317714"/>
+            <a:ext cx="675602" cy="0"/>
+          </a:xfrm>
+          <a:prstGeom prst="straightConnector1">
+            <a:avLst/>
+          </a:prstGeom>
+          <a:ln w="12700">
+            <a:solidFill>
+              <a:schemeClr val="tx1"/>
+            </a:solidFill>
+            <a:tailEnd type="triangle"/>
+          </a:ln>
+        </p:spPr>
+        <p:style>
+          <a:lnRef idx="1">
+            <a:schemeClr val="accent1"/>
+          </a:lnRef>
+          <a:fillRef idx="0">
+            <a:schemeClr val="accent1"/>
+          </a:fillRef>
+          <a:effectRef idx="0">
+            <a:schemeClr val="accent1"/>
+          </a:effectRef>
+          <a:fontRef idx="minor">
+            <a:schemeClr val="tx1"/>
+          </a:fontRef>
+        </p:style>
+      </p:cxnSp>
+      <p:cxnSp>
+        <p:nvCxnSpPr>
+          <p:cNvPr id="39" name="Conector recto de flecha 38">
+            <a:extLst>
+              <a:ext uri="{FF2B5EF4-FFF2-40B4-BE49-F238E27FC236}">
+                <a16:creationId xmlns:a16="http://schemas.microsoft.com/office/drawing/2014/main" id="{31EBEEBF-A707-41DF-AFD1-E4CDEC433F7A}"/>
+              </a:ext>
+            </a:extLst>
+          </p:cNvPr>
+          <p:cNvCxnSpPr>
+            <a:cxnSpLocks/>
+          </p:cNvCxnSpPr>
+          <p:nvPr/>
+        </p:nvCxnSpPr>
+        <p:spPr>
+          <a:xfrm>
+            <a:off x="2772383" y="1852613"/>
+            <a:ext cx="3301392" cy="0"/>
+          </a:xfrm>
+          <a:prstGeom prst="straightConnector1">
+            <a:avLst/>
+          </a:prstGeom>
+          <a:ln w="12700">
+            <a:solidFill>
+              <a:schemeClr val="tx1"/>
+            </a:solidFill>
+            <a:tailEnd type="triangle"/>
+          </a:ln>
+        </p:spPr>
+        <p:style>
+          <a:lnRef idx="1">
+            <a:schemeClr val="accent1"/>
+          </a:lnRef>
+          <a:fillRef idx="0">
+            <a:schemeClr val="accent1"/>
+          </a:fillRef>
+          <a:effectRef idx="0">
+            <a:schemeClr val="accent1"/>
+          </a:effectRef>
+          <a:fontRef idx="minor">
+            <a:schemeClr val="tx1"/>
+          </a:fontRef>
+        </p:style>
+      </p:cxnSp>
+      <p:cxnSp>
+        <p:nvCxnSpPr>
+          <p:cNvPr id="41" name="Conector recto de flecha 40">
+            <a:extLst>
+              <a:ext uri="{FF2B5EF4-FFF2-40B4-BE49-F238E27FC236}">
+                <a16:creationId xmlns:a16="http://schemas.microsoft.com/office/drawing/2014/main" id="{3ED95D8F-8D0E-43A5-B662-0EE692AB9B6F}"/>
+              </a:ext>
+            </a:extLst>
+          </p:cNvPr>
+          <p:cNvCxnSpPr>
+            <a:cxnSpLocks/>
+          </p:cNvCxnSpPr>
+          <p:nvPr/>
+        </p:nvCxnSpPr>
+        <p:spPr>
+          <a:xfrm>
+            <a:off x="4152900" y="3756660"/>
+            <a:ext cx="1943100" cy="0"/>
+          </a:xfrm>
+          <a:prstGeom prst="straightConnector1">
+            <a:avLst/>
+          </a:prstGeom>
+          <a:ln w="12700">
+            <a:solidFill>
+              <a:schemeClr val="tx1"/>
+            </a:solidFill>
+            <a:tailEnd type="triangle"/>
+          </a:ln>
+        </p:spPr>
+        <p:style>
+          <a:lnRef idx="1">
+            <a:schemeClr val="accent1"/>
+          </a:lnRef>
+          <a:fillRef idx="0">
+            <a:schemeClr val="accent1"/>
+          </a:fillRef>
+          <a:effectRef idx="0">
+            <a:schemeClr val="accent1"/>
+          </a:effectRef>
+          <a:fontRef idx="minor">
+            <a:schemeClr val="tx1"/>
+          </a:fontRef>
+        </p:style>
+      </p:cxnSp>
+      <p:cxnSp>
+        <p:nvCxnSpPr>
+          <p:cNvPr id="47" name="Conector recto de flecha 46">
+            <a:extLst>
+              <a:ext uri="{FF2B5EF4-FFF2-40B4-BE49-F238E27FC236}">
+                <a16:creationId xmlns:a16="http://schemas.microsoft.com/office/drawing/2014/main" id="{F6B62987-9B77-4CD2-BF9D-F5DD5EF44E3F}"/>
+              </a:ext>
+            </a:extLst>
+          </p:cNvPr>
+          <p:cNvCxnSpPr>
+            <a:cxnSpLocks/>
+          </p:cNvCxnSpPr>
+          <p:nvPr/>
+        </p:nvCxnSpPr>
+        <p:spPr>
+          <a:xfrm>
+            <a:off x="936818" y="1868488"/>
+            <a:ext cx="668246" cy="0"/>
+          </a:xfrm>
+          <a:prstGeom prst="straightConnector1">
+            <a:avLst/>
+          </a:prstGeom>
+          <a:ln w="12700">
+            <a:solidFill>
+              <a:schemeClr val="tx1"/>
+            </a:solidFill>
+            <a:tailEnd type="triangle"/>
+          </a:ln>
+        </p:spPr>
+        <p:style>
+          <a:lnRef idx="1">
+            <a:schemeClr val="accent1"/>
+          </a:lnRef>
+          <a:fillRef idx="0">
+            <a:schemeClr val="accent1"/>
+          </a:fillRef>
+          <a:effectRef idx="0">
+            <a:schemeClr val="accent1"/>
+          </a:effectRef>
+          <a:fontRef idx="minor">
+            <a:schemeClr val="tx1"/>
+          </a:fontRef>
+        </p:style>
+      </p:cxnSp>
+      <p:cxnSp>
+        <p:nvCxnSpPr>
+          <p:cNvPr id="48" name="Conector recto de flecha 47">
+            <a:extLst>
+              <a:ext uri="{FF2B5EF4-FFF2-40B4-BE49-F238E27FC236}">
+                <a16:creationId xmlns:a16="http://schemas.microsoft.com/office/drawing/2014/main" id="{1B2C45A9-921C-4A1E-87FD-14289BEC3AE4}"/>
+              </a:ext>
+            </a:extLst>
+          </p:cNvPr>
+          <p:cNvCxnSpPr>
+            <a:cxnSpLocks/>
+          </p:cNvCxnSpPr>
+          <p:nvPr/>
+        </p:nvCxnSpPr>
+        <p:spPr>
+          <a:xfrm>
+            <a:off x="936818" y="2128838"/>
+            <a:ext cx="668246" cy="0"/>
+          </a:xfrm>
+          <a:prstGeom prst="straightConnector1">
+            <a:avLst/>
+          </a:prstGeom>
+          <a:ln w="12700">
+            <a:solidFill>
+              <a:schemeClr val="tx1"/>
+            </a:solidFill>
+            <a:tailEnd type="triangle"/>
+          </a:ln>
+        </p:spPr>
+        <p:style>
+          <a:lnRef idx="1">
+            <a:schemeClr val="accent1"/>
+          </a:lnRef>
+          <a:fillRef idx="0">
+            <a:schemeClr val="accent1"/>
+          </a:fillRef>
+          <a:effectRef idx="0">
+            <a:schemeClr val="accent1"/>
+          </a:effectRef>
+          <a:fontRef idx="minor">
+            <a:schemeClr val="tx1"/>
+          </a:fontRef>
+        </p:style>
+      </p:cxnSp>
+      <p:cxnSp>
+        <p:nvCxnSpPr>
+          <p:cNvPr id="49" name="Conector recto de flecha 48">
+            <a:extLst>
+              <a:ext uri="{FF2B5EF4-FFF2-40B4-BE49-F238E27FC236}">
+                <a16:creationId xmlns:a16="http://schemas.microsoft.com/office/drawing/2014/main" id="{2D1ABC2A-A2E4-45C7-B01C-440E3FAECB7D}"/>
+              </a:ext>
+            </a:extLst>
+          </p:cNvPr>
+          <p:cNvCxnSpPr>
+            <a:cxnSpLocks/>
+          </p:cNvCxnSpPr>
+          <p:nvPr/>
+        </p:nvCxnSpPr>
+        <p:spPr>
+          <a:xfrm>
+            <a:off x="936818" y="2389188"/>
+            <a:ext cx="668246" cy="0"/>
+          </a:xfrm>
+          <a:prstGeom prst="straightConnector1">
+            <a:avLst/>
+          </a:prstGeom>
+          <a:ln w="12700">
+            <a:solidFill>
+              <a:schemeClr val="tx1"/>
+            </a:solidFill>
+            <a:tailEnd type="triangle"/>
+          </a:ln>
+        </p:spPr>
+        <p:style>
+          <a:lnRef idx="1">
+            <a:schemeClr val="accent1"/>
+          </a:lnRef>
+          <a:fillRef idx="0">
+            <a:schemeClr val="accent1"/>
+          </a:fillRef>
+          <a:effectRef idx="0">
+            <a:schemeClr val="accent1"/>
+          </a:effectRef>
+          <a:fontRef idx="minor">
+            <a:schemeClr val="tx1"/>
+          </a:fontRef>
+        </p:style>
+      </p:cxnSp>
+      <p:cxnSp>
+        <p:nvCxnSpPr>
+          <p:cNvPr id="50" name="Conector recto de flecha 49">
+            <a:extLst>
+              <a:ext uri="{FF2B5EF4-FFF2-40B4-BE49-F238E27FC236}">
+                <a16:creationId xmlns:a16="http://schemas.microsoft.com/office/drawing/2014/main" id="{88818E6B-A563-41E3-86D5-5946E7961161}"/>
+              </a:ext>
+            </a:extLst>
+          </p:cNvPr>
+          <p:cNvCxnSpPr>
+            <a:cxnSpLocks/>
+          </p:cNvCxnSpPr>
+          <p:nvPr/>
+        </p:nvCxnSpPr>
+        <p:spPr>
+          <a:xfrm>
+            <a:off x="3377034" y="4865194"/>
+            <a:ext cx="379498" cy="0"/>
+          </a:xfrm>
+          <a:prstGeom prst="straightConnector1">
+            <a:avLst/>
+          </a:prstGeom>
+          <a:ln w="12700">
+            <a:solidFill>
+              <a:schemeClr val="tx1"/>
+            </a:solidFill>
+            <a:tailEnd type="triangle"/>
+          </a:ln>
+        </p:spPr>
+        <p:style>
+          <a:lnRef idx="1">
+            <a:schemeClr val="accent1"/>
+          </a:lnRef>
+          <a:fillRef idx="0">
+            <a:schemeClr val="accent1"/>
+          </a:fillRef>
+          <a:effectRef idx="0">
+            <a:schemeClr val="accent1"/>
+          </a:effectRef>
+          <a:fontRef idx="minor">
+            <a:schemeClr val="tx1"/>
+          </a:fontRef>
+        </p:style>
+      </p:cxnSp>
+      <p:cxnSp>
+        <p:nvCxnSpPr>
+          <p:cNvPr id="52" name="Conector recto de flecha 51">
+            <a:extLst>
+              <a:ext uri="{FF2B5EF4-FFF2-40B4-BE49-F238E27FC236}">
+                <a16:creationId xmlns:a16="http://schemas.microsoft.com/office/drawing/2014/main" id="{3F587D4B-51C4-4D9D-A09C-6D9A3BF7678F}"/>
+              </a:ext>
+            </a:extLst>
+          </p:cNvPr>
+          <p:cNvCxnSpPr>
+            <a:cxnSpLocks/>
+          </p:cNvCxnSpPr>
+          <p:nvPr/>
+        </p:nvCxnSpPr>
+        <p:spPr>
+          <a:xfrm>
+            <a:off x="3377034" y="5025214"/>
+            <a:ext cx="379498" cy="0"/>
+          </a:xfrm>
+          <a:prstGeom prst="straightConnector1">
+            <a:avLst/>
+          </a:prstGeom>
+          <a:ln w="12700">
+            <a:solidFill>
+              <a:schemeClr val="tx1"/>
+            </a:solidFill>
+            <a:tailEnd type="triangle"/>
+          </a:ln>
+        </p:spPr>
+        <p:style>
+          <a:lnRef idx="1">
+            <a:schemeClr val="accent1"/>
+          </a:lnRef>
+          <a:fillRef idx="0">
+            <a:schemeClr val="accent1"/>
+          </a:fillRef>
+          <a:effectRef idx="0">
+            <a:schemeClr val="accent1"/>
+          </a:effectRef>
+          <a:fontRef idx="minor">
+            <a:schemeClr val="tx1"/>
+          </a:fontRef>
+        </p:style>
+      </p:cxnSp>
+      <p:cxnSp>
+        <p:nvCxnSpPr>
+          <p:cNvPr id="53" name="Conector recto de flecha 52">
+            <a:extLst>
+              <a:ext uri="{FF2B5EF4-FFF2-40B4-BE49-F238E27FC236}">
+                <a16:creationId xmlns:a16="http://schemas.microsoft.com/office/drawing/2014/main" id="{EEF96408-FE12-44F0-8C56-21E4E06D840A}"/>
+              </a:ext>
+            </a:extLst>
+          </p:cNvPr>
+          <p:cNvCxnSpPr>
+            <a:cxnSpLocks/>
+          </p:cNvCxnSpPr>
+          <p:nvPr/>
+        </p:nvCxnSpPr>
+        <p:spPr>
+          <a:xfrm>
+            <a:off x="3377034" y="5188747"/>
+            <a:ext cx="379498" cy="0"/>
+          </a:xfrm>
+          <a:prstGeom prst="straightConnector1">
+            <a:avLst/>
+          </a:prstGeom>
+          <a:ln w="12700">
+            <a:solidFill>
+              <a:schemeClr val="tx1"/>
+            </a:solidFill>
+            <a:tailEnd type="triangle"/>
+          </a:ln>
+        </p:spPr>
+        <p:style>
+          <a:lnRef idx="1">
+            <a:schemeClr val="accent1"/>
+          </a:lnRef>
+          <a:fillRef idx="0">
+            <a:schemeClr val="accent1"/>
+          </a:fillRef>
+          <a:effectRef idx="0">
+            <a:schemeClr val="accent1"/>
+          </a:effectRef>
+          <a:fontRef idx="minor">
+            <a:schemeClr val="tx1"/>
+          </a:fontRef>
+        </p:style>
+      </p:cxnSp>
+      <p:cxnSp>
+        <p:nvCxnSpPr>
+          <p:cNvPr id="54" name="Conector recto de flecha 53">
+            <a:extLst>
+              <a:ext uri="{FF2B5EF4-FFF2-40B4-BE49-F238E27FC236}">
+                <a16:creationId xmlns:a16="http://schemas.microsoft.com/office/drawing/2014/main" id="{65BEB4D8-20ED-421B-A403-0C4DAFCD606A}"/>
+              </a:ext>
+            </a:extLst>
+          </p:cNvPr>
+          <p:cNvCxnSpPr>
+            <a:cxnSpLocks/>
+          </p:cNvCxnSpPr>
+          <p:nvPr/>
+        </p:nvCxnSpPr>
+        <p:spPr>
+          <a:xfrm>
+            <a:off x="3374133" y="5347794"/>
+            <a:ext cx="379498" cy="0"/>
+          </a:xfrm>
+          <a:prstGeom prst="straightConnector1">
+            <a:avLst/>
+          </a:prstGeom>
+          <a:ln w="12700">
+            <a:solidFill>
+              <a:schemeClr val="tx1"/>
+            </a:solidFill>
+            <a:tailEnd type="triangle"/>
+          </a:ln>
+        </p:spPr>
+        <p:style>
+          <a:lnRef idx="1">
+            <a:schemeClr val="accent1"/>
+          </a:lnRef>
+          <a:fillRef idx="0">
+            <a:schemeClr val="accent1"/>
+          </a:fillRef>
+          <a:effectRef idx="0">
+            <a:schemeClr val="accent1"/>
+          </a:effectRef>
+          <a:fontRef idx="minor">
+            <a:schemeClr val="tx1"/>
+          </a:fontRef>
+        </p:style>
+      </p:cxnSp>
+      <p:cxnSp>
+        <p:nvCxnSpPr>
+          <p:cNvPr id="56" name="Conector recto de flecha 55">
+            <a:extLst>
+              <a:ext uri="{FF2B5EF4-FFF2-40B4-BE49-F238E27FC236}">
+                <a16:creationId xmlns:a16="http://schemas.microsoft.com/office/drawing/2014/main" id="{375B7017-53EE-416F-BA47-B59633D3767D}"/>
+              </a:ext>
+            </a:extLst>
+          </p:cNvPr>
+          <p:cNvCxnSpPr>
+            <a:cxnSpLocks/>
+          </p:cNvCxnSpPr>
+          <p:nvPr/>
+        </p:nvCxnSpPr>
+        <p:spPr>
+          <a:xfrm>
+            <a:off x="4173732" y="4062110"/>
+            <a:ext cx="668246" cy="0"/>
+          </a:xfrm>
+          <a:prstGeom prst="straightConnector1">
+            <a:avLst/>
+          </a:prstGeom>
+          <a:ln w="12700">
+            <a:solidFill>
+              <a:schemeClr val="tx1"/>
+            </a:solidFill>
+            <a:tailEnd type="triangle"/>
+          </a:ln>
+        </p:spPr>
+        <p:style>
+          <a:lnRef idx="1">
+            <a:schemeClr val="accent1"/>
+          </a:lnRef>
+          <a:fillRef idx="0">
+            <a:schemeClr val="accent1"/>
+          </a:fillRef>
+          <a:effectRef idx="0">
+            <a:schemeClr val="accent1"/>
+          </a:effectRef>
+          <a:fontRef idx="minor">
+            <a:schemeClr val="tx1"/>
+          </a:fontRef>
+        </p:style>
+      </p:cxnSp>
+      <p:cxnSp>
+        <p:nvCxnSpPr>
+          <p:cNvPr id="57" name="Conector recto de flecha 56">
+            <a:extLst>
+              <a:ext uri="{FF2B5EF4-FFF2-40B4-BE49-F238E27FC236}">
+                <a16:creationId xmlns:a16="http://schemas.microsoft.com/office/drawing/2014/main" id="{64AF57EA-A71A-44C4-A993-120925988A07}"/>
+              </a:ext>
+            </a:extLst>
+          </p:cNvPr>
+          <p:cNvCxnSpPr>
+            <a:cxnSpLocks/>
+          </p:cNvCxnSpPr>
+          <p:nvPr/>
+        </p:nvCxnSpPr>
+        <p:spPr>
+          <a:xfrm flipH="1">
+            <a:off x="4166376" y="4346714"/>
+            <a:ext cx="675602" cy="0"/>
+          </a:xfrm>
+          <a:prstGeom prst="straightConnector1">
+            <a:avLst/>
+          </a:prstGeom>
+          <a:ln w="12700">
+            <a:solidFill>
+              <a:schemeClr val="tx1"/>
+            </a:solidFill>
+            <a:tailEnd type="triangle"/>
+          </a:ln>
+        </p:spPr>
+        <p:style>
+          <a:lnRef idx="1">
+            <a:schemeClr val="accent1"/>
+          </a:lnRef>
+          <a:fillRef idx="0">
+            <a:schemeClr val="accent1"/>
+          </a:fillRef>
+          <a:effectRef idx="0">
+            <a:schemeClr val="accent1"/>
+          </a:effectRef>
+          <a:fontRef idx="minor">
+            <a:schemeClr val="tx1"/>
+          </a:fontRef>
+        </p:style>
+      </p:cxnSp>
+      <p:sp>
+        <p:nvSpPr>
+          <p:cNvPr id="58" name="CuadroTexto 57">
+            <a:extLst>
+              <a:ext uri="{FF2B5EF4-FFF2-40B4-BE49-F238E27FC236}">
+                <a16:creationId xmlns:a16="http://schemas.microsoft.com/office/drawing/2014/main" id="{79BF769C-28E6-4AB8-8963-C685FC269446}"/>
+              </a:ext>
+            </a:extLst>
+          </p:cNvPr>
+          <p:cNvSpPr txBox="1"/>
+          <p:nvPr/>
+        </p:nvSpPr>
+        <p:spPr>
+          <a:xfrm>
+            <a:off x="4468139" y="1637656"/>
+            <a:ext cx="906017" cy="230832"/>
+          </a:xfrm>
+          <a:prstGeom prst="rect">
+            <a:avLst/>
+          </a:prstGeom>
+          <a:noFill/>
+        </p:spPr>
+        <p:txBody>
+          <a:bodyPr wrap="none" rtlCol="0">
+            <a:spAutoFit/>
+          </a:bodyPr>
+          <a:lstStyle/>
+          <a:p>
+            <a:r>
+              <a:rPr lang="es-ES" sz="900" i="1" dirty="0"/>
+              <a:t>OUT_MESSAGE</a:t>
+            </a:r>
+          </a:p>
+        </p:txBody>
+      </p:sp>
+      <p:sp>
+        <p:nvSpPr>
+          <p:cNvPr id="59" name="CuadroTexto 58">
+            <a:extLst>
+              <a:ext uri="{FF2B5EF4-FFF2-40B4-BE49-F238E27FC236}">
+                <a16:creationId xmlns:a16="http://schemas.microsoft.com/office/drawing/2014/main" id="{319A5172-03C7-4B2B-92B1-B93D5D550FD2}"/>
+              </a:ext>
+            </a:extLst>
+          </p:cNvPr>
+          <p:cNvSpPr txBox="1"/>
+          <p:nvPr/>
+        </p:nvSpPr>
+        <p:spPr>
+          <a:xfrm>
+            <a:off x="674697" y="2198688"/>
+            <a:ext cx="774571" cy="230832"/>
+          </a:xfrm>
+          <a:prstGeom prst="rect">
+            <a:avLst/>
+          </a:prstGeom>
+          <a:noFill/>
+        </p:spPr>
+        <p:txBody>
+          <a:bodyPr wrap="none" rtlCol="0">
+            <a:spAutoFit/>
+          </a:bodyPr>
+          <a:lstStyle/>
+          <a:p>
+            <a:r>
+              <a:rPr lang="es-ES" sz="900" i="1" dirty="0"/>
+              <a:t>OK_BUTTON</a:t>
+            </a:r>
+          </a:p>
+        </p:txBody>
+      </p:sp>
+      <p:sp>
+        <p:nvSpPr>
+          <p:cNvPr id="60" name="CuadroTexto 59">
+            <a:extLst>
+              <a:ext uri="{FF2B5EF4-FFF2-40B4-BE49-F238E27FC236}">
+                <a16:creationId xmlns:a16="http://schemas.microsoft.com/office/drawing/2014/main" id="{413448F3-1DB5-427F-B64E-B3EA01488AC8}"/>
+              </a:ext>
+            </a:extLst>
+          </p:cNvPr>
+          <p:cNvSpPr txBox="1"/>
+          <p:nvPr/>
+        </p:nvSpPr>
+        <p:spPr>
+          <a:xfrm>
+            <a:off x="849424" y="1927525"/>
+            <a:ext cx="599844" cy="230832"/>
+          </a:xfrm>
+          <a:prstGeom prst="rect">
+            <a:avLst/>
+          </a:prstGeom>
+          <a:noFill/>
+        </p:spPr>
+        <p:txBody>
+          <a:bodyPr wrap="none" rtlCol="0">
+            <a:spAutoFit/>
+          </a:bodyPr>
+          <a:lstStyle/>
+          <a:p>
+            <a:r>
+              <a:rPr lang="es-ES" sz="900" i="1" dirty="0"/>
+              <a:t>RESET_N</a:t>
+            </a:r>
+          </a:p>
+        </p:txBody>
+      </p:sp>
+      <p:sp>
+        <p:nvSpPr>
+          <p:cNvPr id="61" name="CuadroTexto 60">
+            <a:extLst>
+              <a:ext uri="{FF2B5EF4-FFF2-40B4-BE49-F238E27FC236}">
+                <a16:creationId xmlns:a16="http://schemas.microsoft.com/office/drawing/2014/main" id="{6BB2DBA4-3FE1-4AC4-8212-D2051ABFF1D3}"/>
+              </a:ext>
+            </a:extLst>
+          </p:cNvPr>
+          <p:cNvSpPr txBox="1"/>
+          <p:nvPr/>
+        </p:nvSpPr>
+        <p:spPr>
+          <a:xfrm>
+            <a:off x="845436" y="1696694"/>
+            <a:ext cx="352982" cy="230832"/>
+          </a:xfrm>
+          <a:prstGeom prst="rect">
+            <a:avLst/>
+          </a:prstGeom>
+          <a:noFill/>
+        </p:spPr>
+        <p:txBody>
+          <a:bodyPr wrap="none" rtlCol="0">
+            <a:spAutoFit/>
+          </a:bodyPr>
+          <a:lstStyle/>
+          <a:p>
+            <a:r>
+              <a:rPr lang="es-ES" sz="900" i="1" dirty="0"/>
+              <a:t>CLK</a:t>
+            </a:r>
+          </a:p>
+        </p:txBody>
+      </p:sp>
+      <p:sp>
+        <p:nvSpPr>
+          <p:cNvPr id="62" name="CuadroTexto 61">
+            <a:extLst>
+              <a:ext uri="{FF2B5EF4-FFF2-40B4-BE49-F238E27FC236}">
+                <a16:creationId xmlns:a16="http://schemas.microsoft.com/office/drawing/2014/main" id="{A6C871AB-EF38-4F9F-8AC1-F080FFAA14EA}"/>
+              </a:ext>
+            </a:extLst>
+          </p:cNvPr>
+          <p:cNvSpPr txBox="1"/>
+          <p:nvPr/>
+        </p:nvSpPr>
+        <p:spPr>
+          <a:xfrm>
+            <a:off x="4955262" y="3567001"/>
+            <a:ext cx="386116" cy="230832"/>
+          </a:xfrm>
+          <a:prstGeom prst="rect">
+            <a:avLst/>
+          </a:prstGeom>
+          <a:noFill/>
+        </p:spPr>
+        <p:txBody>
+          <a:bodyPr wrap="square" rtlCol="0">
+            <a:spAutoFit/>
+          </a:bodyPr>
+          <a:lstStyle/>
+          <a:p>
+            <a:r>
+              <a:rPr lang="es-ES" sz="900" i="1" dirty="0"/>
+              <a:t>LED</a:t>
+            </a:r>
+          </a:p>
+        </p:txBody>
+      </p:sp>
+      <p:sp>
+        <p:nvSpPr>
+          <p:cNvPr id="66" name="CuadroTexto 65">
+            <a:extLst>
+              <a:ext uri="{FF2B5EF4-FFF2-40B4-BE49-F238E27FC236}">
+                <a16:creationId xmlns:a16="http://schemas.microsoft.com/office/drawing/2014/main" id="{86396181-176F-415E-836E-511A097F0D1B}"/>
+              </a:ext>
+            </a:extLst>
+          </p:cNvPr>
+          <p:cNvSpPr txBox="1"/>
+          <p:nvPr/>
+        </p:nvSpPr>
+        <p:spPr>
+          <a:xfrm>
+            <a:off x="3128305" y="4718972"/>
+            <a:ext cx="643125" cy="200055"/>
+          </a:xfrm>
+          <a:prstGeom prst="rect">
+            <a:avLst/>
+          </a:prstGeom>
+          <a:noFill/>
+        </p:spPr>
+        <p:txBody>
+          <a:bodyPr wrap="none" rtlCol="0">
+            <a:spAutoFit/>
+          </a:bodyPr>
+          <a:lstStyle/>
+          <a:p>
+            <a:r>
+              <a:rPr lang="es-ES" sz="700" i="1" dirty="0"/>
+              <a:t>UP_BUTTON</a:t>
+            </a:r>
+          </a:p>
+        </p:txBody>
+      </p:sp>
+      <p:sp>
+        <p:nvSpPr>
+          <p:cNvPr id="67" name="CuadroTexto 66">
+            <a:extLst>
+              <a:ext uri="{FF2B5EF4-FFF2-40B4-BE49-F238E27FC236}">
+                <a16:creationId xmlns:a16="http://schemas.microsoft.com/office/drawing/2014/main" id="{F398F2D6-56E2-4F05-BCC9-9090215378F4}"/>
+              </a:ext>
+            </a:extLst>
+          </p:cNvPr>
+          <p:cNvSpPr txBox="1"/>
+          <p:nvPr/>
+        </p:nvSpPr>
+        <p:spPr>
+          <a:xfrm>
+            <a:off x="2981733" y="4871910"/>
+            <a:ext cx="790601" cy="200055"/>
+          </a:xfrm>
+          <a:prstGeom prst="rect">
+            <a:avLst/>
+          </a:prstGeom>
+          <a:noFill/>
+        </p:spPr>
+        <p:txBody>
+          <a:bodyPr wrap="none" rtlCol="0">
+            <a:spAutoFit/>
+          </a:bodyPr>
+          <a:lstStyle/>
+          <a:p>
+            <a:r>
+              <a:rPr lang="es-ES" sz="700" i="1" dirty="0"/>
+              <a:t>DOWN_BUTTON</a:t>
+            </a:r>
+          </a:p>
+        </p:txBody>
+      </p:sp>
+      <p:sp>
+        <p:nvSpPr>
+          <p:cNvPr id="68" name="CuadroTexto 67">
+            <a:extLst>
+              <a:ext uri="{FF2B5EF4-FFF2-40B4-BE49-F238E27FC236}">
+                <a16:creationId xmlns:a16="http://schemas.microsoft.com/office/drawing/2014/main" id="{8B2A0000-229C-46FA-99F1-A1B9D6BA1C4E}"/>
+              </a:ext>
+            </a:extLst>
+          </p:cNvPr>
+          <p:cNvSpPr txBox="1"/>
+          <p:nvPr/>
+        </p:nvSpPr>
+        <p:spPr>
+          <a:xfrm>
+            <a:off x="3064780" y="5049155"/>
+            <a:ext cx="705642" cy="200055"/>
+          </a:xfrm>
+          <a:prstGeom prst="rect">
+            <a:avLst/>
+          </a:prstGeom>
+          <a:noFill/>
+        </p:spPr>
+        <p:txBody>
+          <a:bodyPr wrap="none" rtlCol="0">
+            <a:spAutoFit/>
+          </a:bodyPr>
+          <a:lstStyle/>
+          <a:p>
+            <a:r>
+              <a:rPr lang="es-ES" sz="700" i="1" dirty="0"/>
+              <a:t>LEFT_BUTTON</a:t>
+            </a:r>
+          </a:p>
+        </p:txBody>
+      </p:sp>
+      <p:sp>
+        <p:nvSpPr>
+          <p:cNvPr id="69" name="CuadroTexto 68">
+            <a:extLst>
+              <a:ext uri="{FF2B5EF4-FFF2-40B4-BE49-F238E27FC236}">
+                <a16:creationId xmlns:a16="http://schemas.microsoft.com/office/drawing/2014/main" id="{582B6678-571B-4B8C-A794-94D79F1060C0}"/>
+              </a:ext>
+            </a:extLst>
+          </p:cNvPr>
+          <p:cNvSpPr txBox="1"/>
+          <p:nvPr/>
+        </p:nvSpPr>
+        <p:spPr>
+          <a:xfrm>
+            <a:off x="2999028" y="5204316"/>
+            <a:ext cx="764953" cy="200055"/>
+          </a:xfrm>
+          <a:prstGeom prst="rect">
+            <a:avLst/>
+          </a:prstGeom>
+          <a:noFill/>
+        </p:spPr>
+        <p:txBody>
+          <a:bodyPr wrap="none" rtlCol="0">
+            <a:spAutoFit/>
+          </a:bodyPr>
+          <a:lstStyle/>
+          <a:p>
+            <a:r>
+              <a:rPr lang="es-ES" sz="700" i="1" dirty="0"/>
+              <a:t>RIGHT_BUTTON</a:t>
+            </a:r>
+          </a:p>
+        </p:txBody>
+      </p:sp>
+      <p:cxnSp>
+        <p:nvCxnSpPr>
+          <p:cNvPr id="70" name="Conector recto de flecha 69">
+            <a:extLst>
+              <a:ext uri="{FF2B5EF4-FFF2-40B4-BE49-F238E27FC236}">
+                <a16:creationId xmlns:a16="http://schemas.microsoft.com/office/drawing/2014/main" id="{A6775B3D-6D09-4E0A-B8CE-B4432D1B11B2}"/>
+              </a:ext>
+            </a:extLst>
+          </p:cNvPr>
+          <p:cNvCxnSpPr>
+            <a:cxnSpLocks/>
+          </p:cNvCxnSpPr>
+          <p:nvPr/>
+        </p:nvCxnSpPr>
+        <p:spPr>
+          <a:xfrm>
+            <a:off x="2787095" y="3822467"/>
+            <a:ext cx="690879" cy="0"/>
+          </a:xfrm>
+          <a:prstGeom prst="straightConnector1">
+            <a:avLst/>
+          </a:prstGeom>
+          <a:ln w="12700">
+            <a:solidFill>
+              <a:schemeClr val="tx1"/>
+            </a:solidFill>
+            <a:tailEnd type="triangle"/>
+          </a:ln>
+        </p:spPr>
+        <p:style>
+          <a:lnRef idx="1">
+            <a:schemeClr val="accent1"/>
+          </a:lnRef>
+          <a:fillRef idx="0">
+            <a:schemeClr val="accent1"/>
+          </a:fillRef>
+          <a:effectRef idx="0">
+            <a:schemeClr val="accent1"/>
+          </a:effectRef>
+          <a:fontRef idx="minor">
+            <a:schemeClr val="tx1"/>
+          </a:fontRef>
+        </p:style>
+      </p:cxnSp>
+      <p:cxnSp>
+        <p:nvCxnSpPr>
+          <p:cNvPr id="71" name="Conector recto de flecha 70">
+            <a:extLst>
+              <a:ext uri="{FF2B5EF4-FFF2-40B4-BE49-F238E27FC236}">
+                <a16:creationId xmlns:a16="http://schemas.microsoft.com/office/drawing/2014/main" id="{75185600-3E4A-465D-9E26-FD91EF862EC4}"/>
+              </a:ext>
+            </a:extLst>
+          </p:cNvPr>
+          <p:cNvCxnSpPr>
+            <a:cxnSpLocks/>
+          </p:cNvCxnSpPr>
+          <p:nvPr/>
+        </p:nvCxnSpPr>
+        <p:spPr>
+          <a:xfrm flipH="1">
+            <a:off x="2787095" y="4303921"/>
+            <a:ext cx="675602" cy="0"/>
+          </a:xfrm>
+          <a:prstGeom prst="straightConnector1">
+            <a:avLst/>
+          </a:prstGeom>
+          <a:ln w="12700">
+            <a:solidFill>
+              <a:schemeClr val="tx1"/>
+            </a:solidFill>
+            <a:tailEnd type="triangle"/>
+          </a:ln>
+        </p:spPr>
+        <p:style>
+          <a:lnRef idx="1">
+            <a:schemeClr val="accent1"/>
+          </a:lnRef>
+          <a:fillRef idx="0">
+            <a:schemeClr val="accent1"/>
+          </a:fillRef>
+          <a:effectRef idx="0">
+            <a:schemeClr val="accent1"/>
+          </a:effectRef>
+          <a:fontRef idx="minor">
+            <a:schemeClr val="tx1"/>
+          </a:fontRef>
+        </p:style>
+      </p:cxnSp>
+      <p:cxnSp>
+        <p:nvCxnSpPr>
+          <p:cNvPr id="72" name="Conector recto de flecha 71">
+            <a:extLst>
+              <a:ext uri="{FF2B5EF4-FFF2-40B4-BE49-F238E27FC236}">
+                <a16:creationId xmlns:a16="http://schemas.microsoft.com/office/drawing/2014/main" id="{43C1CD7C-55FA-4327-B7B2-EABCEB68E718}"/>
+              </a:ext>
+            </a:extLst>
+          </p:cNvPr>
+          <p:cNvCxnSpPr>
+            <a:cxnSpLocks/>
+          </p:cNvCxnSpPr>
+          <p:nvPr/>
+        </p:nvCxnSpPr>
+        <p:spPr>
+          <a:xfrm>
+            <a:off x="2787095" y="4070881"/>
+            <a:ext cx="690879" cy="0"/>
+          </a:xfrm>
+          <a:prstGeom prst="straightConnector1">
+            <a:avLst/>
+          </a:prstGeom>
+          <a:ln w="12700">
+            <a:solidFill>
+              <a:schemeClr val="tx1"/>
+            </a:solidFill>
+            <a:tailEnd type="triangle"/>
+          </a:ln>
+        </p:spPr>
+        <p:style>
+          <a:lnRef idx="1">
+            <a:schemeClr val="accent1"/>
+          </a:lnRef>
+          <a:fillRef idx="0">
+            <a:schemeClr val="accent1"/>
+          </a:fillRef>
+          <a:effectRef idx="0">
+            <a:schemeClr val="accent1"/>
+          </a:effectRef>
+          <a:fontRef idx="minor">
+            <a:schemeClr val="tx1"/>
+          </a:fontRef>
+        </p:style>
+      </p:cxnSp>
+      <p:cxnSp>
+        <p:nvCxnSpPr>
+          <p:cNvPr id="75" name="Conector recto de flecha 74">
+            <a:extLst>
+              <a:ext uri="{FF2B5EF4-FFF2-40B4-BE49-F238E27FC236}">
+                <a16:creationId xmlns:a16="http://schemas.microsoft.com/office/drawing/2014/main" id="{7BF5EAA3-7A88-4CB6-8F19-A9C6A6A15579}"/>
+              </a:ext>
+            </a:extLst>
+          </p:cNvPr>
+          <p:cNvCxnSpPr>
+            <a:cxnSpLocks/>
+          </p:cNvCxnSpPr>
+          <p:nvPr/>
+        </p:nvCxnSpPr>
+        <p:spPr>
+          <a:xfrm>
+            <a:off x="4434812" y="5364364"/>
+            <a:ext cx="1661188" cy="0"/>
+          </a:xfrm>
+          <a:prstGeom prst="straightConnector1">
+            <a:avLst/>
+          </a:prstGeom>
+          <a:ln w="12700">
+            <a:solidFill>
+              <a:schemeClr val="tx1"/>
+            </a:solidFill>
+            <a:tailEnd type="triangle"/>
+          </a:ln>
+        </p:spPr>
+        <p:style>
+          <a:lnRef idx="1">
+            <a:schemeClr val="accent1"/>
+          </a:lnRef>
+          <a:fillRef idx="0">
+            <a:schemeClr val="accent1"/>
+          </a:fillRef>
+          <a:effectRef idx="0">
+            <a:schemeClr val="accent1"/>
+          </a:effectRef>
+          <a:fontRef idx="minor">
+            <a:schemeClr val="tx1"/>
+          </a:fontRef>
+        </p:style>
+      </p:cxnSp>
+      <p:sp>
+        <p:nvSpPr>
+          <p:cNvPr id="76" name="CuadroTexto 75">
+            <a:extLst>
+              <a:ext uri="{FF2B5EF4-FFF2-40B4-BE49-F238E27FC236}">
+                <a16:creationId xmlns:a16="http://schemas.microsoft.com/office/drawing/2014/main" id="{7BB90A36-6ED8-46DE-B10E-497548D34338}"/>
+              </a:ext>
+            </a:extLst>
+          </p:cNvPr>
+          <p:cNvSpPr txBox="1"/>
+          <p:nvPr/>
+        </p:nvSpPr>
+        <p:spPr>
+          <a:xfrm>
+            <a:off x="4979636" y="5166476"/>
+            <a:ext cx="634303" cy="230832"/>
+          </a:xfrm>
+          <a:prstGeom prst="rect">
+            <a:avLst/>
+          </a:prstGeom>
+          <a:noFill/>
+        </p:spPr>
+        <p:txBody>
+          <a:bodyPr wrap="square" rtlCol="0">
+            <a:spAutoFit/>
+          </a:bodyPr>
+          <a:lstStyle/>
+          <a:p>
+            <a:r>
+              <a:rPr lang="es-ES" sz="900" i="1" dirty="0"/>
+              <a:t>ATTEMPS</a:t>
+            </a:r>
+          </a:p>
+        </p:txBody>
+      </p:sp>
+      <p:cxnSp>
+        <p:nvCxnSpPr>
+          <p:cNvPr id="77" name="Conector recto de flecha 76">
+            <a:extLst>
+              <a:ext uri="{FF2B5EF4-FFF2-40B4-BE49-F238E27FC236}">
+                <a16:creationId xmlns:a16="http://schemas.microsoft.com/office/drawing/2014/main" id="{0B0F0C52-55B4-46A8-A428-F1F5EC973123}"/>
+              </a:ext>
+            </a:extLst>
+          </p:cNvPr>
+          <p:cNvCxnSpPr>
+            <a:cxnSpLocks/>
+          </p:cNvCxnSpPr>
+          <p:nvPr/>
+        </p:nvCxnSpPr>
+        <p:spPr>
+          <a:xfrm>
+            <a:off x="2772383" y="5482249"/>
+            <a:ext cx="969537" cy="0"/>
+          </a:xfrm>
+          <a:prstGeom prst="straightConnector1">
+            <a:avLst/>
+          </a:prstGeom>
+          <a:ln w="12700">
+            <a:solidFill>
+              <a:schemeClr val="tx1"/>
+            </a:solidFill>
+            <a:tailEnd type="triangle"/>
+          </a:ln>
+        </p:spPr>
+        <p:style>
+          <a:lnRef idx="1">
+            <a:schemeClr val="accent1"/>
+          </a:lnRef>
+          <a:fillRef idx="0">
+            <a:schemeClr val="accent1"/>
+          </a:fillRef>
+          <a:effectRef idx="0">
+            <a:schemeClr val="accent1"/>
+          </a:effectRef>
+          <a:fontRef idx="minor">
+            <a:schemeClr val="tx1"/>
+          </a:fontRef>
+        </p:style>
+      </p:cxnSp>
+      <p:cxnSp>
+        <p:nvCxnSpPr>
+          <p:cNvPr id="78" name="Conector recto de flecha 77">
+            <a:extLst>
+              <a:ext uri="{FF2B5EF4-FFF2-40B4-BE49-F238E27FC236}">
+                <a16:creationId xmlns:a16="http://schemas.microsoft.com/office/drawing/2014/main" id="{FC8F1957-9C9C-4F32-9345-97F5293BB878}"/>
+              </a:ext>
+            </a:extLst>
+          </p:cNvPr>
+          <p:cNvCxnSpPr>
+            <a:cxnSpLocks/>
+          </p:cNvCxnSpPr>
+          <p:nvPr/>
+        </p:nvCxnSpPr>
+        <p:spPr>
+          <a:xfrm flipH="1">
+            <a:off x="2772383" y="5954921"/>
+            <a:ext cx="991598" cy="0"/>
+          </a:xfrm>
+          <a:prstGeom prst="straightConnector1">
+            <a:avLst/>
+          </a:prstGeom>
+          <a:ln w="12700">
+            <a:solidFill>
+              <a:schemeClr val="tx1"/>
+            </a:solidFill>
+            <a:tailEnd type="triangle"/>
+          </a:ln>
+        </p:spPr>
+        <p:style>
+          <a:lnRef idx="1">
+            <a:schemeClr val="accent1"/>
+          </a:lnRef>
+          <a:fillRef idx="0">
+            <a:schemeClr val="accent1"/>
+          </a:fillRef>
+          <a:effectRef idx="0">
+            <a:schemeClr val="accent1"/>
+          </a:effectRef>
+          <a:fontRef idx="minor">
+            <a:schemeClr val="tx1"/>
+          </a:fontRef>
+        </p:style>
+      </p:cxnSp>
+      <p:cxnSp>
+        <p:nvCxnSpPr>
+          <p:cNvPr id="79" name="Conector recto de flecha 78">
+            <a:extLst>
+              <a:ext uri="{FF2B5EF4-FFF2-40B4-BE49-F238E27FC236}">
+                <a16:creationId xmlns:a16="http://schemas.microsoft.com/office/drawing/2014/main" id="{C9A1B49F-112E-4340-960A-4CB34A50EE14}"/>
+              </a:ext>
+            </a:extLst>
+          </p:cNvPr>
+          <p:cNvCxnSpPr>
+            <a:cxnSpLocks/>
+          </p:cNvCxnSpPr>
+          <p:nvPr/>
+        </p:nvCxnSpPr>
+        <p:spPr>
+          <a:xfrm>
+            <a:off x="2772383" y="5721881"/>
+            <a:ext cx="974795" cy="0"/>
+          </a:xfrm>
+          <a:prstGeom prst="straightConnector1">
+            <a:avLst/>
+          </a:prstGeom>
+          <a:ln w="12700">
+            <a:solidFill>
+              <a:schemeClr val="tx1"/>
+            </a:solidFill>
+            <a:tailEnd type="triangle"/>
+          </a:ln>
+        </p:spPr>
+        <p:style>
+          <a:lnRef idx="1">
+            <a:schemeClr val="accent1"/>
+          </a:lnRef>
+          <a:fillRef idx="0">
+            <a:schemeClr val="accent1"/>
+          </a:fillRef>
+          <a:effectRef idx="0">
+            <a:schemeClr val="accent1"/>
+          </a:effectRef>
+          <a:fontRef idx="minor">
+            <a:schemeClr val="tx1"/>
+          </a:fontRef>
+        </p:style>
+      </p:cxnSp>
+      <p:sp>
+        <p:nvSpPr>
+          <p:cNvPr id="95" name="CuadroTexto 94">
+            <a:extLst>
+              <a:ext uri="{FF2B5EF4-FFF2-40B4-BE49-F238E27FC236}">
+                <a16:creationId xmlns:a16="http://schemas.microsoft.com/office/drawing/2014/main" id="{03C442A2-1E5F-4AB5-881A-BA0FFD99FCCE}"/>
+              </a:ext>
+            </a:extLst>
+          </p:cNvPr>
+          <p:cNvSpPr txBox="1"/>
+          <p:nvPr/>
+        </p:nvSpPr>
+        <p:spPr>
+          <a:xfrm>
+            <a:off x="2720527" y="5324429"/>
+            <a:ext cx="410690" cy="200055"/>
+          </a:xfrm>
+          <a:prstGeom prst="rect">
+            <a:avLst/>
+          </a:prstGeom>
+          <a:noFill/>
+        </p:spPr>
+        <p:txBody>
+          <a:bodyPr wrap="none" rtlCol="0">
+            <a:spAutoFit/>
+          </a:bodyPr>
+          <a:lstStyle/>
+          <a:p>
+            <a:r>
+              <a:rPr lang="es-ES" sz="700" i="1" dirty="0"/>
+              <a:t>START</a:t>
+            </a:r>
+          </a:p>
+        </p:txBody>
+      </p:sp>
+      <p:sp>
+        <p:nvSpPr>
+          <p:cNvPr id="96" name="CuadroTexto 95">
+            <a:extLst>
+              <a:ext uri="{FF2B5EF4-FFF2-40B4-BE49-F238E27FC236}">
+                <a16:creationId xmlns:a16="http://schemas.microsoft.com/office/drawing/2014/main" id="{A9A2AF09-44F2-46D6-94F6-AD717DA1A270}"/>
+              </a:ext>
+            </a:extLst>
+          </p:cNvPr>
+          <p:cNvSpPr txBox="1"/>
+          <p:nvPr/>
+        </p:nvSpPr>
+        <p:spPr>
+          <a:xfrm>
+            <a:off x="2782180" y="5781855"/>
+            <a:ext cx="399468" cy="200055"/>
+          </a:xfrm>
+          <a:prstGeom prst="rect">
+            <a:avLst/>
+          </a:prstGeom>
+          <a:noFill/>
+        </p:spPr>
+        <p:txBody>
+          <a:bodyPr wrap="none" rtlCol="0">
+            <a:spAutoFit/>
+          </a:bodyPr>
+          <a:lstStyle/>
+          <a:p>
+            <a:r>
+              <a:rPr lang="es-ES" sz="700" i="1" dirty="0"/>
+              <a:t>DONE</a:t>
+            </a:r>
+          </a:p>
+        </p:txBody>
+      </p:sp>
+      <p:sp>
+        <p:nvSpPr>
+          <p:cNvPr id="97" name="CuadroTexto 96">
+            <a:extLst>
+              <a:ext uri="{FF2B5EF4-FFF2-40B4-BE49-F238E27FC236}">
+                <a16:creationId xmlns:a16="http://schemas.microsoft.com/office/drawing/2014/main" id="{C2575A3F-F2F8-4C68-A76F-FAC0796116D2}"/>
+              </a:ext>
+            </a:extLst>
+          </p:cNvPr>
+          <p:cNvSpPr txBox="1"/>
+          <p:nvPr/>
+        </p:nvSpPr>
+        <p:spPr>
+          <a:xfrm>
+            <a:off x="2724966" y="5562107"/>
+            <a:ext cx="458780" cy="200055"/>
+          </a:xfrm>
+          <a:prstGeom prst="rect">
+            <a:avLst/>
+          </a:prstGeom>
+          <a:noFill/>
+        </p:spPr>
+        <p:txBody>
+          <a:bodyPr wrap="none" rtlCol="0">
+            <a:spAutoFit/>
+          </a:bodyPr>
+          <a:lstStyle/>
+          <a:p>
+            <a:r>
+              <a:rPr lang="es-ES" sz="700" i="1" dirty="0"/>
+              <a:t>PARAM</a:t>
+            </a:r>
+          </a:p>
+        </p:txBody>
+      </p:sp>
+      <p:sp>
+        <p:nvSpPr>
+          <p:cNvPr id="98" name="CuadroTexto 97">
+            <a:extLst>
+              <a:ext uri="{FF2B5EF4-FFF2-40B4-BE49-F238E27FC236}">
+                <a16:creationId xmlns:a16="http://schemas.microsoft.com/office/drawing/2014/main" id="{3D761AC8-7FA5-4072-A664-F2A42A5E458C}"/>
+              </a:ext>
+            </a:extLst>
+          </p:cNvPr>
+          <p:cNvSpPr txBox="1"/>
+          <p:nvPr/>
+        </p:nvSpPr>
+        <p:spPr>
+          <a:xfrm>
+            <a:off x="2725118" y="3679076"/>
+            <a:ext cx="410690" cy="200055"/>
+          </a:xfrm>
+          <a:prstGeom prst="rect">
+            <a:avLst/>
+          </a:prstGeom>
+          <a:noFill/>
+        </p:spPr>
+        <p:txBody>
+          <a:bodyPr wrap="none" rtlCol="0">
+            <a:spAutoFit/>
+          </a:bodyPr>
+          <a:lstStyle/>
+          <a:p>
+            <a:r>
+              <a:rPr lang="es-ES" sz="700" i="1" dirty="0"/>
+              <a:t>START</a:t>
+            </a:r>
+          </a:p>
+        </p:txBody>
+      </p:sp>
+      <p:sp>
+        <p:nvSpPr>
+          <p:cNvPr id="99" name="CuadroTexto 98">
+            <a:extLst>
+              <a:ext uri="{FF2B5EF4-FFF2-40B4-BE49-F238E27FC236}">
+                <a16:creationId xmlns:a16="http://schemas.microsoft.com/office/drawing/2014/main" id="{10299C51-9074-4618-A5CA-D0E88B05F08B}"/>
+              </a:ext>
+            </a:extLst>
+          </p:cNvPr>
+          <p:cNvSpPr txBox="1"/>
+          <p:nvPr/>
+        </p:nvSpPr>
+        <p:spPr>
+          <a:xfrm>
+            <a:off x="2786771" y="4136502"/>
+            <a:ext cx="399468" cy="200055"/>
+          </a:xfrm>
+          <a:prstGeom prst="rect">
+            <a:avLst/>
+          </a:prstGeom>
+          <a:noFill/>
+        </p:spPr>
+        <p:txBody>
+          <a:bodyPr wrap="none" rtlCol="0">
+            <a:spAutoFit/>
+          </a:bodyPr>
+          <a:lstStyle/>
+          <a:p>
+            <a:r>
+              <a:rPr lang="es-ES" sz="700" i="1" dirty="0"/>
+              <a:t>DONE</a:t>
+            </a:r>
+          </a:p>
+        </p:txBody>
+      </p:sp>
+      <p:sp>
+        <p:nvSpPr>
+          <p:cNvPr id="100" name="CuadroTexto 99">
+            <a:extLst>
+              <a:ext uri="{FF2B5EF4-FFF2-40B4-BE49-F238E27FC236}">
+                <a16:creationId xmlns:a16="http://schemas.microsoft.com/office/drawing/2014/main" id="{459B51C6-4EA4-48E1-B6A6-3CC7DF78F2FA}"/>
+              </a:ext>
+            </a:extLst>
+          </p:cNvPr>
+          <p:cNvSpPr txBox="1"/>
+          <p:nvPr/>
+        </p:nvSpPr>
+        <p:spPr>
+          <a:xfrm>
+            <a:off x="2729557" y="3916754"/>
+            <a:ext cx="458780" cy="200055"/>
+          </a:xfrm>
+          <a:prstGeom prst="rect">
+            <a:avLst/>
+          </a:prstGeom>
+          <a:noFill/>
+        </p:spPr>
+        <p:txBody>
+          <a:bodyPr wrap="none" rtlCol="0">
+            <a:spAutoFit/>
+          </a:bodyPr>
+          <a:lstStyle/>
+          <a:p>
+            <a:r>
+              <a:rPr lang="es-ES" sz="700" i="1" dirty="0"/>
+              <a:t>PARAM</a:t>
+            </a:r>
+          </a:p>
+        </p:txBody>
+      </p:sp>
+      <p:sp>
+        <p:nvSpPr>
+          <p:cNvPr id="101" name="CuadroTexto 100">
+            <a:extLst>
+              <a:ext uri="{FF2B5EF4-FFF2-40B4-BE49-F238E27FC236}">
+                <a16:creationId xmlns:a16="http://schemas.microsoft.com/office/drawing/2014/main" id="{A2C87B76-7D99-4664-8D2B-1F8E74C6A6EA}"/>
+              </a:ext>
+            </a:extLst>
+          </p:cNvPr>
+          <p:cNvSpPr txBox="1"/>
+          <p:nvPr/>
+        </p:nvSpPr>
+        <p:spPr>
+          <a:xfrm>
+            <a:off x="2720527" y="2881567"/>
+            <a:ext cx="410690" cy="200055"/>
+          </a:xfrm>
+          <a:prstGeom prst="rect">
+            <a:avLst/>
+          </a:prstGeom>
+          <a:noFill/>
+        </p:spPr>
+        <p:txBody>
+          <a:bodyPr wrap="none" rtlCol="0">
+            <a:spAutoFit/>
+          </a:bodyPr>
+          <a:lstStyle/>
+          <a:p>
+            <a:r>
+              <a:rPr lang="es-ES" sz="700" i="1" dirty="0"/>
+              <a:t>START</a:t>
+            </a:r>
+          </a:p>
+        </p:txBody>
+      </p:sp>
+      <p:sp>
+        <p:nvSpPr>
+          <p:cNvPr id="102" name="CuadroTexto 101">
+            <a:extLst>
+              <a:ext uri="{FF2B5EF4-FFF2-40B4-BE49-F238E27FC236}">
+                <a16:creationId xmlns:a16="http://schemas.microsoft.com/office/drawing/2014/main" id="{326BE02D-4A95-4D0B-86BB-B8438CF23D46}"/>
+              </a:ext>
+            </a:extLst>
+          </p:cNvPr>
+          <p:cNvSpPr txBox="1"/>
+          <p:nvPr/>
+        </p:nvSpPr>
+        <p:spPr>
+          <a:xfrm>
+            <a:off x="2766797" y="3176489"/>
+            <a:ext cx="399468" cy="200055"/>
+          </a:xfrm>
+          <a:prstGeom prst="rect">
+            <a:avLst/>
+          </a:prstGeom>
+          <a:noFill/>
+        </p:spPr>
+        <p:txBody>
+          <a:bodyPr wrap="none" rtlCol="0">
+            <a:spAutoFit/>
+          </a:bodyPr>
+          <a:lstStyle/>
+          <a:p>
+            <a:r>
+              <a:rPr lang="es-ES" sz="700" i="1" dirty="0"/>
+              <a:t>DONE</a:t>
+            </a:r>
+          </a:p>
+        </p:txBody>
+      </p:sp>
+      <p:sp>
+        <p:nvSpPr>
+          <p:cNvPr id="103" name="CuadroTexto 102">
+            <a:extLst>
+              <a:ext uri="{FF2B5EF4-FFF2-40B4-BE49-F238E27FC236}">
+                <a16:creationId xmlns:a16="http://schemas.microsoft.com/office/drawing/2014/main" id="{70E2C165-BF80-4022-899A-AFB52BC17DB6}"/>
+              </a:ext>
+            </a:extLst>
+          </p:cNvPr>
+          <p:cNvSpPr txBox="1"/>
+          <p:nvPr/>
+        </p:nvSpPr>
+        <p:spPr>
+          <a:xfrm>
+            <a:off x="4119846" y="3910666"/>
+            <a:ext cx="410690" cy="200055"/>
+          </a:xfrm>
+          <a:prstGeom prst="rect">
+            <a:avLst/>
+          </a:prstGeom>
+          <a:noFill/>
+        </p:spPr>
+        <p:txBody>
+          <a:bodyPr wrap="none" rtlCol="0">
+            <a:spAutoFit/>
+          </a:bodyPr>
+          <a:lstStyle/>
+          <a:p>
+            <a:r>
+              <a:rPr lang="es-ES" sz="700" i="1" dirty="0"/>
+              <a:t>START</a:t>
+            </a:r>
+          </a:p>
+        </p:txBody>
+      </p:sp>
+      <p:sp>
+        <p:nvSpPr>
+          <p:cNvPr id="104" name="CuadroTexto 103">
+            <a:extLst>
+              <a:ext uri="{FF2B5EF4-FFF2-40B4-BE49-F238E27FC236}">
+                <a16:creationId xmlns:a16="http://schemas.microsoft.com/office/drawing/2014/main" id="{A896D679-2B9B-46EE-AA3A-1C27556817A2}"/>
+              </a:ext>
+            </a:extLst>
+          </p:cNvPr>
+          <p:cNvSpPr txBox="1"/>
+          <p:nvPr/>
+        </p:nvSpPr>
+        <p:spPr>
+          <a:xfrm>
+            <a:off x="4166116" y="4205588"/>
+            <a:ext cx="399468" cy="200055"/>
+          </a:xfrm>
+          <a:prstGeom prst="rect">
+            <a:avLst/>
+          </a:prstGeom>
+          <a:noFill/>
+        </p:spPr>
+        <p:txBody>
+          <a:bodyPr wrap="none" rtlCol="0">
+            <a:spAutoFit/>
+          </a:bodyPr>
+          <a:lstStyle/>
+          <a:p>
+            <a:r>
+              <a:rPr lang="es-ES" sz="700" i="1" dirty="0"/>
+              <a:t>DONE</a:t>
+            </a:r>
+          </a:p>
+        </p:txBody>
+      </p:sp>
+      <p:sp>
+        <p:nvSpPr>
+          <p:cNvPr id="109" name="CuadroTexto 108">
+            <a:extLst>
+              <a:ext uri="{FF2B5EF4-FFF2-40B4-BE49-F238E27FC236}">
+                <a16:creationId xmlns:a16="http://schemas.microsoft.com/office/drawing/2014/main" id="{9F12B3BF-2277-425C-8B5D-DBFF65455631}"/>
+              </a:ext>
+            </a:extLst>
+          </p:cNvPr>
+          <p:cNvSpPr txBox="1"/>
+          <p:nvPr/>
+        </p:nvSpPr>
+        <p:spPr>
+          <a:xfrm>
+            <a:off x="2778330" y="2440717"/>
+            <a:ext cx="553357" cy="200055"/>
+          </a:xfrm>
+          <a:prstGeom prst="rect">
+            <a:avLst/>
+          </a:prstGeom>
+          <a:noFill/>
+        </p:spPr>
+        <p:txBody>
+          <a:bodyPr wrap="none" rtlCol="0">
+            <a:spAutoFit/>
+          </a:bodyPr>
+          <a:lstStyle/>
+          <a:p>
+            <a:r>
+              <a:rPr lang="es-ES" sz="700" i="1" dirty="0"/>
+              <a:t>NEW_SEQ</a:t>
+            </a:r>
+          </a:p>
+        </p:txBody>
+      </p:sp>
+      <p:sp>
+        <p:nvSpPr>
+          <p:cNvPr id="114" name="CuadroTexto 113">
+            <a:extLst>
+              <a:ext uri="{FF2B5EF4-FFF2-40B4-BE49-F238E27FC236}">
+                <a16:creationId xmlns:a16="http://schemas.microsoft.com/office/drawing/2014/main" id="{A4FAA36D-503E-4D95-ADE1-C3CBE7C7AD9A}"/>
+              </a:ext>
+            </a:extLst>
+          </p:cNvPr>
+          <p:cNvSpPr txBox="1"/>
+          <p:nvPr/>
+        </p:nvSpPr>
+        <p:spPr>
+          <a:xfrm>
+            <a:off x="2793683" y="2148767"/>
+            <a:ext cx="575799" cy="200055"/>
+          </a:xfrm>
+          <a:prstGeom prst="rect">
+            <a:avLst/>
+          </a:prstGeom>
+          <a:noFill/>
+        </p:spPr>
+        <p:txBody>
+          <a:bodyPr wrap="none" rtlCol="0">
+            <a:spAutoFit/>
+          </a:bodyPr>
+          <a:lstStyle/>
+          <a:p>
+            <a:r>
+              <a:rPr lang="es-ES" sz="700" i="1" dirty="0"/>
+              <a:t>SEQUENCE</a:t>
+            </a:r>
+          </a:p>
+        </p:txBody>
+      </p:sp>
+    </p:spTree>
+    <p:extLst>
+      <p:ext uri="{BB962C8B-B14F-4D97-AF65-F5344CB8AC3E}">
+        <p14:creationId xmlns:p14="http://schemas.microsoft.com/office/powerpoint/2010/main" val="2951237072"/>
+      </p:ext>
+    </p:extLst>
+  </p:cSld>
+  <p:clrMapOvr>
+    <a:masterClrMapping/>
+  </p:clrMapOvr>
+</p:sld>
+</file>
+
 <file path=ppt/theme/theme1.xml><?xml version="1.0" encoding="utf-8"?>
 <a:theme xmlns:a="http://schemas.openxmlformats.org/drawingml/2006/main" name="Tema de Office">
   <a:themeElements>
